--- a/Examples/Data/Charts/OrganizationChart.pptx
+++ b/Examples/Data/Charts/OrganizationChart.pptx
@@ -1,14 +1,14 @@
 
 <file path=ppt/presentation.xml><?xml version="1.0" encoding="utf-8"?>
-<!--Generated by Aspose.Slides for .NET 19.5-->
+<!--Generated by Aspose.Slides for .NET 19.6-->
 <p:presentation xmlns:r="http://schemas.openxmlformats.org/officeDocument/2006/relationships" xmlns:a="http://schemas.openxmlformats.org/drawingml/2006/main" xmlns:p="http://schemas.openxmlformats.org/presentationml/2006/main" saveSubsetFonts="1">
   <p:sldMasterIdLst>
     <p:sldMasterId id="2147483648" r:id="rId1"/>
   </p:sldMasterIdLst>
   <p:sldIdLst>
-    <p:sldId id="257" r:id="rId2"/>
+    <p:sldId id="256" r:id="rId2"/>
   </p:sldIdLst>
-  <p:sldSz cx="12192000" cy="6858000"/>
+  <p:sldSz cx="9144000" cy="6858000" type="screen4x3"/>
   <p:notesSz cx="6858000" cy="9144000"/>
   <p:custDataLst>
     <p:tags r:id="rId3"/>
@@ -111,6 +111,275 @@
 </p:presentation>
 </file>
 
+<file path=ppt/charts/chart1.xml><?xml version="1.0" encoding="utf-8"?>
+<c:chartSpace xmlns:a="http://schemas.openxmlformats.org/drawingml/2006/main" xmlns:r="http://schemas.openxmlformats.org/officeDocument/2006/relationships" xmlns:c="http://schemas.openxmlformats.org/drawingml/2006/chart">
+  <c:date1904 val="0"/>
+  <c:lang val="ru-RU"/>
+  <c:roundedCorners val="0"/>
+  <mc:AlternateContent xmlns:mc="http://schemas.openxmlformats.org/markup-compatibility/2006">
+    <mc:Choice xmlns:c14="http://schemas.microsoft.com/office/drawing/2007/8/2/chart" Requires="c14">
+      <c14:style val="102"/>
+    </mc:Choice>
+    <mc:Fallback>
+      <c:style val="2"/>
+    </mc:Fallback>
+  </mc:AlternateContent>
+  <c:chart>
+    <c:autoTitleDeleted val="1"/>
+    <c:plotArea>
+      <c:barChart>
+        <c:barDir val="col"/>
+        <c:grouping val="clustered"/>
+        <c:varyColors val="0"/>
+        <c:ser>
+          <c:idx val="0"/>
+          <c:order val="0"/>
+          <c:tx>
+            <c:strRef>
+              <c:f>Sheet1!$B$1</c:f>
+              <c:strCache>
+                <c:ptCount val="1"/>
+                <c:pt idx="0">
+                  <c:v>Series 1</c:v>
+                </c:pt>
+              </c:strCache>
+            </c:strRef>
+          </c:tx>
+          <c:invertIfNegative val="1"/>
+          <c:cat>
+            <c:strRef>
+              <c:f>Sheet1!$A$2:$A$5</c:f>
+              <c:strCache>
+                <c:ptCount val="4"/>
+                <c:pt idx="0">
+                  <c:v>Category 1</c:v>
+                </c:pt>
+                <c:pt idx="1">
+                  <c:v>Category 2</c:v>
+                </c:pt>
+                <c:pt idx="2">
+                  <c:v>Category 3</c:v>
+                </c:pt>
+                <c:pt idx="3">
+                  <c:v>Category 4</c:v>
+                </c:pt>
+              </c:strCache>
+            </c:strRef>
+          </c:cat>
+          <c:val>
+            <c:numRef>
+              <c:f>Sheet1!$B$2:$B$5</c:f>
+              <c:numCache>
+                <c:formatCode>General</c:formatCode>
+                <c:ptCount val="4"/>
+                <c:pt idx="0">
+                  <c:v>4.3</c:v>
+                </c:pt>
+                <c:pt idx="1">
+                  <c:v>2.5</c:v>
+                </c:pt>
+                <c:pt idx="2">
+                  <c:v>3.5</c:v>
+                </c:pt>
+                <c:pt idx="3">
+                  <c:v>4.5</c:v>
+                </c:pt>
+              </c:numCache>
+            </c:numRef>
+          </c:val>
+        </c:ser>
+        <c:ser>
+          <c:idx val="1"/>
+          <c:order val="1"/>
+          <c:tx>
+            <c:strRef>
+              <c:f>Sheet1!$C$1</c:f>
+              <c:strCache>
+                <c:ptCount val="1"/>
+                <c:pt idx="0">
+                  <c:v>Series 2</c:v>
+                </c:pt>
+              </c:strCache>
+            </c:strRef>
+          </c:tx>
+          <c:invertIfNegative val="1"/>
+          <c:cat>
+            <c:strRef>
+              <c:f>Sheet1!$A$2:$A$5</c:f>
+              <c:strCache>
+                <c:ptCount val="4"/>
+                <c:pt idx="0">
+                  <c:v>Category 1</c:v>
+                </c:pt>
+                <c:pt idx="1">
+                  <c:v>Category 2</c:v>
+                </c:pt>
+                <c:pt idx="2">
+                  <c:v>Category 3</c:v>
+                </c:pt>
+                <c:pt idx="3">
+                  <c:v>Category 4</c:v>
+                </c:pt>
+              </c:strCache>
+            </c:strRef>
+          </c:cat>
+          <c:val>
+            <c:numRef>
+              <c:f>Sheet1!$C$2:$C$5</c:f>
+              <c:numCache>
+                <c:formatCode>General</c:formatCode>
+                <c:ptCount val="4"/>
+                <c:pt idx="0">
+                  <c:v>2.4</c:v>
+                </c:pt>
+                <c:pt idx="1">
+                  <c:v>4.4</c:v>
+                </c:pt>
+                <c:pt idx="2">
+                  <c:v>1.8</c:v>
+                </c:pt>
+                <c:pt idx="3">
+                  <c:v>2.8</c:v>
+                </c:pt>
+              </c:numCache>
+            </c:numRef>
+          </c:val>
+        </c:ser>
+        <c:ser>
+          <c:idx val="2"/>
+          <c:order val="2"/>
+          <c:tx>
+            <c:strRef>
+              <c:f>Sheet1!$D$1</c:f>
+              <c:strCache>
+                <c:ptCount val="1"/>
+                <c:pt idx="0">
+                  <c:v>Series 3</c:v>
+                </c:pt>
+              </c:strCache>
+            </c:strRef>
+          </c:tx>
+          <c:invertIfNegative val="1"/>
+          <c:cat>
+            <c:strRef>
+              <c:f>Sheet1!$A$2:$A$5</c:f>
+              <c:strCache>
+                <c:ptCount val="4"/>
+                <c:pt idx="0">
+                  <c:v>Category 1</c:v>
+                </c:pt>
+                <c:pt idx="1">
+                  <c:v>Category 2</c:v>
+                </c:pt>
+                <c:pt idx="2">
+                  <c:v>Category 3</c:v>
+                </c:pt>
+                <c:pt idx="3">
+                  <c:v>Category 4</c:v>
+                </c:pt>
+              </c:strCache>
+            </c:strRef>
+          </c:cat>
+          <c:val>
+            <c:numRef>
+              <c:f>Sheet1!$D$2:$D$5</c:f>
+              <c:numCache>
+                <c:formatCode>General</c:formatCode>
+                <c:ptCount val="4"/>
+                <c:pt idx="0">
+                  <c:v>2</c:v>
+                </c:pt>
+                <c:pt idx="1">
+                  <c:v>2</c:v>
+                </c:pt>
+                <c:pt idx="2">
+                  <c:v>3</c:v>
+                </c:pt>
+                <c:pt idx="3">
+                  <c:v>5</c:v>
+                </c:pt>
+              </c:numCache>
+            </c:numRef>
+          </c:val>
+        </c:ser>
+        <c:dLbls>
+          <c:showLegendKey val="0"/>
+          <c:showVal val="0"/>
+          <c:showCatName val="0"/>
+          <c:showSerName val="0"/>
+          <c:showPercent val="0"/>
+          <c:showBubbleSize val="0"/>
+          <c:showLeaderLines val="0"/>
+        </c:dLbls>
+        <c:gapWidth/>
+        <c:overlap/>
+        <c:axId val="67451136"/>
+        <c:axId val="66437120"/>
+      </c:barChart>
+      <c:catAx>
+        <c:axId val="67451136"/>
+        <c:scaling>
+          <c:orientation/>
+        </c:scaling>
+        <c:delete val="0"/>
+        <c:axPos val="b"/>
+        <c:majorTickMark val="out"/>
+        <c:minorTickMark val="none"/>
+        <c:crossAx val="66437120"/>
+        <c:crosses val="autoZero"/>
+        <c:auto val="0"/>
+        <c:lblAlgn val="ctr"/>
+        <c:lblOffset/>
+        <c:noMultiLvlLbl val="0"/>
+      </c:catAx>
+      <c:valAx>
+        <c:axId val="66437120"/>
+        <c:scaling>
+          <c:orientation/>
+        </c:scaling>
+        <c:delete val="0"/>
+        <c:axPos val="l"/>
+        <c:majorGridlines/>
+        <c:title>
+          <c:overlay val="1"/>
+          <c:txPr>
+            <a:bodyPr rot="5400000"/>
+            <a:p>
+              <a:pPr>
+                <a:defRPr/>
+              </a:pPr>
+            </a:p>
+          </c:txPr>
+        </c:title>
+        <c:numFmt formatCode="General" sourceLinked="1"/>
+        <c:majorTickMark val="out"/>
+        <c:minorTickMark val="none"/>
+        <c:crossAx val="67451136"/>
+        <c:crosses val="autoZero"/>
+        <c:crossBetween val="between"/>
+      </c:valAx>
+    </c:plotArea>
+    <c:legend>
+      <c:legendPos/>
+      <c:overlay val="0"/>
+    </c:legend>
+    <c:plotVisOnly val="1"/>
+    <c:dispBlanksAs/>
+    <c:showDLblsOverMax val="1"/>
+  </c:chart>
+  <c:txPr>
+    <a:bodyPr/>
+    <a:p>
+      <a:pPr>
+        <a:defRPr sz="1800" smtId="4294967295"/>
+      </a:pPr>
+      <a:endParaRPr sz="1800" smtId="4294967295"/>
+    </a:p>
+  </c:txPr>
+  <c:externalData r:id="rId1"/>
+</c:chartSpace>
+</file>
+
 <file path=ppt/diagrams/colors1.xml><?xml version="1.0" encoding="utf-8"?>
 <dgm:colorsDef xmlns:a="http://schemas.openxmlformats.org/drawingml/2006/main" xmlns:dgm="http://schemas.openxmlformats.org/drawingml/2006/diagram" uniqueId="urn:microsoft.com/office/officeart/2005/8/colors/accent1_2">
   <dgm:title val=""/>
@@ -872,7 +1141,7 @@
         </a:p>
       </dgm:t>
     </dgm:pt>
-    <dgm:pt modelId="{A8A7F73C-17DD-4966-86C4-C54F16E27115}" type="parTrans" cxnId="{4E8F2BF5-5D99-4ACB-AF3F-6E5E8E0C4A6C}">
+    <dgm:pt modelId="{A8A7F73C-17DD-4966-86C4-C54F16E27115}" type="parTrans" cxnId="{A2EF5BA0-782E-48EE-ABFB-2B2AEC6A8700}">
       <dgm:prSet/>
       <dgm:spPr/>
       <dgm:t>
@@ -894,7 +1163,7 @@
         </a:p>
       </dgm:t>
     </dgm:pt>
-    <dgm:pt modelId="{58A0E634-FE90-42F0-B3ED-93573445F73D}" type="parTrans" cxnId="{E7F146F2-CE1C-42C3-B484-BCBCD73EC24D}">
+    <dgm:pt modelId="{58A0E634-FE90-42F0-B3ED-93573445F73D}" type="parTrans" cxnId="{649EE98E-2670-415B-9877-E76FC8474F15}">
       <dgm:prSet/>
       <dgm:spPr/>
       <dgm:t>
@@ -916,7 +1185,7 @@
         </a:p>
       </dgm:t>
     </dgm:pt>
-    <dgm:pt modelId="{0430B213-44BD-438F-AACA-6C4C3DF12993}" type="sibTrans" cxnId="{E7F146F2-CE1C-42C3-B484-BCBCD73EC24D}">
+    <dgm:pt modelId="{0430B213-44BD-438F-AACA-6C4C3DF12993}" type="sibTrans" cxnId="{649EE98E-2670-415B-9877-E76FC8474F15}">
       <dgm:prSet/>
       <dgm:spPr/>
       <dgm:t>
@@ -927,7 +1196,7 @@
         </a:p>
       </dgm:t>
     </dgm:pt>
-    <dgm:pt modelId="{0BAFDC78-6CEA-4297-91C6-309828C927EB}" type="parTrans" cxnId="{188E46AE-253F-4FC7-8403-78877F16F73F}">
+    <dgm:pt modelId="{0BAFDC78-6CEA-4297-91C6-309828C927EB}" type="parTrans" cxnId="{3DF3EE9E-1A5F-4D31-B5E4-960C4DFD8302}">
       <dgm:prSet/>
       <dgm:spPr/>
       <dgm:t>
@@ -949,7 +1218,7 @@
         </a:p>
       </dgm:t>
     </dgm:pt>
-    <dgm:pt modelId="{6C98B5B3-5290-40FE-A477-CBCF8B7F384F}" type="sibTrans" cxnId="{188E46AE-253F-4FC7-8403-78877F16F73F}">
+    <dgm:pt modelId="{6C98B5B3-5290-40FE-A477-CBCF8B7F384F}" type="sibTrans" cxnId="{3DF3EE9E-1A5F-4D31-B5E4-960C4DFD8302}">
       <dgm:prSet/>
       <dgm:spPr/>
       <dgm:t>
@@ -960,7 +1229,7 @@
         </a:p>
       </dgm:t>
     </dgm:pt>
-    <dgm:pt modelId="{117BEBE6-E476-41E1-854B-F6695B3E317B}" type="parTrans" cxnId="{BC4405F3-CA5D-47CA-B384-13388605E174}">
+    <dgm:pt modelId="{117BEBE6-E476-41E1-854B-F6695B3E317B}" type="parTrans" cxnId="{84E1FD9E-9E85-4719-A3F6-4C9F62664982}">
       <dgm:prSet/>
       <dgm:spPr/>
       <dgm:t>
@@ -982,7 +1251,7 @@
         </a:p>
       </dgm:t>
     </dgm:pt>
-    <dgm:pt modelId="{CBEBC221-39F1-48EB-827D-1E0428B3DF5A}" type="sibTrans" cxnId="{BC4405F3-CA5D-47CA-B384-13388605E174}">
+    <dgm:pt modelId="{CBEBC221-39F1-48EB-827D-1E0428B3DF5A}" type="sibTrans" cxnId="{84E1FD9E-9E85-4719-A3F6-4C9F62664982}">
       <dgm:prSet/>
       <dgm:spPr/>
       <dgm:t>
@@ -993,7 +1262,7 @@
         </a:p>
       </dgm:t>
     </dgm:pt>
-    <dgm:pt modelId="{A6953261-AA71-48FB-8A72-B76B9F90916F}" type="parTrans" cxnId="{07C95479-59F6-494F-B3B2-D5CF19A5BC03}">
+    <dgm:pt modelId="{A6953261-AA71-48FB-8A72-B76B9F90916F}" type="parTrans" cxnId="{A3DFE9BF-D743-4D64-B538-3146E36F5277}">
       <dgm:prSet/>
       <dgm:spPr/>
       <dgm:t>
@@ -1015,7 +1284,7 @@
         </a:p>
       </dgm:t>
     </dgm:pt>
-    <dgm:pt modelId="{CDB15B79-3B82-4628-B95F-D6247DAD828C}" type="sibTrans" cxnId="{07C95479-59F6-494F-B3B2-D5CF19A5BC03}">
+    <dgm:pt modelId="{CDB15B79-3B82-4628-B95F-D6247DAD828C}" type="sibTrans" cxnId="{A3DFE9BF-D743-4D64-B538-3146E36F5277}">
       <dgm:prSet/>
       <dgm:spPr/>
       <dgm:t>
@@ -1026,7 +1295,7 @@
         </a:p>
       </dgm:t>
     </dgm:pt>
-    <dgm:pt modelId="{50E92C25-DEAB-42FB-9D68-AB3AE7FE4A93}" type="sibTrans" cxnId="{4E8F2BF5-5D99-4ACB-AF3F-6E5E8E0C4A6C}">
+    <dgm:pt modelId="{50E92C25-DEAB-42FB-9D68-AB3AE7FE4A93}" type="sibTrans" cxnId="{A2EF5BA0-782E-48EE-ABFB-2B2AEC6A8700}">
       <dgm:prSet/>
       <dgm:spPr/>
       <dgm:t>
@@ -1448,65 +1717,65 @@
     </dgm:pt>
   </dgm:ptLst>
   <dgm:cxnLst>
-    <dgm:cxn modelId="{4E8F2BF5-5D99-4ACB-AF3F-6E5E8E0C4A6C}" srcId="{62AF698F-A100-4B42-94D1-45A84F94C56E}" destId="{0851F3FF-2965-4080-96A3-B00608196BD3}" srcOrd="0" destOrd="0" parTransId="{A8A7F73C-17DD-4966-86C4-C54F16E27115}" sibTransId="{50E92C25-DEAB-42FB-9D68-AB3AE7FE4A93}"/>
-    <dgm:cxn modelId="{E7F146F2-CE1C-42C3-B484-BCBCD73EC24D}" srcId="{0851F3FF-2965-4080-96A3-B00608196BD3}" destId="{90330D8C-9D93-4F0E-8FA8-CF60E19254C8}" srcOrd="0" destOrd="0" parTransId="{58A0E634-FE90-42F0-B3ED-93573445F73D}" sibTransId="{0430B213-44BD-438F-AACA-6C4C3DF12993}"/>
-    <dgm:cxn modelId="{188E46AE-253F-4FC7-8403-78877F16F73F}" srcId="{0851F3FF-2965-4080-96A3-B00608196BD3}" destId="{B8EED4C9-6E32-4CDA-B54E-7ED0A017A157}" srcOrd="1" destOrd="0" parTransId="{0BAFDC78-6CEA-4297-91C6-309828C927EB}" sibTransId="{6C98B5B3-5290-40FE-A477-CBCF8B7F384F}"/>
-    <dgm:cxn modelId="{BC4405F3-CA5D-47CA-B384-13388605E174}" srcId="{0851F3FF-2965-4080-96A3-B00608196BD3}" destId="{D0BC525B-577A-4856-86E7-E01E0AEE8118}" srcOrd="2" destOrd="0" parTransId="{117BEBE6-E476-41E1-854B-F6695B3E317B}" sibTransId="{CBEBC221-39F1-48EB-827D-1E0428B3DF5A}"/>
-    <dgm:cxn modelId="{07C95479-59F6-494F-B3B2-D5CF19A5BC03}" srcId="{0851F3FF-2965-4080-96A3-B00608196BD3}" destId="{9EABDB7C-1A0B-4793-8926-275E491B8558}" srcOrd="3" destOrd="0" parTransId="{A6953261-AA71-48FB-8A72-B76B9F90916F}" sibTransId="{CDB15B79-3B82-4628-B95F-D6247DAD828C}"/>
-    <dgm:cxn modelId="{4D75574C-7A5B-4135-93A2-7AD5303FBEB5}" type="presOf" srcId="{62AF698F-A100-4B42-94D1-45A84F94C56E}" destId="{BE4A5024-7FD6-4067-AC21-1E6CE5208D9B}" srcOrd="0" destOrd="0" presId="urn:microsoft.com/office/officeart/2005/8/layout/pictureOrgChart+Icon"/>
-    <dgm:cxn modelId="{97596829-9293-42BB-A48A-751B40C997AB}" type="presParOf" srcId="{BE4A5024-7FD6-4067-AC21-1E6CE5208D9B}" destId="{579EAF8E-3979-4777-B373-FA98A0B40BD7}" srcOrd="0" destOrd="0" presId="urn:microsoft.com/office/officeart/2005/8/layout/pictureOrgChart+Icon"/>
-    <dgm:cxn modelId="{DDF330CE-8DBE-4E29-A01F-4D8DAFBCD109}" type="presParOf" srcId="{579EAF8E-3979-4777-B373-FA98A0B40BD7}" destId="{19F07841-5FA3-401E-8E68-D42065739060}" srcOrd="0" destOrd="0" presId="urn:microsoft.com/office/officeart/2005/8/layout/pictureOrgChart+Icon"/>
-    <dgm:cxn modelId="{E64B693A-080B-47AB-908D-F2688EB8F9E3}" type="presParOf" srcId="{19F07841-5FA3-401E-8E68-D42065739060}" destId="{FCEF2C0B-ECE7-4C4D-B4AF-EFB0FCA2E906}" srcOrd="0" destOrd="0" presId="urn:microsoft.com/office/officeart/2005/8/layout/pictureOrgChart+Icon"/>
-    <dgm:cxn modelId="{4109C0CB-2AC3-4D13-8DAB-5AE2414933A1}" type="presOf" srcId="{0851F3FF-2965-4080-96A3-B00608196BD3}" destId="{FCEF2C0B-ECE7-4C4D-B4AF-EFB0FCA2E906}" srcOrd="0" destOrd="0" presId="urn:microsoft.com/office/officeart/2005/8/layout/pictureOrgChart+Icon"/>
-    <dgm:cxn modelId="{0468F3E8-3971-452E-945A-3ECC88AF099F}" type="presParOf" srcId="{19F07841-5FA3-401E-8E68-D42065739060}" destId="{9658329C-493B-4921-8B1F-3B2AB5A09E9F}" srcOrd="1" destOrd="0" presId="urn:microsoft.com/office/officeart/2005/8/layout/pictureOrgChart+Icon"/>
-    <dgm:cxn modelId="{42474D77-3588-4DB6-ABD2-2B3F48827D0F}" type="presParOf" srcId="{19F07841-5FA3-401E-8E68-D42065739060}" destId="{DFE81086-DB5F-4F5A-AEEF-6DED7ACB27BE}" srcOrd="2" destOrd="0" presId="urn:microsoft.com/office/officeart/2005/8/layout/pictureOrgChart+Icon"/>
-    <dgm:cxn modelId="{F8A40097-81EB-41AA-AC54-4FC80F4B71AC}" type="presOf" srcId="{0851F3FF-2965-4080-96A3-B00608196BD3}" destId="{DFE81086-DB5F-4F5A-AEEF-6DED7ACB27BE}" srcOrd="1" destOrd="0" presId="urn:microsoft.com/office/officeart/2005/8/layout/pictureOrgChart+Icon"/>
-    <dgm:cxn modelId="{E0E833C6-972F-416B-AD23-E804C47E62F2}" type="presParOf" srcId="{579EAF8E-3979-4777-B373-FA98A0B40BD7}" destId="{C5A9BC26-65B6-4D2F-9DD8-A9865A933A4F}" srcOrd="1" destOrd="0" presId="urn:microsoft.com/office/officeart/2005/8/layout/pictureOrgChart+Icon"/>
-    <dgm:cxn modelId="{5D60F3B7-4F94-4166-8FB9-F79D3EA11074}" type="presParOf" srcId="{C5A9BC26-65B6-4D2F-9DD8-A9865A933A4F}" destId="{6F991B90-2B31-4A62-B3A8-18A39E947F51}" srcOrd="0" destOrd="0" presId="urn:microsoft.com/office/officeart/2005/8/layout/pictureOrgChart+Icon"/>
-    <dgm:cxn modelId="{9491D07F-8B00-4EA0-8850-847D2BC9C96D}" type="presOf" srcId="{0BAFDC78-6CEA-4297-91C6-309828C927EB}" destId="{6F991B90-2B31-4A62-B3A8-18A39E947F51}" srcOrd="0" destOrd="0" presId="urn:microsoft.com/office/officeart/2005/8/layout/pictureOrgChart+Icon"/>
-    <dgm:cxn modelId="{601C90D1-F7FB-467C-B8B5-D2A7CCAD5727}" type="presParOf" srcId="{C5A9BC26-65B6-4D2F-9DD8-A9865A933A4F}" destId="{7D7E79F3-A2E1-42DC-8DE0-F513AC991316}" srcOrd="1" destOrd="0" presId="urn:microsoft.com/office/officeart/2005/8/layout/pictureOrgChart+Icon"/>
-    <dgm:cxn modelId="{4F6DAE5A-3511-4FB4-81C5-643355421A40}" type="presParOf" srcId="{7D7E79F3-A2E1-42DC-8DE0-F513AC991316}" destId="{8136F7A3-45E2-4AB3-961D-728294A9FBCF}" srcOrd="0" destOrd="0" presId="urn:microsoft.com/office/officeart/2005/8/layout/pictureOrgChart+Icon"/>
-    <dgm:cxn modelId="{14BC1BBC-5038-4CFC-B98B-4F0E0207DC8A}" type="presParOf" srcId="{8136F7A3-45E2-4AB3-961D-728294A9FBCF}" destId="{ACF3C9C3-0519-41F0-80DB-6F20FC1EF0B2}" srcOrd="0" destOrd="0" presId="urn:microsoft.com/office/officeart/2005/8/layout/pictureOrgChart+Icon"/>
-    <dgm:cxn modelId="{3E8FA1CC-179B-4961-944F-A24A43077AA9}" type="presOf" srcId="{B8EED4C9-6E32-4CDA-B54E-7ED0A017A157}" destId="{ACF3C9C3-0519-41F0-80DB-6F20FC1EF0B2}" srcOrd="0" destOrd="0" presId="urn:microsoft.com/office/officeart/2005/8/layout/pictureOrgChart+Icon"/>
-    <dgm:cxn modelId="{F91F194A-7A1F-4BC2-A863-B8BB0ED7BFFC}" type="presParOf" srcId="{8136F7A3-45E2-4AB3-961D-728294A9FBCF}" destId="{4F89929B-92D0-48AE-8FA1-CEF81C9A5492}" srcOrd="1" destOrd="0" presId="urn:microsoft.com/office/officeart/2005/8/layout/pictureOrgChart+Icon"/>
-    <dgm:cxn modelId="{FB3BCEF3-1C4B-493A-961D-955AB3D7105B}" type="presParOf" srcId="{8136F7A3-45E2-4AB3-961D-728294A9FBCF}" destId="{A37542B5-D706-4F37-9B50-CAC0D11256A3}" srcOrd="2" destOrd="0" presId="urn:microsoft.com/office/officeart/2005/8/layout/pictureOrgChart+Icon"/>
-    <dgm:cxn modelId="{F718D0A1-BA79-4145-BFDB-375EC97B1184}" type="presOf" srcId="{B8EED4C9-6E32-4CDA-B54E-7ED0A017A157}" destId="{A37542B5-D706-4F37-9B50-CAC0D11256A3}" srcOrd="1" destOrd="0" presId="urn:microsoft.com/office/officeart/2005/8/layout/pictureOrgChart+Icon"/>
-    <dgm:cxn modelId="{0BB84D87-9D5F-4B99-BB0C-F5942B8EAC82}" type="presParOf" srcId="{7D7E79F3-A2E1-42DC-8DE0-F513AC991316}" destId="{AB2D794A-45AB-4108-A410-FF0D34540E91}" srcOrd="1" destOrd="0" presId="urn:microsoft.com/office/officeart/2005/8/layout/pictureOrgChart+Icon"/>
-    <dgm:cxn modelId="{7FD5512A-16C8-402D-9422-751400821218}" type="presParOf" srcId="{7D7E79F3-A2E1-42DC-8DE0-F513AC991316}" destId="{D0F36128-8AFF-4E35-8BBF-A62A615C154B}" srcOrd="2" destOrd="0" presId="urn:microsoft.com/office/officeart/2005/8/layout/pictureOrgChart+Icon"/>
-    <dgm:cxn modelId="{56FF0837-D2E3-476C-82F3-09C4202701B5}" type="presParOf" srcId="{C5A9BC26-65B6-4D2F-9DD8-A9865A933A4F}" destId="{8F68265E-A212-4D58-849A-BA966DF0B54B}" srcOrd="2" destOrd="0" presId="urn:microsoft.com/office/officeart/2005/8/layout/pictureOrgChart+Icon"/>
-    <dgm:cxn modelId="{C4B18ABB-6C1B-46BF-8E40-3C55C89F670F}" type="presOf" srcId="{117BEBE6-E476-41E1-854B-F6695B3E317B}" destId="{8F68265E-A212-4D58-849A-BA966DF0B54B}" srcOrd="0" destOrd="0" presId="urn:microsoft.com/office/officeart/2005/8/layout/pictureOrgChart+Icon"/>
-    <dgm:cxn modelId="{52E90ACB-14C7-40FC-B9DD-A189E81C662C}" type="presParOf" srcId="{C5A9BC26-65B6-4D2F-9DD8-A9865A933A4F}" destId="{505309BF-72EB-48FA-8DE0-702AB4B1E822}" srcOrd="3" destOrd="0" presId="urn:microsoft.com/office/officeart/2005/8/layout/pictureOrgChart+Icon"/>
-    <dgm:cxn modelId="{7D822884-94D3-4762-B73A-A484B2B43452}" type="presParOf" srcId="{505309BF-72EB-48FA-8DE0-702AB4B1E822}" destId="{66B0A561-9607-459E-B14F-7FCF0DCA6669}" srcOrd="0" destOrd="0" presId="urn:microsoft.com/office/officeart/2005/8/layout/pictureOrgChart+Icon"/>
-    <dgm:cxn modelId="{79641DB2-FA79-446C-A4DF-0A5AF601F560}" type="presParOf" srcId="{66B0A561-9607-459E-B14F-7FCF0DCA6669}" destId="{1D1FB36F-5E4F-476C-B9C4-6DE6736B28EC}" srcOrd="0" destOrd="0" presId="urn:microsoft.com/office/officeart/2005/8/layout/pictureOrgChart+Icon"/>
-    <dgm:cxn modelId="{29B099F9-E466-470C-885A-DC57ABC87319}" type="presOf" srcId="{D0BC525B-577A-4856-86E7-E01E0AEE8118}" destId="{1D1FB36F-5E4F-476C-B9C4-6DE6736B28EC}" srcOrd="0" destOrd="0" presId="urn:microsoft.com/office/officeart/2005/8/layout/pictureOrgChart+Icon"/>
-    <dgm:cxn modelId="{6809B5A2-C6AB-402B-A2C4-10318C7A38C5}" type="presParOf" srcId="{66B0A561-9607-459E-B14F-7FCF0DCA6669}" destId="{DC1B4339-BF8D-4DDC-A4C3-4D374EA673CB}" srcOrd="1" destOrd="0" presId="urn:microsoft.com/office/officeart/2005/8/layout/pictureOrgChart+Icon"/>
-    <dgm:cxn modelId="{F971B6CB-8312-4C08-ADD4-681DE84CC0EB}" type="presParOf" srcId="{66B0A561-9607-459E-B14F-7FCF0DCA6669}" destId="{FE4109C7-0E43-4F79-9DFC-42039AE8CC65}" srcOrd="2" destOrd="0" presId="urn:microsoft.com/office/officeart/2005/8/layout/pictureOrgChart+Icon"/>
-    <dgm:cxn modelId="{99BD579E-AA35-43A9-85BF-6B7795F94264}" type="presOf" srcId="{D0BC525B-577A-4856-86E7-E01E0AEE8118}" destId="{FE4109C7-0E43-4F79-9DFC-42039AE8CC65}" srcOrd="1" destOrd="0" presId="urn:microsoft.com/office/officeart/2005/8/layout/pictureOrgChart+Icon"/>
-    <dgm:cxn modelId="{1055753B-ECA6-4B60-A263-7DBED05B5894}" type="presParOf" srcId="{505309BF-72EB-48FA-8DE0-702AB4B1E822}" destId="{BB54FF5C-A9A6-4AC7-A3F7-E668629FB6E7}" srcOrd="1" destOrd="0" presId="urn:microsoft.com/office/officeart/2005/8/layout/pictureOrgChart+Icon"/>
-    <dgm:cxn modelId="{C104B9F1-C8FF-4249-8824-7383BC615550}" type="presParOf" srcId="{505309BF-72EB-48FA-8DE0-702AB4B1E822}" destId="{CEDD3BCD-C64B-49A4-B07A-8FB48715964D}" srcOrd="2" destOrd="0" presId="urn:microsoft.com/office/officeart/2005/8/layout/pictureOrgChart+Icon"/>
-    <dgm:cxn modelId="{B0AB4825-599D-4AC6-AE21-9AE36C4BB719}" type="presParOf" srcId="{C5A9BC26-65B6-4D2F-9DD8-A9865A933A4F}" destId="{9F5A71F4-7BC1-4E0E-A724-72041860D69E}" srcOrd="4" destOrd="0" presId="urn:microsoft.com/office/officeart/2005/8/layout/pictureOrgChart+Icon"/>
-    <dgm:cxn modelId="{5348970C-3AD2-4D3C-ACCD-5B100661567F}" type="presOf" srcId="{A6953261-AA71-48FB-8A72-B76B9F90916F}" destId="{9F5A71F4-7BC1-4E0E-A724-72041860D69E}" srcOrd="0" destOrd="0" presId="urn:microsoft.com/office/officeart/2005/8/layout/pictureOrgChart+Icon"/>
-    <dgm:cxn modelId="{E5BE30F9-F2A2-485C-B54B-DAF432A95A4F}" type="presParOf" srcId="{C5A9BC26-65B6-4D2F-9DD8-A9865A933A4F}" destId="{7FD7D915-E278-494D-BDD9-21BF02AD17F6}" srcOrd="5" destOrd="0" presId="urn:microsoft.com/office/officeart/2005/8/layout/pictureOrgChart+Icon"/>
-    <dgm:cxn modelId="{35A54612-812C-4599-A8D6-2757C86729E1}" type="presParOf" srcId="{7FD7D915-E278-494D-BDD9-21BF02AD17F6}" destId="{BB47C5E7-69D8-4CA1-8D70-1791D292977F}" srcOrd="0" destOrd="0" presId="urn:microsoft.com/office/officeart/2005/8/layout/pictureOrgChart+Icon"/>
-    <dgm:cxn modelId="{0626927D-662E-40A7-BE8A-B8FEE1E3FEE9}" type="presParOf" srcId="{BB47C5E7-69D8-4CA1-8D70-1791D292977F}" destId="{85F66737-B009-4639-AD95-1BB870B6F8D3}" srcOrd="0" destOrd="0" presId="urn:microsoft.com/office/officeart/2005/8/layout/pictureOrgChart+Icon"/>
-    <dgm:cxn modelId="{1BA6D66B-C5F0-4EF6-8DC3-6E6ECEC18135}" type="presOf" srcId="{9EABDB7C-1A0B-4793-8926-275E491B8558}" destId="{85F66737-B009-4639-AD95-1BB870B6F8D3}" srcOrd="0" destOrd="0" presId="urn:microsoft.com/office/officeart/2005/8/layout/pictureOrgChart+Icon"/>
-    <dgm:cxn modelId="{5D6127D1-56F6-4308-9577-526337D5F2A4}" type="presParOf" srcId="{BB47C5E7-69D8-4CA1-8D70-1791D292977F}" destId="{4AC54B23-10BF-4C0B-862C-14B19BD700BE}" srcOrd="1" destOrd="0" presId="urn:microsoft.com/office/officeart/2005/8/layout/pictureOrgChart+Icon"/>
-    <dgm:cxn modelId="{39AA2331-945A-437F-8B45-A2ADA300C0A4}" type="presParOf" srcId="{BB47C5E7-69D8-4CA1-8D70-1791D292977F}" destId="{46D2E0C9-EADC-48B3-9DC5-9BC93BAAFC2C}" srcOrd="2" destOrd="0" presId="urn:microsoft.com/office/officeart/2005/8/layout/pictureOrgChart+Icon"/>
-    <dgm:cxn modelId="{F50F2BB3-3DEA-49FE-8CF3-17C661816AD5}" type="presOf" srcId="{9EABDB7C-1A0B-4793-8926-275E491B8558}" destId="{46D2E0C9-EADC-48B3-9DC5-9BC93BAAFC2C}" srcOrd="1" destOrd="0" presId="urn:microsoft.com/office/officeart/2005/8/layout/pictureOrgChart+Icon"/>
-    <dgm:cxn modelId="{1D9760AF-8020-484E-BBF3-0BB57A97EC6A}" type="presParOf" srcId="{7FD7D915-E278-494D-BDD9-21BF02AD17F6}" destId="{F39D8768-0E46-4DE7-878E-017704AC8E77}" srcOrd="1" destOrd="0" presId="urn:microsoft.com/office/officeart/2005/8/layout/pictureOrgChart+Icon"/>
-    <dgm:cxn modelId="{824C2A98-1F82-43C0-AE7D-28D1577A5D24}" type="presParOf" srcId="{7FD7D915-E278-494D-BDD9-21BF02AD17F6}" destId="{1C296C2D-1228-4C1B-9D75-22859B1EAD59}" srcOrd="2" destOrd="0" presId="urn:microsoft.com/office/officeart/2005/8/layout/pictureOrgChart+Icon"/>
-    <dgm:cxn modelId="{CABE59D5-4243-4335-8F3B-73579713BFE3}" type="presParOf" srcId="{579EAF8E-3979-4777-B373-FA98A0B40BD7}" destId="{5D2F09F0-C8D9-4714-9617-4075D67FB2F1}" srcOrd="2" destOrd="0" presId="urn:microsoft.com/office/officeart/2005/8/layout/pictureOrgChart+Icon"/>
-    <dgm:cxn modelId="{5F83B946-78AF-4AC5-873F-40879B903FEA}" type="presParOf" srcId="{5D2F09F0-C8D9-4714-9617-4075D67FB2F1}" destId="{A6008EA5-4CBF-44D3-AE90-9A797F22D452}" srcOrd="0" destOrd="0" presId="urn:microsoft.com/office/officeart/2005/8/layout/pictureOrgChart+Icon"/>
-    <dgm:cxn modelId="{89DE38CE-C02B-4C00-861D-1B0B600B47FB}" type="presOf" srcId="{58A0E634-FE90-42F0-B3ED-93573445F73D}" destId="{A6008EA5-4CBF-44D3-AE90-9A797F22D452}" srcOrd="0" destOrd="0" presId="urn:microsoft.com/office/officeart/2005/8/layout/pictureOrgChart+Icon"/>
-    <dgm:cxn modelId="{BACF405A-F939-4AB9-9742-FE7F0B4E37BA}" type="presParOf" srcId="{5D2F09F0-C8D9-4714-9617-4075D67FB2F1}" destId="{B6A8C812-3D1E-4D64-88E5-9D5B0278E560}" srcOrd="1" destOrd="0" presId="urn:microsoft.com/office/officeart/2005/8/layout/pictureOrgChart+Icon"/>
-    <dgm:cxn modelId="{FA888D12-36D2-4C6C-8DDF-5B5DFAB14699}" type="presParOf" srcId="{B6A8C812-3D1E-4D64-88E5-9D5B0278E560}" destId="{5E590227-6CC0-4F07-997B-4B1743BF36BA}" srcOrd="0" destOrd="0" presId="urn:microsoft.com/office/officeart/2005/8/layout/pictureOrgChart+Icon"/>
-    <dgm:cxn modelId="{8E2310A7-181C-4402-B2A9-191510DC845F}" type="presParOf" srcId="{5E590227-6CC0-4F07-997B-4B1743BF36BA}" destId="{E5A45E6F-3BB6-4782-889D-182F04D7E03F}" srcOrd="0" destOrd="0" presId="urn:microsoft.com/office/officeart/2005/8/layout/pictureOrgChart+Icon"/>
-    <dgm:cxn modelId="{55D97F1A-F6FB-4929-8EAA-EED673F33B18}" type="presOf" srcId="{90330D8C-9D93-4F0E-8FA8-CF60E19254C8}" destId="{E5A45E6F-3BB6-4782-889D-182F04D7E03F}" srcOrd="0" destOrd="0" presId="urn:microsoft.com/office/officeart/2005/8/layout/pictureOrgChart+Icon"/>
-    <dgm:cxn modelId="{5FAFF0D0-955E-4007-A425-EB6AD3B36704}" type="presParOf" srcId="{5E590227-6CC0-4F07-997B-4B1743BF36BA}" destId="{7148F7C7-C56E-4DF3-AA1D-F382D0E07519}" srcOrd="1" destOrd="0" presId="urn:microsoft.com/office/officeart/2005/8/layout/pictureOrgChart+Icon"/>
-    <dgm:cxn modelId="{9DDDF589-6836-4CC2-B4B7-6DEC9DB10627}" type="presParOf" srcId="{5E590227-6CC0-4F07-997B-4B1743BF36BA}" destId="{5CB0E5FC-FE5E-410D-A79A-942B9C03C3BC}" srcOrd="2" destOrd="0" presId="urn:microsoft.com/office/officeart/2005/8/layout/pictureOrgChart+Icon"/>
-    <dgm:cxn modelId="{0143EBD8-C220-4D5C-8852-A0DE28D59B97}" type="presOf" srcId="{90330D8C-9D93-4F0E-8FA8-CF60E19254C8}" destId="{5CB0E5FC-FE5E-410D-A79A-942B9C03C3BC}" srcOrd="1" destOrd="0" presId="urn:microsoft.com/office/officeart/2005/8/layout/pictureOrgChart+Icon"/>
-    <dgm:cxn modelId="{5A0595A9-D322-4D35-8466-1D55AAB2A63C}" type="presParOf" srcId="{B6A8C812-3D1E-4D64-88E5-9D5B0278E560}" destId="{79387A4E-BE3A-45B9-B57D-7F614942FAF6}" srcOrd="1" destOrd="0" presId="urn:microsoft.com/office/officeart/2005/8/layout/pictureOrgChart+Icon"/>
-    <dgm:cxn modelId="{BE73F700-A335-4EEE-A5AE-3EA858FE8062}" type="presParOf" srcId="{B6A8C812-3D1E-4D64-88E5-9D5B0278E560}" destId="{38C12649-4709-40C2-9B95-959E2CAE495C}" srcOrd="2" destOrd="0" presId="urn:microsoft.com/office/officeart/2005/8/layout/pictureOrgChart+Icon"/>
+    <dgm:cxn modelId="{A2EF5BA0-782E-48EE-ABFB-2B2AEC6A8700}" srcId="{62AF698F-A100-4B42-94D1-45A84F94C56E}" destId="{0851F3FF-2965-4080-96A3-B00608196BD3}" srcOrd="0" destOrd="0" parTransId="{A8A7F73C-17DD-4966-86C4-C54F16E27115}" sibTransId="{50E92C25-DEAB-42FB-9D68-AB3AE7FE4A93}"/>
+    <dgm:cxn modelId="{649EE98E-2670-415B-9877-E76FC8474F15}" srcId="{0851F3FF-2965-4080-96A3-B00608196BD3}" destId="{90330D8C-9D93-4F0E-8FA8-CF60E19254C8}" srcOrd="0" destOrd="0" parTransId="{58A0E634-FE90-42F0-B3ED-93573445F73D}" sibTransId="{0430B213-44BD-438F-AACA-6C4C3DF12993}"/>
+    <dgm:cxn modelId="{3DF3EE9E-1A5F-4D31-B5E4-960C4DFD8302}" srcId="{0851F3FF-2965-4080-96A3-B00608196BD3}" destId="{B8EED4C9-6E32-4CDA-B54E-7ED0A017A157}" srcOrd="1" destOrd="0" parTransId="{0BAFDC78-6CEA-4297-91C6-309828C927EB}" sibTransId="{6C98B5B3-5290-40FE-A477-CBCF8B7F384F}"/>
+    <dgm:cxn modelId="{84E1FD9E-9E85-4719-A3F6-4C9F62664982}" srcId="{0851F3FF-2965-4080-96A3-B00608196BD3}" destId="{D0BC525B-577A-4856-86E7-E01E0AEE8118}" srcOrd="2" destOrd="0" parTransId="{117BEBE6-E476-41E1-854B-F6695B3E317B}" sibTransId="{CBEBC221-39F1-48EB-827D-1E0428B3DF5A}"/>
+    <dgm:cxn modelId="{A3DFE9BF-D743-4D64-B538-3146E36F5277}" srcId="{0851F3FF-2965-4080-96A3-B00608196BD3}" destId="{9EABDB7C-1A0B-4793-8926-275E491B8558}" srcOrd="3" destOrd="0" parTransId="{A6953261-AA71-48FB-8A72-B76B9F90916F}" sibTransId="{CDB15B79-3B82-4628-B95F-D6247DAD828C}"/>
+    <dgm:cxn modelId="{4BC446A4-9E03-46F9-A90E-A2DFCB10157C}" type="presOf" srcId="{62AF698F-A100-4B42-94D1-45A84F94C56E}" destId="{BE4A5024-7FD6-4067-AC21-1E6CE5208D9B}" srcOrd="0" destOrd="0" presId="urn:microsoft.com/office/officeart/2005/8/layout/pictureOrgChart+Icon"/>
+    <dgm:cxn modelId="{1AE8B9E4-1EF0-4869-92E0-DC9E910BD5A1}" type="presParOf" srcId="{BE4A5024-7FD6-4067-AC21-1E6CE5208D9B}" destId="{579EAF8E-3979-4777-B373-FA98A0B40BD7}" srcOrd="0" destOrd="0" presId="urn:microsoft.com/office/officeart/2005/8/layout/pictureOrgChart+Icon"/>
+    <dgm:cxn modelId="{E296AE17-29B9-4C13-AEDB-F9C97EC425CD}" type="presParOf" srcId="{579EAF8E-3979-4777-B373-FA98A0B40BD7}" destId="{19F07841-5FA3-401E-8E68-D42065739060}" srcOrd="0" destOrd="0" presId="urn:microsoft.com/office/officeart/2005/8/layout/pictureOrgChart+Icon"/>
+    <dgm:cxn modelId="{1E43993A-3C1B-46E2-9E5E-FD493EEF0173}" type="presParOf" srcId="{19F07841-5FA3-401E-8E68-D42065739060}" destId="{FCEF2C0B-ECE7-4C4D-B4AF-EFB0FCA2E906}" srcOrd="0" destOrd="0" presId="urn:microsoft.com/office/officeart/2005/8/layout/pictureOrgChart+Icon"/>
+    <dgm:cxn modelId="{18A621DB-A3FB-4DA0-837F-F53F0237F1C5}" type="presOf" srcId="{0851F3FF-2965-4080-96A3-B00608196BD3}" destId="{FCEF2C0B-ECE7-4C4D-B4AF-EFB0FCA2E906}" srcOrd="0" destOrd="0" presId="urn:microsoft.com/office/officeart/2005/8/layout/pictureOrgChart+Icon"/>
+    <dgm:cxn modelId="{BEB0156A-31F6-4E45-8B27-7E2420672740}" type="presParOf" srcId="{19F07841-5FA3-401E-8E68-D42065739060}" destId="{9658329C-493B-4921-8B1F-3B2AB5A09E9F}" srcOrd="1" destOrd="0" presId="urn:microsoft.com/office/officeart/2005/8/layout/pictureOrgChart+Icon"/>
+    <dgm:cxn modelId="{91855D76-B25E-41DE-801B-A1A38D941E39}" type="presParOf" srcId="{19F07841-5FA3-401E-8E68-D42065739060}" destId="{DFE81086-DB5F-4F5A-AEEF-6DED7ACB27BE}" srcOrd="2" destOrd="0" presId="urn:microsoft.com/office/officeart/2005/8/layout/pictureOrgChart+Icon"/>
+    <dgm:cxn modelId="{E69505AD-BBD3-4241-8389-6F0F04DC3161}" type="presOf" srcId="{0851F3FF-2965-4080-96A3-B00608196BD3}" destId="{DFE81086-DB5F-4F5A-AEEF-6DED7ACB27BE}" srcOrd="1" destOrd="0" presId="urn:microsoft.com/office/officeart/2005/8/layout/pictureOrgChart+Icon"/>
+    <dgm:cxn modelId="{A23201EF-A5C2-4AF3-8257-D5C7FB85B744}" type="presParOf" srcId="{579EAF8E-3979-4777-B373-FA98A0B40BD7}" destId="{C5A9BC26-65B6-4D2F-9DD8-A9865A933A4F}" srcOrd="1" destOrd="0" presId="urn:microsoft.com/office/officeart/2005/8/layout/pictureOrgChart+Icon"/>
+    <dgm:cxn modelId="{26E5CF25-A377-46A9-8699-57E86F1F594A}" type="presParOf" srcId="{C5A9BC26-65B6-4D2F-9DD8-A9865A933A4F}" destId="{6F991B90-2B31-4A62-B3A8-18A39E947F51}" srcOrd="0" destOrd="0" presId="urn:microsoft.com/office/officeart/2005/8/layout/pictureOrgChart+Icon"/>
+    <dgm:cxn modelId="{712686A1-31F9-45A5-8DE9-3C4A7E637186}" type="presOf" srcId="{0BAFDC78-6CEA-4297-91C6-309828C927EB}" destId="{6F991B90-2B31-4A62-B3A8-18A39E947F51}" srcOrd="0" destOrd="0" presId="urn:microsoft.com/office/officeart/2005/8/layout/pictureOrgChart+Icon"/>
+    <dgm:cxn modelId="{EDF6BCF6-0584-4CFD-BB58-7C0B5CABA431}" type="presParOf" srcId="{C5A9BC26-65B6-4D2F-9DD8-A9865A933A4F}" destId="{7D7E79F3-A2E1-42DC-8DE0-F513AC991316}" srcOrd="1" destOrd="0" presId="urn:microsoft.com/office/officeart/2005/8/layout/pictureOrgChart+Icon"/>
+    <dgm:cxn modelId="{49013F8B-0CE3-4C1E-AFC4-1EAA15E935A2}" type="presParOf" srcId="{7D7E79F3-A2E1-42DC-8DE0-F513AC991316}" destId="{8136F7A3-45E2-4AB3-961D-728294A9FBCF}" srcOrd="0" destOrd="0" presId="urn:microsoft.com/office/officeart/2005/8/layout/pictureOrgChart+Icon"/>
+    <dgm:cxn modelId="{718AED7F-7BEE-4CF1-83B2-FD9F61FE0383}" type="presParOf" srcId="{8136F7A3-45E2-4AB3-961D-728294A9FBCF}" destId="{ACF3C9C3-0519-41F0-80DB-6F20FC1EF0B2}" srcOrd="0" destOrd="0" presId="urn:microsoft.com/office/officeart/2005/8/layout/pictureOrgChart+Icon"/>
+    <dgm:cxn modelId="{91827C1C-762C-4987-AC5A-AC405D9A0A89}" type="presOf" srcId="{B8EED4C9-6E32-4CDA-B54E-7ED0A017A157}" destId="{ACF3C9C3-0519-41F0-80DB-6F20FC1EF0B2}" srcOrd="0" destOrd="0" presId="urn:microsoft.com/office/officeart/2005/8/layout/pictureOrgChart+Icon"/>
+    <dgm:cxn modelId="{8AB3D07D-11F6-44A3-8667-DDBB7159C828}" type="presParOf" srcId="{8136F7A3-45E2-4AB3-961D-728294A9FBCF}" destId="{4F89929B-92D0-48AE-8FA1-CEF81C9A5492}" srcOrd="1" destOrd="0" presId="urn:microsoft.com/office/officeart/2005/8/layout/pictureOrgChart+Icon"/>
+    <dgm:cxn modelId="{F5CD0C5F-B871-4920-8AF9-0251013DD7FD}" type="presParOf" srcId="{8136F7A3-45E2-4AB3-961D-728294A9FBCF}" destId="{A37542B5-D706-4F37-9B50-CAC0D11256A3}" srcOrd="2" destOrd="0" presId="urn:microsoft.com/office/officeart/2005/8/layout/pictureOrgChart+Icon"/>
+    <dgm:cxn modelId="{350F0600-9A08-4558-9C42-137E4F36C5B8}" type="presOf" srcId="{B8EED4C9-6E32-4CDA-B54E-7ED0A017A157}" destId="{A37542B5-D706-4F37-9B50-CAC0D11256A3}" srcOrd="1" destOrd="0" presId="urn:microsoft.com/office/officeart/2005/8/layout/pictureOrgChart+Icon"/>
+    <dgm:cxn modelId="{93B2EFC4-D4F6-4311-A66B-332DF7F85EEE}" type="presParOf" srcId="{7D7E79F3-A2E1-42DC-8DE0-F513AC991316}" destId="{AB2D794A-45AB-4108-A410-FF0D34540E91}" srcOrd="1" destOrd="0" presId="urn:microsoft.com/office/officeart/2005/8/layout/pictureOrgChart+Icon"/>
+    <dgm:cxn modelId="{B0163393-633B-4686-85FC-40E884730D7C}" type="presParOf" srcId="{7D7E79F3-A2E1-42DC-8DE0-F513AC991316}" destId="{D0F36128-8AFF-4E35-8BBF-A62A615C154B}" srcOrd="2" destOrd="0" presId="urn:microsoft.com/office/officeart/2005/8/layout/pictureOrgChart+Icon"/>
+    <dgm:cxn modelId="{F1E8D24A-6DE2-4F18-BF11-AEBBC0A98DEE}" type="presParOf" srcId="{C5A9BC26-65B6-4D2F-9DD8-A9865A933A4F}" destId="{8F68265E-A212-4D58-849A-BA966DF0B54B}" srcOrd="2" destOrd="0" presId="urn:microsoft.com/office/officeart/2005/8/layout/pictureOrgChart+Icon"/>
+    <dgm:cxn modelId="{9BFB1665-1655-47DC-97C9-843AF84D0701}" type="presOf" srcId="{117BEBE6-E476-41E1-854B-F6695B3E317B}" destId="{8F68265E-A212-4D58-849A-BA966DF0B54B}" srcOrd="0" destOrd="0" presId="urn:microsoft.com/office/officeart/2005/8/layout/pictureOrgChart+Icon"/>
+    <dgm:cxn modelId="{E02F05F0-5469-4A60-9DCC-43332415A610}" type="presParOf" srcId="{C5A9BC26-65B6-4D2F-9DD8-A9865A933A4F}" destId="{505309BF-72EB-48FA-8DE0-702AB4B1E822}" srcOrd="3" destOrd="0" presId="urn:microsoft.com/office/officeart/2005/8/layout/pictureOrgChart+Icon"/>
+    <dgm:cxn modelId="{1CB5F1AC-C24B-43D1-BD36-C30423A2DAC0}" type="presParOf" srcId="{505309BF-72EB-48FA-8DE0-702AB4B1E822}" destId="{66B0A561-9607-459E-B14F-7FCF0DCA6669}" srcOrd="0" destOrd="0" presId="urn:microsoft.com/office/officeart/2005/8/layout/pictureOrgChart+Icon"/>
+    <dgm:cxn modelId="{90F54EE0-BA3E-4C59-9AFE-A9C18D3A6C81}" type="presParOf" srcId="{66B0A561-9607-459E-B14F-7FCF0DCA6669}" destId="{1D1FB36F-5E4F-476C-B9C4-6DE6736B28EC}" srcOrd="0" destOrd="0" presId="urn:microsoft.com/office/officeart/2005/8/layout/pictureOrgChart+Icon"/>
+    <dgm:cxn modelId="{B806925F-A902-4D4D-8759-2D9EDD0359E6}" type="presOf" srcId="{D0BC525B-577A-4856-86E7-E01E0AEE8118}" destId="{1D1FB36F-5E4F-476C-B9C4-6DE6736B28EC}" srcOrd="0" destOrd="0" presId="urn:microsoft.com/office/officeart/2005/8/layout/pictureOrgChart+Icon"/>
+    <dgm:cxn modelId="{5F4B48F7-CAA6-4800-96C8-795EE0E18085}" type="presParOf" srcId="{66B0A561-9607-459E-B14F-7FCF0DCA6669}" destId="{DC1B4339-BF8D-4DDC-A4C3-4D374EA673CB}" srcOrd="1" destOrd="0" presId="urn:microsoft.com/office/officeart/2005/8/layout/pictureOrgChart+Icon"/>
+    <dgm:cxn modelId="{50CF58B6-4988-40B5-B7E2-1D6787BF5A38}" type="presParOf" srcId="{66B0A561-9607-459E-B14F-7FCF0DCA6669}" destId="{FE4109C7-0E43-4F79-9DFC-42039AE8CC65}" srcOrd="2" destOrd="0" presId="urn:microsoft.com/office/officeart/2005/8/layout/pictureOrgChart+Icon"/>
+    <dgm:cxn modelId="{8F808E39-AC87-4A7A-B825-6831CC13DEE3}" type="presOf" srcId="{D0BC525B-577A-4856-86E7-E01E0AEE8118}" destId="{FE4109C7-0E43-4F79-9DFC-42039AE8CC65}" srcOrd="1" destOrd="0" presId="urn:microsoft.com/office/officeart/2005/8/layout/pictureOrgChart+Icon"/>
+    <dgm:cxn modelId="{062942A7-1ED6-46BF-80CE-D969CC3675C6}" type="presParOf" srcId="{505309BF-72EB-48FA-8DE0-702AB4B1E822}" destId="{BB54FF5C-A9A6-4AC7-A3F7-E668629FB6E7}" srcOrd="1" destOrd="0" presId="urn:microsoft.com/office/officeart/2005/8/layout/pictureOrgChart+Icon"/>
+    <dgm:cxn modelId="{70D400B9-3F66-4082-A019-5CD6846D4BAD}" type="presParOf" srcId="{505309BF-72EB-48FA-8DE0-702AB4B1E822}" destId="{CEDD3BCD-C64B-49A4-B07A-8FB48715964D}" srcOrd="2" destOrd="0" presId="urn:microsoft.com/office/officeart/2005/8/layout/pictureOrgChart+Icon"/>
+    <dgm:cxn modelId="{0B3F1370-239F-4D99-B5E9-CBD6F7EA2843}" type="presParOf" srcId="{C5A9BC26-65B6-4D2F-9DD8-A9865A933A4F}" destId="{9F5A71F4-7BC1-4E0E-A724-72041860D69E}" srcOrd="4" destOrd="0" presId="urn:microsoft.com/office/officeart/2005/8/layout/pictureOrgChart+Icon"/>
+    <dgm:cxn modelId="{84242BEE-D417-4B95-9140-61B8CB3C9609}" type="presOf" srcId="{A6953261-AA71-48FB-8A72-B76B9F90916F}" destId="{9F5A71F4-7BC1-4E0E-A724-72041860D69E}" srcOrd="0" destOrd="0" presId="urn:microsoft.com/office/officeart/2005/8/layout/pictureOrgChart+Icon"/>
+    <dgm:cxn modelId="{8A392FC0-49DB-4D66-8A1A-928814FDBC70}" type="presParOf" srcId="{C5A9BC26-65B6-4D2F-9DD8-A9865A933A4F}" destId="{7FD7D915-E278-494D-BDD9-21BF02AD17F6}" srcOrd="5" destOrd="0" presId="urn:microsoft.com/office/officeart/2005/8/layout/pictureOrgChart+Icon"/>
+    <dgm:cxn modelId="{0117936A-4268-4500-9396-BEF88AA8076C}" type="presParOf" srcId="{7FD7D915-E278-494D-BDD9-21BF02AD17F6}" destId="{BB47C5E7-69D8-4CA1-8D70-1791D292977F}" srcOrd="0" destOrd="0" presId="urn:microsoft.com/office/officeart/2005/8/layout/pictureOrgChart+Icon"/>
+    <dgm:cxn modelId="{3A0D3306-3357-4EB1-8ADA-064BF80387C7}" type="presParOf" srcId="{BB47C5E7-69D8-4CA1-8D70-1791D292977F}" destId="{85F66737-B009-4639-AD95-1BB870B6F8D3}" srcOrd="0" destOrd="0" presId="urn:microsoft.com/office/officeart/2005/8/layout/pictureOrgChart+Icon"/>
+    <dgm:cxn modelId="{1CD8BC46-3E83-467B-A67F-6D6A3B4D36B3}" type="presOf" srcId="{9EABDB7C-1A0B-4793-8926-275E491B8558}" destId="{85F66737-B009-4639-AD95-1BB870B6F8D3}" srcOrd="0" destOrd="0" presId="urn:microsoft.com/office/officeart/2005/8/layout/pictureOrgChart+Icon"/>
+    <dgm:cxn modelId="{61656672-FD03-488A-81CA-BEC5C8259660}" type="presParOf" srcId="{BB47C5E7-69D8-4CA1-8D70-1791D292977F}" destId="{4AC54B23-10BF-4C0B-862C-14B19BD700BE}" srcOrd="1" destOrd="0" presId="urn:microsoft.com/office/officeart/2005/8/layout/pictureOrgChart+Icon"/>
+    <dgm:cxn modelId="{BFB395AC-7226-42C5-8F6A-72D3A9AAFDB1}" type="presParOf" srcId="{BB47C5E7-69D8-4CA1-8D70-1791D292977F}" destId="{46D2E0C9-EADC-48B3-9DC5-9BC93BAAFC2C}" srcOrd="2" destOrd="0" presId="urn:microsoft.com/office/officeart/2005/8/layout/pictureOrgChart+Icon"/>
+    <dgm:cxn modelId="{0101D24B-3C4F-4826-BD9B-B35FA84663E8}" type="presOf" srcId="{9EABDB7C-1A0B-4793-8926-275E491B8558}" destId="{46D2E0C9-EADC-48B3-9DC5-9BC93BAAFC2C}" srcOrd="1" destOrd="0" presId="urn:microsoft.com/office/officeart/2005/8/layout/pictureOrgChart+Icon"/>
+    <dgm:cxn modelId="{AB0B32C7-0DF0-43FC-9CBB-7F225BC8021B}" type="presParOf" srcId="{7FD7D915-E278-494D-BDD9-21BF02AD17F6}" destId="{F39D8768-0E46-4DE7-878E-017704AC8E77}" srcOrd="1" destOrd="0" presId="urn:microsoft.com/office/officeart/2005/8/layout/pictureOrgChart+Icon"/>
+    <dgm:cxn modelId="{BD05C954-E183-435D-B344-FA9BD4EFC6A4}" type="presParOf" srcId="{7FD7D915-E278-494D-BDD9-21BF02AD17F6}" destId="{1C296C2D-1228-4C1B-9D75-22859B1EAD59}" srcOrd="2" destOrd="0" presId="urn:microsoft.com/office/officeart/2005/8/layout/pictureOrgChart+Icon"/>
+    <dgm:cxn modelId="{1D84EEAD-230C-4F84-A27C-D4EB4FE6CB18}" type="presParOf" srcId="{579EAF8E-3979-4777-B373-FA98A0B40BD7}" destId="{5D2F09F0-C8D9-4714-9617-4075D67FB2F1}" srcOrd="2" destOrd="0" presId="urn:microsoft.com/office/officeart/2005/8/layout/pictureOrgChart+Icon"/>
+    <dgm:cxn modelId="{AD955422-384C-4D9C-ADA8-087975D6A8E7}" type="presParOf" srcId="{5D2F09F0-C8D9-4714-9617-4075D67FB2F1}" destId="{A6008EA5-4CBF-44D3-AE90-9A797F22D452}" srcOrd="0" destOrd="0" presId="urn:microsoft.com/office/officeart/2005/8/layout/pictureOrgChart+Icon"/>
+    <dgm:cxn modelId="{F45ADE3E-313A-4610-9AD7-66BB28B4C3F0}" type="presOf" srcId="{58A0E634-FE90-42F0-B3ED-93573445F73D}" destId="{A6008EA5-4CBF-44D3-AE90-9A797F22D452}" srcOrd="0" destOrd="0" presId="urn:microsoft.com/office/officeart/2005/8/layout/pictureOrgChart+Icon"/>
+    <dgm:cxn modelId="{E9DD485A-230A-4E67-8B3E-1E025D31CC0C}" type="presParOf" srcId="{5D2F09F0-C8D9-4714-9617-4075D67FB2F1}" destId="{B6A8C812-3D1E-4D64-88E5-9D5B0278E560}" srcOrd="1" destOrd="0" presId="urn:microsoft.com/office/officeart/2005/8/layout/pictureOrgChart+Icon"/>
+    <dgm:cxn modelId="{FE88444A-94C4-4526-88C8-73D6607808C3}" type="presParOf" srcId="{B6A8C812-3D1E-4D64-88E5-9D5B0278E560}" destId="{5E590227-6CC0-4F07-997B-4B1743BF36BA}" srcOrd="0" destOrd="0" presId="urn:microsoft.com/office/officeart/2005/8/layout/pictureOrgChart+Icon"/>
+    <dgm:cxn modelId="{CCDD6DBB-0111-4C51-B6EB-756C9856EC8D}" type="presParOf" srcId="{5E590227-6CC0-4F07-997B-4B1743BF36BA}" destId="{E5A45E6F-3BB6-4782-889D-182F04D7E03F}" srcOrd="0" destOrd="0" presId="urn:microsoft.com/office/officeart/2005/8/layout/pictureOrgChart+Icon"/>
+    <dgm:cxn modelId="{BB0E87E7-1BDB-47E8-8F54-F710D890735A}" type="presOf" srcId="{90330D8C-9D93-4F0E-8FA8-CF60E19254C8}" destId="{E5A45E6F-3BB6-4782-889D-182F04D7E03F}" srcOrd="0" destOrd="0" presId="urn:microsoft.com/office/officeart/2005/8/layout/pictureOrgChart+Icon"/>
+    <dgm:cxn modelId="{0F721269-ED4D-43B0-A1D6-416A8080ADF4}" type="presParOf" srcId="{5E590227-6CC0-4F07-997B-4B1743BF36BA}" destId="{7148F7C7-C56E-4DF3-AA1D-F382D0E07519}" srcOrd="1" destOrd="0" presId="urn:microsoft.com/office/officeart/2005/8/layout/pictureOrgChart+Icon"/>
+    <dgm:cxn modelId="{A3C5A712-0A1A-47C1-BF13-349CCF75C3D8}" type="presParOf" srcId="{5E590227-6CC0-4F07-997B-4B1743BF36BA}" destId="{5CB0E5FC-FE5E-410D-A79A-942B9C03C3BC}" srcOrd="2" destOrd="0" presId="urn:microsoft.com/office/officeart/2005/8/layout/pictureOrgChart+Icon"/>
+    <dgm:cxn modelId="{F0D446C9-A34F-4C26-AB50-1736E6A0E8ED}" type="presOf" srcId="{90330D8C-9D93-4F0E-8FA8-CF60E19254C8}" destId="{5CB0E5FC-FE5E-410D-A79A-942B9C03C3BC}" srcOrd="1" destOrd="0" presId="urn:microsoft.com/office/officeart/2005/8/layout/pictureOrgChart+Icon"/>
+    <dgm:cxn modelId="{74B6F5E2-49B5-4BC3-98A4-91760EBF617C}" type="presParOf" srcId="{B6A8C812-3D1E-4D64-88E5-9D5B0278E560}" destId="{79387A4E-BE3A-45B9-B57D-7F614942FAF6}" srcOrd="1" destOrd="0" presId="urn:microsoft.com/office/officeart/2005/8/layout/pictureOrgChart+Icon"/>
+    <dgm:cxn modelId="{5DB5D1B8-6C61-4830-AAE8-4467573A5820}" type="presParOf" srcId="{B6A8C812-3D1E-4D64-88E5-9D5B0278E560}" destId="{38C12649-4709-40C2-9B95-959E2CAE495C}" srcOrd="2" destOrd="0" presId="urn:microsoft.com/office/officeart/2005/8/layout/pictureOrgChart+Icon"/>
   </dgm:cxnLst>
   <dgm:bg/>
   <dgm:whole/>
@@ -3805,25 +4074,16 @@
             <p:ph type="ctrTitle"/>
           </p:nvPr>
         </p:nvSpPr>
-        <p:spPr>
-          <a:xfrm>
-            <a:off x="1524000" y="1122363"/>
-            <a:ext cx="9144000" cy="2387600"/>
-          </a:xfrm>
-        </p:spPr>
+        <p:spPr/>
         <p:txBody>
-          <a:bodyPr anchor="b"/>
-          <a:lstStyle>
-            <a:lvl1pPr algn="ctr">
-              <a:defRPr sz="6000"/>
-            </a:lvl1pPr>
-          </a:lstStyle>
+          <a:bodyPr/>
+          <a:lstStyle/>
           <a:p>
             <a:r>
               <a:rPr lang="en-US" smtClean="0"/>
               <a:t>Click to edit Master title style</a:t>
             </a:r>
-            <a:endParaRPr lang="en-GB"/>
+            <a:endParaRPr lang="en-US"/>
           </a:p>
         </p:txBody>
       </p:sp>
@@ -3837,50 +4097,99 @@
             <p:ph type="subTitle" idx="1"/>
           </p:nvPr>
         </p:nvSpPr>
-        <p:spPr>
-          <a:xfrm>
-            <a:off x="1524000" y="3602038"/>
-            <a:ext cx="9144000" cy="1655762"/>
-          </a:xfrm>
-        </p:spPr>
+        <p:spPr/>
         <p:txBody>
           <a:bodyPr/>
           <a:lstStyle>
             <a:lvl1pPr marL="0" indent="0" algn="ctr">
               <a:buNone/>
-              <a:defRPr sz="2400"/>
+              <a:defRPr>
+                <a:solidFill>
+                  <a:schemeClr val="tx1">
+                    <a:tint val="75000"/>
+                  </a:schemeClr>
+                </a:solidFill>
+              </a:defRPr>
             </a:lvl1pPr>
             <a:lvl2pPr marL="457200" indent="0" algn="ctr">
               <a:buNone/>
-              <a:defRPr sz="2000"/>
+              <a:defRPr>
+                <a:solidFill>
+                  <a:schemeClr val="tx1">
+                    <a:tint val="75000"/>
+                  </a:schemeClr>
+                </a:solidFill>
+              </a:defRPr>
             </a:lvl2pPr>
             <a:lvl3pPr marL="914400" indent="0" algn="ctr">
               <a:buNone/>
-              <a:defRPr sz="1800"/>
+              <a:defRPr>
+                <a:solidFill>
+                  <a:schemeClr val="tx1">
+                    <a:tint val="75000"/>
+                  </a:schemeClr>
+                </a:solidFill>
+              </a:defRPr>
             </a:lvl3pPr>
             <a:lvl4pPr marL="1371600" indent="0" algn="ctr">
               <a:buNone/>
-              <a:defRPr sz="1600"/>
+              <a:defRPr>
+                <a:solidFill>
+                  <a:schemeClr val="tx1">
+                    <a:tint val="75000"/>
+                  </a:schemeClr>
+                </a:solidFill>
+              </a:defRPr>
             </a:lvl4pPr>
             <a:lvl5pPr marL="1828800" indent="0" algn="ctr">
               <a:buNone/>
-              <a:defRPr sz="1600"/>
+              <a:defRPr>
+                <a:solidFill>
+                  <a:schemeClr val="tx1">
+                    <a:tint val="75000"/>
+                  </a:schemeClr>
+                </a:solidFill>
+              </a:defRPr>
             </a:lvl5pPr>
             <a:lvl6pPr marL="2286000" indent="0" algn="ctr">
               <a:buNone/>
-              <a:defRPr sz="1600"/>
+              <a:defRPr>
+                <a:solidFill>
+                  <a:schemeClr val="tx1">
+                    <a:tint val="75000"/>
+                  </a:schemeClr>
+                </a:solidFill>
+              </a:defRPr>
             </a:lvl6pPr>
             <a:lvl7pPr marL="2743200" indent="0" algn="ctr">
               <a:buNone/>
-              <a:defRPr sz="1600"/>
+              <a:defRPr>
+                <a:solidFill>
+                  <a:schemeClr val="tx1">
+                    <a:tint val="75000"/>
+                  </a:schemeClr>
+                </a:solidFill>
+              </a:defRPr>
             </a:lvl7pPr>
             <a:lvl8pPr marL="3200400" indent="0" algn="ctr">
               <a:buNone/>
-              <a:defRPr sz="1600"/>
+              <a:defRPr>
+                <a:solidFill>
+                  <a:schemeClr val="tx1">
+                    <a:tint val="75000"/>
+                  </a:schemeClr>
+                </a:solidFill>
+              </a:defRPr>
             </a:lvl8pPr>
             <a:lvl9pPr marL="3657600" indent="0" algn="ctr">
               <a:buNone/>
-              <a:defRPr sz="1600"/>
+              <a:defRPr>
+                <a:solidFill>
+                  <a:schemeClr val="tx1">
+                    <a:tint val="75000"/>
+                  </a:schemeClr>
+                </a:solidFill>
+              </a:defRPr>
             </a:lvl9pPr>
           </a:lstStyle>
           <a:p>
@@ -3888,7 +4197,7 @@
               <a:rPr lang="en-US" smtClean="0"/>
               <a:t>Click to edit Master subtitle style</a:t>
             </a:r>
-            <a:endParaRPr lang="en-GB"/>
+            <a:endParaRPr lang="en-US"/>
           </a:p>
         </p:txBody>
       </p:sp>
@@ -3899,7 +4208,7 @@
             <a:spLocks noGrp="1"/>
           </p:cNvSpPr>
           <p:nvPr>
-            <p:ph type="dt" sz="half" idx="10"/>
+            <p:ph type="dt" sz="half" idx="2"/>
           </p:nvPr>
         </p:nvSpPr>
         <p:spPr/>
@@ -3907,11 +4216,11 @@
           <a:bodyPr/>
           <a:lstStyle/>
           <a:p>
-            <a:fld id="{93E65311-B9FC-4DB5-9359-925C22807714}" type="datetimeFigureOut">
-              <a:rPr lang="en-GB" smtClean="0"/>
-              <a:t>04/05/2018</a:t>
+            <a:fld id="{22FBDA7B-9F90-4670-B0C7-A674A6CEA414}" type="datetimeFigureOut">
+              <a:rPr lang="en-US" smtClean="0"/>
+              <a:t>11/7/2009</a:t>
             </a:fld>
-            <a:endParaRPr lang="en-GB"/>
+            <a:endParaRPr lang="en-US"/>
           </a:p>
         </p:txBody>
       </p:sp>
@@ -3922,7 +4231,7 @@
             <a:spLocks noGrp="1"/>
           </p:cNvSpPr>
           <p:nvPr>
-            <p:ph type="ftr" sz="quarter" idx="11"/>
+            <p:ph type="ftr" sz="quarter" idx="3"/>
           </p:nvPr>
         </p:nvSpPr>
         <p:spPr/>
@@ -3930,7 +4239,7 @@
           <a:bodyPr/>
           <a:lstStyle/>
           <a:p>
-            <a:endParaRPr lang="en-GB"/>
+            <a:endParaRPr lang="en-US"/>
           </a:p>
         </p:txBody>
       </p:sp>
@@ -3941,7 +4250,7 @@
             <a:spLocks noGrp="1"/>
           </p:cNvSpPr>
           <p:nvPr>
-            <p:ph type="sldNum" sz="quarter" idx="12"/>
+            <p:ph type="sldNum" sz="quarter" idx="4"/>
           </p:nvPr>
         </p:nvSpPr>
         <p:spPr/>
@@ -3949,20 +4258,15 @@
           <a:bodyPr/>
           <a:lstStyle/>
           <a:p>
-            <a:fld id="{1B9711E9-D4E5-4710-8438-BA061E3B3551}" type="slidenum">
-              <a:rPr lang="en-GB" smtClean="0"/>
+            <a:fld id="{93AE1883-0942-4AA3-9DB2-9C7C3A0314B1}" type="slidenum">
+              <a:rPr lang="en-US" smtClean="0"/>
               <a:t>‹#›</a:t>
             </a:fld>
-            <a:endParaRPr lang="en-GB"/>
+            <a:endParaRPr lang="en-US"/>
           </a:p>
         </p:txBody>
       </p:sp>
     </p:spTree>
-    <p:extLst>
-      <p:ext uri="{BB962C8B-B14F-4D97-AF65-F5344CB8AC3E}">
-        <p14:creationId xmlns:p14="http://schemas.microsoft.com/office/powerpoint/2010/main" val="600491623"/>
-      </p:ext>
-    </p:extLst>
   </p:cSld>
   <p:clrMapOvr>
     <a:masterClrMapping/>
@@ -4006,7 +4310,7 @@
               <a:rPr lang="en-US" smtClean="0"/>
               <a:t>Click to edit Master title style</a:t>
             </a:r>
-            <a:endParaRPr lang="en-GB"/>
+            <a:endParaRPr lang="en-US"/>
           </a:p>
         </p:txBody>
       </p:sp>
@@ -4025,10 +4329,9 @@
           <a:bodyPr vert="eaVert"/>
           <a:lstStyle/>
           <a:p>
-            <a:pPr lvl="0"/>
             <a:r>
               <a:rPr lang="en-US" smtClean="0"/>
-              <a:t>Edit Master text styles</a:t>
+              <a:t>Click to edit Master text styles</a:t>
             </a:r>
           </a:p>
           <a:p>
@@ -4058,7 +4361,7 @@
               <a:rPr lang="en-US" smtClean="0"/>
               <a:t>Fifth level</a:t>
             </a:r>
-            <a:endParaRPr lang="en-GB"/>
+            <a:endParaRPr lang="en-US"/>
           </a:p>
         </p:txBody>
       </p:sp>
@@ -4069,7 +4372,7 @@
             <a:spLocks noGrp="1"/>
           </p:cNvSpPr>
           <p:nvPr>
-            <p:ph type="dt" sz="half" idx="10"/>
+            <p:ph type="dt" sz="half" idx="2"/>
           </p:nvPr>
         </p:nvSpPr>
         <p:spPr/>
@@ -4077,11 +4380,11 @@
           <a:bodyPr/>
           <a:lstStyle/>
           <a:p>
-            <a:fld id="{93E65311-B9FC-4DB5-9359-925C22807714}" type="datetimeFigureOut">
-              <a:rPr lang="en-GB" smtClean="0"/>
-              <a:t>04/05/2018</a:t>
+            <a:fld id="{E70F7ACE-F1C3-4297-9413-11C7475E52B4}" type="datetimeFigureOut">
+              <a:rPr lang="en-US" smtClean="0"/>
+              <a:t>11/7/2009</a:t>
             </a:fld>
-            <a:endParaRPr lang="en-GB"/>
+            <a:endParaRPr lang="en-US"/>
           </a:p>
         </p:txBody>
       </p:sp>
@@ -4092,7 +4395,7 @@
             <a:spLocks noGrp="1"/>
           </p:cNvSpPr>
           <p:nvPr>
-            <p:ph type="ftr" sz="quarter" idx="11"/>
+            <p:ph type="ftr" sz="quarter" idx="3"/>
           </p:nvPr>
         </p:nvSpPr>
         <p:spPr/>
@@ -4100,7 +4403,7 @@
           <a:bodyPr/>
           <a:lstStyle/>
           <a:p>
-            <a:endParaRPr lang="en-GB"/>
+            <a:endParaRPr lang="en-US"/>
           </a:p>
         </p:txBody>
       </p:sp>
@@ -4111,7 +4414,7 @@
             <a:spLocks noGrp="1"/>
           </p:cNvSpPr>
           <p:nvPr>
-            <p:ph type="sldNum" sz="quarter" idx="12"/>
+            <p:ph type="sldNum" sz="quarter" idx="4"/>
           </p:nvPr>
         </p:nvSpPr>
         <p:spPr/>
@@ -4119,20 +4422,15 @@
           <a:bodyPr/>
           <a:lstStyle/>
           <a:p>
-            <a:fld id="{1B9711E9-D4E5-4710-8438-BA061E3B3551}" type="slidenum">
-              <a:rPr lang="en-GB" smtClean="0"/>
+            <a:fld id="{93AE1883-0942-4AA3-9DB2-9C7C3A0314B1}" type="slidenum">
+              <a:rPr lang="en-US" smtClean="0"/>
               <a:t>‹#›</a:t>
             </a:fld>
-            <a:endParaRPr lang="en-GB"/>
+            <a:endParaRPr lang="en-US"/>
           </a:p>
         </p:txBody>
       </p:sp>
     </p:spTree>
-    <p:extLst>
-      <p:ext uri="{BB962C8B-B14F-4D97-AF65-F5344CB8AC3E}">
-        <p14:creationId xmlns:p14="http://schemas.microsoft.com/office/powerpoint/2010/main" val="3981627048"/>
-      </p:ext>
-    </p:extLst>
   </p:cSld>
   <p:clrMapOvr>
     <a:masterClrMapping/>
@@ -4167,12 +4465,7 @@
             <p:ph type="title" orient="vert"/>
           </p:nvPr>
         </p:nvSpPr>
-        <p:spPr>
-          <a:xfrm>
-            <a:off x="8724900" y="365125"/>
-            <a:ext cx="2628900" cy="5811838"/>
-          </a:xfrm>
-        </p:spPr>
+        <p:spPr/>
         <p:txBody>
           <a:bodyPr vert="eaVert"/>
           <a:lstStyle/>
@@ -4181,7 +4474,7 @@
               <a:rPr lang="en-US" smtClean="0"/>
               <a:t>Click to edit Master title style</a:t>
             </a:r>
-            <a:endParaRPr lang="en-GB"/>
+            <a:endParaRPr lang="en-US"/>
           </a:p>
         </p:txBody>
       </p:sp>
@@ -4195,20 +4488,14 @@
             <p:ph type="body" orient="vert" idx="1"/>
           </p:nvPr>
         </p:nvSpPr>
-        <p:spPr>
-          <a:xfrm>
-            <a:off x="838200" y="365125"/>
-            <a:ext cx="7734300" cy="5811838"/>
-          </a:xfrm>
-        </p:spPr>
+        <p:spPr/>
         <p:txBody>
           <a:bodyPr vert="eaVert"/>
           <a:lstStyle/>
           <a:p>
-            <a:pPr lvl="0"/>
             <a:r>
               <a:rPr lang="en-US" smtClean="0"/>
-              <a:t>Edit Master text styles</a:t>
+              <a:t>Click to edit Master text styles</a:t>
             </a:r>
           </a:p>
           <a:p>
@@ -4238,7 +4525,7 @@
               <a:rPr lang="en-US" smtClean="0"/>
               <a:t>Fifth level</a:t>
             </a:r>
-            <a:endParaRPr lang="en-GB"/>
+            <a:endParaRPr lang="en-US"/>
           </a:p>
         </p:txBody>
       </p:sp>
@@ -4249,7 +4536,7 @@
             <a:spLocks noGrp="1"/>
           </p:cNvSpPr>
           <p:nvPr>
-            <p:ph type="dt" sz="half" idx="10"/>
+            <p:ph type="dt" sz="half" idx="2"/>
           </p:nvPr>
         </p:nvSpPr>
         <p:spPr/>
@@ -4257,11 +4544,11 @@
           <a:bodyPr/>
           <a:lstStyle/>
           <a:p>
-            <a:fld id="{93E65311-B9FC-4DB5-9359-925C22807714}" type="datetimeFigureOut">
-              <a:rPr lang="en-GB" smtClean="0"/>
-              <a:t>04/05/2018</a:t>
+            <a:fld id="{6E39384F-6045-4179-BB75-0E2CFC1F3E6A}" type="datetimeFigureOut">
+              <a:rPr lang="en-US" smtClean="0"/>
+              <a:t>11/7/2009</a:t>
             </a:fld>
-            <a:endParaRPr lang="en-GB"/>
+            <a:endParaRPr lang="en-US"/>
           </a:p>
         </p:txBody>
       </p:sp>
@@ -4272,7 +4559,7 @@
             <a:spLocks noGrp="1"/>
           </p:cNvSpPr>
           <p:nvPr>
-            <p:ph type="ftr" sz="quarter" idx="11"/>
+            <p:ph type="ftr" sz="quarter" idx="3"/>
           </p:nvPr>
         </p:nvSpPr>
         <p:spPr/>
@@ -4280,7 +4567,7 @@
           <a:bodyPr/>
           <a:lstStyle/>
           <a:p>
-            <a:endParaRPr lang="en-GB"/>
+            <a:endParaRPr lang="en-US"/>
           </a:p>
         </p:txBody>
       </p:sp>
@@ -4291,7 +4578,7 @@
             <a:spLocks noGrp="1"/>
           </p:cNvSpPr>
           <p:nvPr>
-            <p:ph type="sldNum" sz="quarter" idx="12"/>
+            <p:ph type="sldNum" sz="quarter" idx="4"/>
           </p:nvPr>
         </p:nvSpPr>
         <p:spPr/>
@@ -4299,20 +4586,15 @@
           <a:bodyPr/>
           <a:lstStyle/>
           <a:p>
-            <a:fld id="{1B9711E9-D4E5-4710-8438-BA061E3B3551}" type="slidenum">
-              <a:rPr lang="en-GB" smtClean="0"/>
+            <a:fld id="{93AE1883-0942-4AA3-9DB2-9C7C3A0314B1}" type="slidenum">
+              <a:rPr lang="en-US" smtClean="0"/>
               <a:t>‹#›</a:t>
             </a:fld>
-            <a:endParaRPr lang="en-GB"/>
+            <a:endParaRPr lang="en-US"/>
           </a:p>
         </p:txBody>
       </p:sp>
     </p:spTree>
-    <p:extLst>
-      <p:ext uri="{BB962C8B-B14F-4D97-AF65-F5344CB8AC3E}">
-        <p14:creationId xmlns:p14="http://schemas.microsoft.com/office/powerpoint/2010/main" val="2071791766"/>
-      </p:ext>
-    </p:extLst>
   </p:cSld>
   <p:clrMapOvr>
     <a:masterClrMapping/>
@@ -4356,7 +4638,7 @@
               <a:rPr lang="en-US" smtClean="0"/>
               <a:t>Click to edit Master title style</a:t>
             </a:r>
-            <a:endParaRPr lang="en-GB"/>
+            <a:endParaRPr lang="en-US"/>
           </a:p>
         </p:txBody>
       </p:sp>
@@ -4375,10 +4657,9 @@
           <a:bodyPr/>
           <a:lstStyle/>
           <a:p>
-            <a:pPr lvl="0"/>
             <a:r>
               <a:rPr lang="en-US" smtClean="0"/>
-              <a:t>Edit Master text styles</a:t>
+              <a:t>Click to edit Master text styles</a:t>
             </a:r>
           </a:p>
           <a:p>
@@ -4408,7 +4689,7 @@
               <a:rPr lang="en-US" smtClean="0"/>
               <a:t>Fifth level</a:t>
             </a:r>
-            <a:endParaRPr lang="en-GB"/>
+            <a:endParaRPr lang="en-US"/>
           </a:p>
         </p:txBody>
       </p:sp>
@@ -4419,7 +4700,7 @@
             <a:spLocks noGrp="1"/>
           </p:cNvSpPr>
           <p:nvPr>
-            <p:ph type="dt" sz="half" idx="10"/>
+            <p:ph type="dt" sz="half" idx="2"/>
           </p:nvPr>
         </p:nvSpPr>
         <p:spPr/>
@@ -4427,11 +4708,11 @@
           <a:bodyPr/>
           <a:lstStyle/>
           <a:p>
-            <a:fld id="{93E65311-B9FC-4DB5-9359-925C22807714}" type="datetimeFigureOut">
-              <a:rPr lang="en-GB" smtClean="0"/>
-              <a:t>04/05/2018</a:t>
+            <a:fld id="{DFEF080F-D431-45A6-A115-D79A02DC51BE}" type="datetimeFigureOut">
+              <a:rPr lang="en-US" smtClean="0"/>
+              <a:t>11/7/2009</a:t>
             </a:fld>
-            <a:endParaRPr lang="en-GB"/>
+            <a:endParaRPr lang="en-US"/>
           </a:p>
         </p:txBody>
       </p:sp>
@@ -4442,7 +4723,7 @@
             <a:spLocks noGrp="1"/>
           </p:cNvSpPr>
           <p:nvPr>
-            <p:ph type="ftr" sz="quarter" idx="11"/>
+            <p:ph type="ftr" sz="quarter" idx="3"/>
           </p:nvPr>
         </p:nvSpPr>
         <p:spPr/>
@@ -4450,7 +4731,7 @@
           <a:bodyPr/>
           <a:lstStyle/>
           <a:p>
-            <a:endParaRPr lang="en-GB"/>
+            <a:endParaRPr lang="en-US"/>
           </a:p>
         </p:txBody>
       </p:sp>
@@ -4461,7 +4742,7 @@
             <a:spLocks noGrp="1"/>
           </p:cNvSpPr>
           <p:nvPr>
-            <p:ph type="sldNum" sz="quarter" idx="12"/>
+            <p:ph type="sldNum" sz="quarter" idx="4"/>
           </p:nvPr>
         </p:nvSpPr>
         <p:spPr/>
@@ -4469,20 +4750,15 @@
           <a:bodyPr/>
           <a:lstStyle/>
           <a:p>
-            <a:fld id="{1B9711E9-D4E5-4710-8438-BA061E3B3551}" type="slidenum">
-              <a:rPr lang="en-GB" smtClean="0"/>
+            <a:fld id="{93AE1883-0942-4AA3-9DB2-9C7C3A0314B1}" type="slidenum">
+              <a:rPr lang="en-US" smtClean="0"/>
               <a:t>‹#›</a:t>
             </a:fld>
-            <a:endParaRPr lang="en-GB"/>
+            <a:endParaRPr lang="en-US"/>
           </a:p>
         </p:txBody>
       </p:sp>
     </p:spTree>
-    <p:extLst>
-      <p:ext uri="{BB962C8B-B14F-4D97-AF65-F5344CB8AC3E}">
-        <p14:creationId xmlns:p14="http://schemas.microsoft.com/office/powerpoint/2010/main" val="3809536411"/>
-      </p:ext>
-    </p:extLst>
   </p:cSld>
   <p:clrMapOvr>
     <a:masterClrMapping/>
@@ -4517,17 +4793,12 @@
             <p:ph type="title"/>
           </p:nvPr>
         </p:nvSpPr>
-        <p:spPr>
-          <a:xfrm>
-            <a:off x="831850" y="1709738"/>
-            <a:ext cx="10515600" cy="2852737"/>
-          </a:xfrm>
-        </p:spPr>
+        <p:spPr/>
         <p:txBody>
-          <a:bodyPr anchor="b"/>
+          <a:bodyPr anchor="t"/>
           <a:lstStyle>
-            <a:lvl1pPr>
-              <a:defRPr sz="6000"/>
+            <a:lvl1pPr algn="l">
+              <a:defRPr sz="4000" b="1" cap="all"/>
             </a:lvl1pPr>
           </a:lstStyle>
           <a:p>
@@ -4535,7 +4806,7 @@
               <a:rPr lang="en-US" smtClean="0"/>
               <a:t>Click to edit Master title style</a:t>
             </a:r>
-            <a:endParaRPr lang="en-GB"/>
+            <a:endParaRPr lang="en-US"/>
           </a:p>
         </p:txBody>
       </p:sp>
@@ -4549,18 +4820,13 @@
             <p:ph type="body" idx="1"/>
           </p:nvPr>
         </p:nvSpPr>
-        <p:spPr>
-          <a:xfrm>
-            <a:off x="831850" y="4589463"/>
-            <a:ext cx="10515600" cy="1500187"/>
-          </a:xfrm>
-        </p:spPr>
+        <p:spPr/>
         <p:txBody>
-          <a:bodyPr/>
+          <a:bodyPr anchor="b"/>
           <a:lstStyle>
             <a:lvl1pPr marL="0" indent="0">
               <a:buNone/>
-              <a:defRPr sz="2400">
+              <a:defRPr sz="2000">
                 <a:solidFill>
                   <a:schemeClr val="tx1">
                     <a:tint val="75000"/>
@@ -4570,7 +4836,7 @@
             </a:lvl1pPr>
             <a:lvl2pPr marL="457200" indent="0">
               <a:buNone/>
-              <a:defRPr sz="2000">
+              <a:defRPr sz="1800">
                 <a:solidFill>
                   <a:schemeClr val="tx1">
                     <a:tint val="75000"/>
@@ -4580,7 +4846,7 @@
             </a:lvl2pPr>
             <a:lvl3pPr marL="914400" indent="0">
               <a:buNone/>
-              <a:defRPr sz="1800">
+              <a:defRPr sz="1600">
                 <a:solidFill>
                   <a:schemeClr val="tx1">
                     <a:tint val="75000"/>
@@ -4590,7 +4856,7 @@
             </a:lvl3pPr>
             <a:lvl4pPr marL="1371600" indent="0">
               <a:buNone/>
-              <a:defRPr sz="1600">
+              <a:defRPr sz="1400">
                 <a:solidFill>
                   <a:schemeClr val="tx1">
                     <a:tint val="75000"/>
@@ -4600,7 +4866,7 @@
             </a:lvl4pPr>
             <a:lvl5pPr marL="1828800" indent="0">
               <a:buNone/>
-              <a:defRPr sz="1600">
+              <a:defRPr sz="1400">
                 <a:solidFill>
                   <a:schemeClr val="tx1">
                     <a:tint val="75000"/>
@@ -4610,7 +4876,7 @@
             </a:lvl5pPr>
             <a:lvl6pPr marL="2286000" indent="0">
               <a:buNone/>
-              <a:defRPr sz="1600">
+              <a:defRPr sz="1400">
                 <a:solidFill>
                   <a:schemeClr val="tx1">
                     <a:tint val="75000"/>
@@ -4620,7 +4886,7 @@
             </a:lvl6pPr>
             <a:lvl7pPr marL="2743200" indent="0">
               <a:buNone/>
-              <a:defRPr sz="1600">
+              <a:defRPr sz="1400">
                 <a:solidFill>
                   <a:schemeClr val="tx1">
                     <a:tint val="75000"/>
@@ -4630,7 +4896,7 @@
             </a:lvl7pPr>
             <a:lvl8pPr marL="3200400" indent="0">
               <a:buNone/>
-              <a:defRPr sz="1600">
+              <a:defRPr sz="1400">
                 <a:solidFill>
                   <a:schemeClr val="tx1">
                     <a:tint val="75000"/>
@@ -4640,7 +4906,7 @@
             </a:lvl8pPr>
             <a:lvl9pPr marL="3657600" indent="0">
               <a:buNone/>
-              <a:defRPr sz="1600">
+              <a:defRPr sz="1400">
                 <a:solidFill>
                   <a:schemeClr val="tx1">
                     <a:tint val="75000"/>
@@ -4650,10 +4916,9 @@
             </a:lvl9pPr>
           </a:lstStyle>
           <a:p>
-            <a:pPr lvl="0"/>
             <a:r>
               <a:rPr lang="en-US" smtClean="0"/>
-              <a:t>Edit Master text styles</a:t>
+              <a:t>Click to edit Master text styles</a:t>
             </a:r>
           </a:p>
         </p:txBody>
@@ -4665,7 +4930,7 @@
             <a:spLocks noGrp="1"/>
           </p:cNvSpPr>
           <p:nvPr>
-            <p:ph type="dt" sz="half" idx="10"/>
+            <p:ph type="dt" sz="half" idx="2"/>
           </p:nvPr>
         </p:nvSpPr>
         <p:spPr/>
@@ -4673,11 +4938,11 @@
           <a:bodyPr/>
           <a:lstStyle/>
           <a:p>
-            <a:fld id="{93E65311-B9FC-4DB5-9359-925C22807714}" type="datetimeFigureOut">
-              <a:rPr lang="en-GB" smtClean="0"/>
-              <a:t>04/05/2018</a:t>
+            <a:fld id="{291B4308-D9F2-46DA-86A6-263820591D78}" type="datetimeFigureOut">
+              <a:rPr lang="en-US" smtClean="0"/>
+              <a:t>11/7/2009</a:t>
             </a:fld>
-            <a:endParaRPr lang="en-GB"/>
+            <a:endParaRPr lang="en-US"/>
           </a:p>
         </p:txBody>
       </p:sp>
@@ -4688,7 +4953,7 @@
             <a:spLocks noGrp="1"/>
           </p:cNvSpPr>
           <p:nvPr>
-            <p:ph type="ftr" sz="quarter" idx="11"/>
+            <p:ph type="ftr" sz="quarter" idx="3"/>
           </p:nvPr>
         </p:nvSpPr>
         <p:spPr/>
@@ -4696,7 +4961,7 @@
           <a:bodyPr/>
           <a:lstStyle/>
           <a:p>
-            <a:endParaRPr lang="en-GB"/>
+            <a:endParaRPr lang="en-US"/>
           </a:p>
         </p:txBody>
       </p:sp>
@@ -4707,7 +4972,7 @@
             <a:spLocks noGrp="1"/>
           </p:cNvSpPr>
           <p:nvPr>
-            <p:ph type="sldNum" sz="quarter" idx="12"/>
+            <p:ph type="sldNum" sz="quarter" idx="4"/>
           </p:nvPr>
         </p:nvSpPr>
         <p:spPr/>
@@ -4715,20 +4980,15 @@
           <a:bodyPr/>
           <a:lstStyle/>
           <a:p>
-            <a:fld id="{1B9711E9-D4E5-4710-8438-BA061E3B3551}" type="slidenum">
-              <a:rPr lang="en-GB" smtClean="0"/>
+            <a:fld id="{93AE1883-0942-4AA3-9DB2-9C7C3A0314B1}" type="slidenum">
+              <a:rPr lang="en-US" smtClean="0"/>
               <a:t>‹#›</a:t>
             </a:fld>
-            <a:endParaRPr lang="en-GB"/>
+            <a:endParaRPr lang="en-US"/>
           </a:p>
         </p:txBody>
       </p:sp>
     </p:spTree>
-    <p:extLst>
-      <p:ext uri="{BB962C8B-B14F-4D97-AF65-F5344CB8AC3E}">
-        <p14:creationId xmlns:p14="http://schemas.microsoft.com/office/powerpoint/2010/main" val="3536811447"/>
-      </p:ext>
-    </p:extLst>
   </p:cSld>
   <p:clrMapOvr>
     <a:masterClrMapping/>
@@ -4772,7 +5032,7 @@
               <a:rPr lang="en-US" smtClean="0"/>
               <a:t>Click to edit Master title style</a:t>
             </a:r>
-            <a:endParaRPr lang="en-GB"/>
+            <a:endParaRPr lang="en-US"/>
           </a:p>
         </p:txBody>
       </p:sp>
@@ -4786,20 +5046,42 @@
             <p:ph sz="half" idx="1"/>
           </p:nvPr>
         </p:nvSpPr>
-        <p:spPr>
-          <a:xfrm>
-            <a:off x="838200" y="1825625"/>
-            <a:ext cx="5181600" cy="4351338"/>
-          </a:xfrm>
-        </p:spPr>
+        <p:spPr/>
         <p:txBody>
           <a:bodyPr/>
-          <a:lstStyle/>
-          <a:p>
-            <a:pPr lvl="0"/>
+          <a:lstStyle>
+            <a:lvl1pPr>
+              <a:defRPr sz="2800"/>
+            </a:lvl1pPr>
+            <a:lvl2pPr>
+              <a:defRPr sz="2400"/>
+            </a:lvl2pPr>
+            <a:lvl3pPr>
+              <a:defRPr sz="2000"/>
+            </a:lvl3pPr>
+            <a:lvl4pPr>
+              <a:defRPr sz="1800"/>
+            </a:lvl4pPr>
+            <a:lvl5pPr>
+              <a:defRPr sz="1800"/>
+            </a:lvl5pPr>
+            <a:lvl6pPr>
+              <a:defRPr sz="1800"/>
+            </a:lvl6pPr>
+            <a:lvl7pPr>
+              <a:defRPr sz="1800"/>
+            </a:lvl7pPr>
+            <a:lvl8pPr>
+              <a:defRPr sz="1800"/>
+            </a:lvl8pPr>
+            <a:lvl9pPr>
+              <a:defRPr sz="1800"/>
+            </a:lvl9pPr>
+          </a:lstStyle>
+          <a:p>
             <a:r>
               <a:rPr lang="en-US" smtClean="0"/>
-              <a:t>Edit Master text styles</a:t>
+              <a:t>Click to edit Master text styles</a:t>
             </a:r>
           </a:p>
           <a:p>
@@ -4829,7 +5111,7 @@
               <a:rPr lang="en-US" smtClean="0"/>
               <a:t>Fifth level</a:t>
             </a:r>
-            <a:endParaRPr lang="en-GB"/>
+            <a:endParaRPr lang="en-US"/>
           </a:p>
         </p:txBody>
       </p:sp>
@@ -4843,20 +5125,42 @@
             <p:ph sz="half" idx="2"/>
           </p:nvPr>
         </p:nvSpPr>
-        <p:spPr>
-          <a:xfrm>
-            <a:off x="6172200" y="1825625"/>
-            <a:ext cx="5181600" cy="4351338"/>
-          </a:xfrm>
-        </p:spPr>
+        <p:spPr/>
         <p:txBody>
           <a:bodyPr/>
-          <a:lstStyle/>
-          <a:p>
-            <a:pPr lvl="0"/>
+          <a:lstStyle>
+            <a:lvl1pPr>
+              <a:defRPr sz="2800"/>
+            </a:lvl1pPr>
+            <a:lvl2pPr>
+              <a:defRPr sz="2400"/>
+            </a:lvl2pPr>
+            <a:lvl3pPr>
+              <a:defRPr sz="2000"/>
+            </a:lvl3pPr>
+            <a:lvl4pPr>
+              <a:defRPr sz="1800"/>
+            </a:lvl4pPr>
+            <a:lvl5pPr>
+              <a:defRPr sz="1800"/>
+            </a:lvl5pPr>
+            <a:lvl6pPr>
+              <a:defRPr sz="1800"/>
+            </a:lvl6pPr>
+            <a:lvl7pPr>
+              <a:defRPr sz="1800"/>
+            </a:lvl7pPr>
+            <a:lvl8pPr>
+              <a:defRPr sz="1800"/>
+            </a:lvl8pPr>
+            <a:lvl9pPr>
+              <a:defRPr sz="1800"/>
+            </a:lvl9pPr>
+          </a:lstStyle>
+          <a:p>
             <a:r>
               <a:rPr lang="en-US" smtClean="0"/>
-              <a:t>Edit Master text styles</a:t>
+              <a:t>Click to edit Master text styles</a:t>
             </a:r>
           </a:p>
           <a:p>
@@ -4886,7 +5190,7 @@
               <a:rPr lang="en-US" smtClean="0"/>
               <a:t>Fifth level</a:t>
             </a:r>
-            <a:endParaRPr lang="en-GB"/>
+            <a:endParaRPr lang="en-US"/>
           </a:p>
         </p:txBody>
       </p:sp>
@@ -4897,7 +5201,7 @@
             <a:spLocks noGrp="1"/>
           </p:cNvSpPr>
           <p:nvPr>
-            <p:ph type="dt" sz="half" idx="10"/>
+            <p:ph type="dt" sz="half" idx="3"/>
           </p:nvPr>
         </p:nvSpPr>
         <p:spPr/>
@@ -4905,11 +5209,11 @@
           <a:bodyPr/>
           <a:lstStyle/>
           <a:p>
-            <a:fld id="{93E65311-B9FC-4DB5-9359-925C22807714}" type="datetimeFigureOut">
-              <a:rPr lang="en-GB" smtClean="0"/>
-              <a:t>04/05/2018</a:t>
+            <a:fld id="{66BDDC9A-1E76-483E-8361-54C8B02C270A}" type="datetimeFigureOut">
+              <a:rPr lang="en-US" smtClean="0"/>
+              <a:t>11/7/2009</a:t>
             </a:fld>
-            <a:endParaRPr lang="en-GB"/>
+            <a:endParaRPr lang="en-US"/>
           </a:p>
         </p:txBody>
       </p:sp>
@@ -4920,7 +5224,7 @@
             <a:spLocks noGrp="1"/>
           </p:cNvSpPr>
           <p:nvPr>
-            <p:ph type="ftr" sz="quarter" idx="11"/>
+            <p:ph type="ftr" sz="quarter" idx="4"/>
           </p:nvPr>
         </p:nvSpPr>
         <p:spPr/>
@@ -4928,7 +5232,7 @@
           <a:bodyPr/>
           <a:lstStyle/>
           <a:p>
-            <a:endParaRPr lang="en-GB"/>
+            <a:endParaRPr lang="en-US"/>
           </a:p>
         </p:txBody>
       </p:sp>
@@ -4939,7 +5243,7 @@
             <a:spLocks noGrp="1"/>
           </p:cNvSpPr>
           <p:nvPr>
-            <p:ph type="sldNum" sz="quarter" idx="12"/>
+            <p:ph type="sldNum" sz="quarter" idx="5"/>
           </p:nvPr>
         </p:nvSpPr>
         <p:spPr/>
@@ -4947,20 +5251,15 @@
           <a:bodyPr/>
           <a:lstStyle/>
           <a:p>
-            <a:fld id="{1B9711E9-D4E5-4710-8438-BA061E3B3551}" type="slidenum">
-              <a:rPr lang="en-GB" smtClean="0"/>
+            <a:fld id="{93AE1883-0942-4AA3-9DB2-9C7C3A0314B1}" type="slidenum">
+              <a:rPr lang="en-US" smtClean="0"/>
               <a:t>‹#›</a:t>
             </a:fld>
-            <a:endParaRPr lang="en-GB"/>
+            <a:endParaRPr lang="en-US"/>
           </a:p>
         </p:txBody>
       </p:sp>
     </p:spTree>
-    <p:extLst>
-      <p:ext uri="{BB962C8B-B14F-4D97-AF65-F5344CB8AC3E}">
-        <p14:creationId xmlns:p14="http://schemas.microsoft.com/office/powerpoint/2010/main" val="183494221"/>
-      </p:ext>
-    </p:extLst>
   </p:cSld>
   <p:clrMapOvr>
     <a:masterClrMapping/>
@@ -4995,12 +5294,7 @@
             <p:ph type="title"/>
           </p:nvPr>
         </p:nvSpPr>
-        <p:spPr>
-          <a:xfrm>
-            <a:off x="839788" y="365125"/>
-            <a:ext cx="10515600" cy="1325563"/>
-          </a:xfrm>
-        </p:spPr>
+        <p:spPr/>
         <p:txBody>
           <a:bodyPr/>
           <a:lstStyle/>
@@ -5009,7 +5303,7 @@
               <a:rPr lang="en-US" smtClean="0"/>
               <a:t>Click to edit Master title style</a:t>
             </a:r>
-            <a:endParaRPr lang="en-GB"/>
+            <a:endParaRPr lang="en-US"/>
           </a:p>
         </p:txBody>
       </p:sp>
@@ -5023,12 +5317,7 @@
             <p:ph type="body" idx="1"/>
           </p:nvPr>
         </p:nvSpPr>
-        <p:spPr>
-          <a:xfrm>
-            <a:off x="839788" y="1681163"/>
-            <a:ext cx="5157787" cy="823912"/>
-          </a:xfrm>
-        </p:spPr>
+        <p:spPr/>
         <p:txBody>
           <a:bodyPr anchor="b"/>
           <a:lstStyle>
@@ -5070,10 +5359,9 @@
             </a:lvl9pPr>
           </a:lstStyle>
           <a:p>
-            <a:pPr lvl="0"/>
             <a:r>
               <a:rPr lang="en-US" smtClean="0"/>
-              <a:t>Edit Master text styles</a:t>
+              <a:t>Click to edit Master text styles</a:t>
             </a:r>
           </a:p>
         </p:txBody>
@@ -5088,20 +5376,42 @@
             <p:ph sz="half" idx="2"/>
           </p:nvPr>
         </p:nvSpPr>
-        <p:spPr>
-          <a:xfrm>
-            <a:off x="839788" y="2505075"/>
-            <a:ext cx="5157787" cy="3684588"/>
-          </a:xfrm>
-        </p:spPr>
+        <p:spPr/>
         <p:txBody>
           <a:bodyPr/>
-          <a:lstStyle/>
-          <a:p>
-            <a:pPr lvl="0"/>
+          <a:lstStyle>
+            <a:lvl1pPr>
+              <a:defRPr sz="2400"/>
+            </a:lvl1pPr>
+            <a:lvl2pPr>
+              <a:defRPr sz="2000"/>
+            </a:lvl2pPr>
+            <a:lvl3pPr>
+              <a:defRPr sz="1800"/>
+            </a:lvl3pPr>
+            <a:lvl4pPr>
+              <a:defRPr sz="1600"/>
+            </a:lvl4pPr>
+            <a:lvl5pPr>
+              <a:defRPr sz="1600"/>
+            </a:lvl5pPr>
+            <a:lvl6pPr>
+              <a:defRPr sz="1600"/>
+            </a:lvl6pPr>
+            <a:lvl7pPr>
+              <a:defRPr sz="1600"/>
+            </a:lvl7pPr>
+            <a:lvl8pPr>
+              <a:defRPr sz="1600"/>
+            </a:lvl8pPr>
+            <a:lvl9pPr>
+              <a:defRPr sz="1600"/>
+            </a:lvl9pPr>
+          </a:lstStyle>
+          <a:p>
             <a:r>
               <a:rPr lang="en-US" smtClean="0"/>
-              <a:t>Edit Master text styles</a:t>
+              <a:t>Click to edit Master text styles</a:t>
             </a:r>
           </a:p>
           <a:p>
@@ -5131,7 +5441,7 @@
               <a:rPr lang="en-US" smtClean="0"/>
               <a:t>Fifth level</a:t>
             </a:r>
-            <a:endParaRPr lang="en-GB"/>
+            <a:endParaRPr lang="en-US"/>
           </a:p>
         </p:txBody>
       </p:sp>
@@ -5145,12 +5455,7 @@
             <p:ph type="body" sz="quarter" idx="3"/>
           </p:nvPr>
         </p:nvSpPr>
-        <p:spPr>
-          <a:xfrm>
-            <a:off x="6172200" y="1681163"/>
-            <a:ext cx="5183188" cy="823912"/>
-          </a:xfrm>
-        </p:spPr>
+        <p:spPr/>
         <p:txBody>
           <a:bodyPr anchor="b"/>
           <a:lstStyle>
@@ -5192,10 +5497,9 @@
             </a:lvl9pPr>
           </a:lstStyle>
           <a:p>
-            <a:pPr lvl="0"/>
             <a:r>
               <a:rPr lang="en-US" smtClean="0"/>
-              <a:t>Edit Master text styles</a:t>
+              <a:t>Click to edit Master text styles</a:t>
             </a:r>
           </a:p>
         </p:txBody>
@@ -5210,20 +5514,42 @@
             <p:ph sz="quarter" idx="4"/>
           </p:nvPr>
         </p:nvSpPr>
-        <p:spPr>
-          <a:xfrm>
-            <a:off x="6172200" y="2505075"/>
-            <a:ext cx="5183188" cy="3684588"/>
-          </a:xfrm>
-        </p:spPr>
+        <p:spPr/>
         <p:txBody>
           <a:bodyPr/>
-          <a:lstStyle/>
-          <a:p>
-            <a:pPr lvl="0"/>
+          <a:lstStyle>
+            <a:lvl1pPr>
+              <a:defRPr sz="2400"/>
+            </a:lvl1pPr>
+            <a:lvl2pPr>
+              <a:defRPr sz="2000"/>
+            </a:lvl2pPr>
+            <a:lvl3pPr>
+              <a:defRPr sz="1800"/>
+            </a:lvl3pPr>
+            <a:lvl4pPr>
+              <a:defRPr sz="1600"/>
+            </a:lvl4pPr>
+            <a:lvl5pPr>
+              <a:defRPr sz="1600"/>
+            </a:lvl5pPr>
+            <a:lvl6pPr>
+              <a:defRPr sz="1600"/>
+            </a:lvl6pPr>
+            <a:lvl7pPr>
+              <a:defRPr sz="1600"/>
+            </a:lvl7pPr>
+            <a:lvl8pPr>
+              <a:defRPr sz="1600"/>
+            </a:lvl8pPr>
+            <a:lvl9pPr>
+              <a:defRPr sz="1600"/>
+            </a:lvl9pPr>
+          </a:lstStyle>
+          <a:p>
             <a:r>
               <a:rPr lang="en-US" smtClean="0"/>
-              <a:t>Edit Master text styles</a:t>
+              <a:t>Click to edit Master text styles</a:t>
             </a:r>
           </a:p>
           <a:p>
@@ -5253,7 +5579,7 @@
               <a:rPr lang="en-US" smtClean="0"/>
               <a:t>Fifth level</a:t>
             </a:r>
-            <a:endParaRPr lang="en-GB"/>
+            <a:endParaRPr lang="en-US"/>
           </a:p>
         </p:txBody>
       </p:sp>
@@ -5264,7 +5590,7 @@
             <a:spLocks noGrp="1"/>
           </p:cNvSpPr>
           <p:nvPr>
-            <p:ph type="dt" sz="half" idx="10"/>
+            <p:ph type="dt" sz="half" idx="5"/>
           </p:nvPr>
         </p:nvSpPr>
         <p:spPr/>
@@ -5272,11 +5598,11 @@
           <a:bodyPr/>
           <a:lstStyle/>
           <a:p>
-            <a:fld id="{93E65311-B9FC-4DB5-9359-925C22807714}" type="datetimeFigureOut">
-              <a:rPr lang="en-GB" smtClean="0"/>
-              <a:t>04/05/2018</a:t>
+            <a:fld id="{8B389091-5A81-4A6E-89FD-3DDBEBDF07CF}" type="datetimeFigureOut">
+              <a:rPr lang="en-US" smtClean="0"/>
+              <a:t>11/7/2009</a:t>
             </a:fld>
-            <a:endParaRPr lang="en-GB"/>
+            <a:endParaRPr lang="en-US"/>
           </a:p>
         </p:txBody>
       </p:sp>
@@ -5287,7 +5613,7 @@
             <a:spLocks noGrp="1"/>
           </p:cNvSpPr>
           <p:nvPr>
-            <p:ph type="ftr" sz="quarter" idx="11"/>
+            <p:ph type="ftr" sz="quarter" idx="6"/>
           </p:nvPr>
         </p:nvSpPr>
         <p:spPr/>
@@ -5295,7 +5621,7 @@
           <a:bodyPr/>
           <a:lstStyle/>
           <a:p>
-            <a:endParaRPr lang="en-GB"/>
+            <a:endParaRPr lang="en-US"/>
           </a:p>
         </p:txBody>
       </p:sp>
@@ -5306,7 +5632,7 @@
             <a:spLocks noGrp="1"/>
           </p:cNvSpPr>
           <p:nvPr>
-            <p:ph type="sldNum" sz="quarter" idx="12"/>
+            <p:ph type="sldNum" sz="quarter" idx="7"/>
           </p:nvPr>
         </p:nvSpPr>
         <p:spPr/>
@@ -5314,20 +5640,15 @@
           <a:bodyPr/>
           <a:lstStyle/>
           <a:p>
-            <a:fld id="{1B9711E9-D4E5-4710-8438-BA061E3B3551}" type="slidenum">
-              <a:rPr lang="en-GB" smtClean="0"/>
+            <a:fld id="{93AE1883-0942-4AA3-9DB2-9C7C3A0314B1}" type="slidenum">
+              <a:rPr lang="en-US" smtClean="0"/>
               <a:t>‹#›</a:t>
             </a:fld>
-            <a:endParaRPr lang="en-GB"/>
+            <a:endParaRPr lang="en-US"/>
           </a:p>
         </p:txBody>
       </p:sp>
     </p:spTree>
-    <p:extLst>
-      <p:ext uri="{BB962C8B-B14F-4D97-AF65-F5344CB8AC3E}">
-        <p14:creationId xmlns:p14="http://schemas.microsoft.com/office/powerpoint/2010/main" val="3716372442"/>
-      </p:ext>
-    </p:extLst>
   </p:cSld>
   <p:clrMapOvr>
     <a:masterClrMapping/>
@@ -5371,7 +5692,7 @@
               <a:rPr lang="en-US" smtClean="0"/>
               <a:t>Click to edit Master title style</a:t>
             </a:r>
-            <a:endParaRPr lang="en-GB"/>
+            <a:endParaRPr lang="en-US"/>
           </a:p>
         </p:txBody>
       </p:sp>
@@ -5382,7 +5703,7 @@
             <a:spLocks noGrp="1"/>
           </p:cNvSpPr>
           <p:nvPr>
-            <p:ph type="dt" sz="half" idx="10"/>
+            <p:ph type="dt" sz="half" idx="1"/>
           </p:nvPr>
         </p:nvSpPr>
         <p:spPr/>
@@ -5390,11 +5711,11 @@
           <a:bodyPr/>
           <a:lstStyle/>
           <a:p>
-            <a:fld id="{93E65311-B9FC-4DB5-9359-925C22807714}" type="datetimeFigureOut">
-              <a:rPr lang="en-GB" smtClean="0"/>
-              <a:t>04/05/2018</a:t>
+            <a:fld id="{CD8597EB-5E90-4DCF-87D5-DEC137AD1631}" type="datetimeFigureOut">
+              <a:rPr lang="en-US" smtClean="0"/>
+              <a:t>11/7/2009</a:t>
             </a:fld>
-            <a:endParaRPr lang="en-GB"/>
+            <a:endParaRPr lang="en-US"/>
           </a:p>
         </p:txBody>
       </p:sp>
@@ -5405,7 +5726,7 @@
             <a:spLocks noGrp="1"/>
           </p:cNvSpPr>
           <p:nvPr>
-            <p:ph type="ftr" sz="quarter" idx="11"/>
+            <p:ph type="ftr" sz="quarter" idx="2"/>
           </p:nvPr>
         </p:nvSpPr>
         <p:spPr/>
@@ -5413,7 +5734,7 @@
           <a:bodyPr/>
           <a:lstStyle/>
           <a:p>
-            <a:endParaRPr lang="en-GB"/>
+            <a:endParaRPr lang="en-US"/>
           </a:p>
         </p:txBody>
       </p:sp>
@@ -5424,7 +5745,7 @@
             <a:spLocks noGrp="1"/>
           </p:cNvSpPr>
           <p:nvPr>
-            <p:ph type="sldNum" sz="quarter" idx="12"/>
+            <p:ph type="sldNum" sz="quarter" idx="3"/>
           </p:nvPr>
         </p:nvSpPr>
         <p:spPr/>
@@ -5432,20 +5753,15 @@
           <a:bodyPr/>
           <a:lstStyle/>
           <a:p>
-            <a:fld id="{1B9711E9-D4E5-4710-8438-BA061E3B3551}" type="slidenum">
-              <a:rPr lang="en-GB" smtClean="0"/>
+            <a:fld id="{93AE1883-0942-4AA3-9DB2-9C7C3A0314B1}" type="slidenum">
+              <a:rPr lang="en-US" smtClean="0"/>
               <a:t>‹#›</a:t>
             </a:fld>
-            <a:endParaRPr lang="en-GB"/>
+            <a:endParaRPr lang="en-US"/>
           </a:p>
         </p:txBody>
       </p:sp>
     </p:spTree>
-    <p:extLst>
-      <p:ext uri="{BB962C8B-B14F-4D97-AF65-F5344CB8AC3E}">
-        <p14:creationId xmlns:p14="http://schemas.microsoft.com/office/powerpoint/2010/main" val="2578810630"/>
-      </p:ext>
-    </p:extLst>
   </p:cSld>
   <p:clrMapOvr>
     <a:masterClrMapping/>
@@ -5477,7 +5793,7 @@
             <a:spLocks noGrp="1"/>
           </p:cNvSpPr>
           <p:nvPr>
-            <p:ph type="dt" sz="half" idx="10"/>
+            <p:ph type="dt" sz="half"/>
           </p:nvPr>
         </p:nvSpPr>
         <p:spPr/>
@@ -5485,11 +5801,11 @@
           <a:bodyPr/>
           <a:lstStyle/>
           <a:p>
-            <a:fld id="{93E65311-B9FC-4DB5-9359-925C22807714}" type="datetimeFigureOut">
-              <a:rPr lang="en-GB" smtClean="0"/>
-              <a:t>04/05/2018</a:t>
+            <a:fld id="{6AC9627B-8538-45D0-AFF7-42E30E60A378}" type="datetimeFigureOut">
+              <a:rPr lang="en-US" smtClean="0"/>
+              <a:t>11/7/2009</a:t>
             </a:fld>
-            <a:endParaRPr lang="en-GB"/>
+            <a:endParaRPr lang="en-US"/>
           </a:p>
         </p:txBody>
       </p:sp>
@@ -5500,7 +5816,7 @@
             <a:spLocks noGrp="1"/>
           </p:cNvSpPr>
           <p:nvPr>
-            <p:ph type="ftr" sz="quarter" idx="11"/>
+            <p:ph type="ftr" sz="quarter" idx="1"/>
           </p:nvPr>
         </p:nvSpPr>
         <p:spPr/>
@@ -5508,7 +5824,7 @@
           <a:bodyPr/>
           <a:lstStyle/>
           <a:p>
-            <a:endParaRPr lang="en-GB"/>
+            <a:endParaRPr lang="en-US"/>
           </a:p>
         </p:txBody>
       </p:sp>
@@ -5519,7 +5835,7 @@
             <a:spLocks noGrp="1"/>
           </p:cNvSpPr>
           <p:nvPr>
-            <p:ph type="sldNum" sz="quarter" idx="12"/>
+            <p:ph type="sldNum" sz="quarter" idx="2"/>
           </p:nvPr>
         </p:nvSpPr>
         <p:spPr/>
@@ -5527,20 +5843,15 @@
           <a:bodyPr/>
           <a:lstStyle/>
           <a:p>
-            <a:fld id="{1B9711E9-D4E5-4710-8438-BA061E3B3551}" type="slidenum">
-              <a:rPr lang="en-GB" smtClean="0"/>
+            <a:fld id="{93AE1883-0942-4AA3-9DB2-9C7C3A0314B1}" type="slidenum">
+              <a:rPr lang="en-US" smtClean="0"/>
               <a:t>‹#›</a:t>
             </a:fld>
-            <a:endParaRPr lang="en-GB"/>
+            <a:endParaRPr lang="en-US"/>
           </a:p>
         </p:txBody>
       </p:sp>
     </p:spTree>
-    <p:extLst>
-      <p:ext uri="{BB962C8B-B14F-4D97-AF65-F5344CB8AC3E}">
-        <p14:creationId xmlns:p14="http://schemas.microsoft.com/office/powerpoint/2010/main" val="1550990978"/>
-      </p:ext>
-    </p:extLst>
   </p:cSld>
   <p:clrMapOvr>
     <a:masterClrMapping/>
@@ -5575,17 +5886,12 @@
             <p:ph type="title"/>
           </p:nvPr>
         </p:nvSpPr>
-        <p:spPr>
-          <a:xfrm>
-            <a:off x="839788" y="457200"/>
-            <a:ext cx="3932237" cy="1600200"/>
-          </a:xfrm>
-        </p:spPr>
+        <p:spPr/>
         <p:txBody>
           <a:bodyPr anchor="b"/>
           <a:lstStyle>
-            <a:lvl1pPr>
-              <a:defRPr sz="3200"/>
+            <a:lvl1pPr algn="l">
+              <a:defRPr sz="2000" b="1"/>
             </a:lvl1pPr>
           </a:lstStyle>
           <a:p>
@@ -5593,7 +5899,7 @@
               <a:rPr lang="en-US" smtClean="0"/>
               <a:t>Click to edit Master title style</a:t>
             </a:r>
-            <a:endParaRPr lang="en-GB"/>
+            <a:endParaRPr lang="en-US"/>
           </a:p>
         </p:txBody>
       </p:sp>
@@ -5607,12 +5913,7 @@
             <p:ph idx="1"/>
           </p:nvPr>
         </p:nvSpPr>
-        <p:spPr>
-          <a:xfrm>
-            <a:off x="5183188" y="987425"/>
-            <a:ext cx="6172200" cy="4873625"/>
-          </a:xfrm>
-        </p:spPr>
+        <p:spPr/>
         <p:txBody>
           <a:bodyPr/>
           <a:lstStyle>
@@ -5645,10 +5946,9 @@
             </a:lvl9pPr>
           </a:lstStyle>
           <a:p>
-            <a:pPr lvl="0"/>
             <a:r>
               <a:rPr lang="en-US" smtClean="0"/>
-              <a:t>Edit Master text styles</a:t>
+              <a:t>Click to edit Master text styles</a:t>
             </a:r>
           </a:p>
           <a:p>
@@ -5678,7 +5978,7 @@
               <a:rPr lang="en-US" smtClean="0"/>
               <a:t>Fifth level</a:t>
             </a:r>
-            <a:endParaRPr lang="en-GB"/>
+            <a:endParaRPr lang="en-US"/>
           </a:p>
         </p:txBody>
       </p:sp>
@@ -5692,57 +5992,51 @@
             <p:ph type="body" sz="half" idx="2"/>
           </p:nvPr>
         </p:nvSpPr>
-        <p:spPr>
-          <a:xfrm>
-            <a:off x="839788" y="2057400"/>
-            <a:ext cx="3932237" cy="3811588"/>
-          </a:xfrm>
-        </p:spPr>
+        <p:spPr/>
         <p:txBody>
           <a:bodyPr/>
           <a:lstStyle>
             <a:lvl1pPr marL="0" indent="0">
               <a:buNone/>
-              <a:defRPr sz="1600"/>
+              <a:defRPr sz="1400"/>
             </a:lvl1pPr>
             <a:lvl2pPr marL="457200" indent="0">
               <a:buNone/>
-              <a:defRPr sz="1400"/>
+              <a:defRPr sz="1200"/>
             </a:lvl2pPr>
             <a:lvl3pPr marL="914400" indent="0">
               <a:buNone/>
-              <a:defRPr sz="1200"/>
+              <a:defRPr sz="1000"/>
             </a:lvl3pPr>
             <a:lvl4pPr marL="1371600" indent="0">
               <a:buNone/>
-              <a:defRPr sz="1000"/>
+              <a:defRPr sz="900"/>
             </a:lvl4pPr>
             <a:lvl5pPr marL="1828800" indent="0">
               <a:buNone/>
-              <a:defRPr sz="1000"/>
+              <a:defRPr sz="900"/>
             </a:lvl5pPr>
             <a:lvl6pPr marL="2286000" indent="0">
               <a:buNone/>
-              <a:defRPr sz="1000"/>
+              <a:defRPr sz="900"/>
             </a:lvl6pPr>
             <a:lvl7pPr marL="2743200" indent="0">
               <a:buNone/>
-              <a:defRPr sz="1000"/>
+              <a:defRPr sz="900"/>
             </a:lvl7pPr>
             <a:lvl8pPr marL="3200400" indent="0">
               <a:buNone/>
-              <a:defRPr sz="1000"/>
+              <a:defRPr sz="900"/>
             </a:lvl8pPr>
             <a:lvl9pPr marL="3657600" indent="0">
               <a:buNone/>
-              <a:defRPr sz="1000"/>
+              <a:defRPr sz="900"/>
             </a:lvl9pPr>
           </a:lstStyle>
           <a:p>
-            <a:pPr lvl="0"/>
             <a:r>
               <a:rPr lang="en-US" smtClean="0"/>
-              <a:t>Edit Master text styles</a:t>
+              <a:t>Click to edit Master text styles</a:t>
             </a:r>
           </a:p>
         </p:txBody>
@@ -5754,7 +6048,7 @@
             <a:spLocks noGrp="1"/>
           </p:cNvSpPr>
           <p:nvPr>
-            <p:ph type="dt" sz="half" idx="10"/>
+            <p:ph type="dt" sz="half" idx="3"/>
           </p:nvPr>
         </p:nvSpPr>
         <p:spPr/>
@@ -5762,11 +6056,11 @@
           <a:bodyPr/>
           <a:lstStyle/>
           <a:p>
-            <a:fld id="{93E65311-B9FC-4DB5-9359-925C22807714}" type="datetimeFigureOut">
-              <a:rPr lang="en-GB" smtClean="0"/>
-              <a:t>04/05/2018</a:t>
+            <a:fld id="{09B961F5-A922-4CA5-911B-505A6C68B6A6}" type="datetimeFigureOut">
+              <a:rPr lang="en-US" smtClean="0"/>
+              <a:t>11/7/2009</a:t>
             </a:fld>
-            <a:endParaRPr lang="en-GB"/>
+            <a:endParaRPr lang="en-US"/>
           </a:p>
         </p:txBody>
       </p:sp>
@@ -5777,7 +6071,7 @@
             <a:spLocks noGrp="1"/>
           </p:cNvSpPr>
           <p:nvPr>
-            <p:ph type="ftr" sz="quarter" idx="11"/>
+            <p:ph type="ftr" sz="quarter" idx="4"/>
           </p:nvPr>
         </p:nvSpPr>
         <p:spPr/>
@@ -5785,7 +6079,7 @@
           <a:bodyPr/>
           <a:lstStyle/>
           <a:p>
-            <a:endParaRPr lang="en-GB"/>
+            <a:endParaRPr lang="en-US"/>
           </a:p>
         </p:txBody>
       </p:sp>
@@ -5796,7 +6090,7 @@
             <a:spLocks noGrp="1"/>
           </p:cNvSpPr>
           <p:nvPr>
-            <p:ph type="sldNum" sz="quarter" idx="12"/>
+            <p:ph type="sldNum" sz="quarter" idx="5"/>
           </p:nvPr>
         </p:nvSpPr>
         <p:spPr/>
@@ -5804,20 +6098,15 @@
           <a:bodyPr/>
           <a:lstStyle/>
           <a:p>
-            <a:fld id="{1B9711E9-D4E5-4710-8438-BA061E3B3551}" type="slidenum">
-              <a:rPr lang="en-GB" smtClean="0"/>
+            <a:fld id="{93AE1883-0942-4AA3-9DB2-9C7C3A0314B1}" type="slidenum">
+              <a:rPr lang="en-US" smtClean="0"/>
               <a:t>‹#›</a:t>
             </a:fld>
-            <a:endParaRPr lang="en-GB"/>
+            <a:endParaRPr lang="en-US"/>
           </a:p>
         </p:txBody>
       </p:sp>
     </p:spTree>
-    <p:extLst>
-      <p:ext uri="{BB962C8B-B14F-4D97-AF65-F5344CB8AC3E}">
-        <p14:creationId xmlns:p14="http://schemas.microsoft.com/office/powerpoint/2010/main" val="1911784181"/>
-      </p:ext>
-    </p:extLst>
   </p:cSld>
   <p:clrMapOvr>
     <a:masterClrMapping/>
@@ -5852,17 +6141,12 @@
             <p:ph type="title"/>
           </p:nvPr>
         </p:nvSpPr>
-        <p:spPr>
-          <a:xfrm>
-            <a:off x="839788" y="457200"/>
-            <a:ext cx="3932237" cy="1600200"/>
-          </a:xfrm>
-        </p:spPr>
+        <p:spPr/>
         <p:txBody>
           <a:bodyPr anchor="b"/>
           <a:lstStyle>
-            <a:lvl1pPr>
-              <a:defRPr sz="3200"/>
+            <a:lvl1pPr algn="l">
+              <a:defRPr sz="2000" b="1"/>
             </a:lvl1pPr>
           </a:lstStyle>
           <a:p>
@@ -5870,7 +6154,7 @@
               <a:rPr lang="en-US" smtClean="0"/>
               <a:t>Click to edit Master title style</a:t>
             </a:r>
-            <a:endParaRPr lang="en-GB"/>
+            <a:endParaRPr lang="en-US"/>
           </a:p>
         </p:txBody>
       </p:sp>
@@ -5884,12 +6168,7 @@
             <p:ph type="pic" idx="1"/>
           </p:nvPr>
         </p:nvSpPr>
-        <p:spPr>
-          <a:xfrm>
-            <a:off x="5183188" y="987425"/>
-            <a:ext cx="6172200" cy="4873625"/>
-          </a:xfrm>
-        </p:spPr>
+        <p:spPr/>
         <p:txBody>
           <a:bodyPr/>
           <a:lstStyle>
@@ -5931,7 +6210,7 @@
             </a:lvl9pPr>
           </a:lstStyle>
           <a:p>
-            <a:endParaRPr lang="en-GB"/>
+            <a:endParaRPr lang="en-US"/>
           </a:p>
         </p:txBody>
       </p:sp>
@@ -5945,57 +6224,51 @@
             <p:ph type="body" sz="half" idx="2"/>
           </p:nvPr>
         </p:nvSpPr>
-        <p:spPr>
-          <a:xfrm>
-            <a:off x="839788" y="2057400"/>
-            <a:ext cx="3932237" cy="3811588"/>
-          </a:xfrm>
-        </p:spPr>
+        <p:spPr/>
         <p:txBody>
           <a:bodyPr/>
           <a:lstStyle>
             <a:lvl1pPr marL="0" indent="0">
               <a:buNone/>
-              <a:defRPr sz="1600"/>
+              <a:defRPr sz="1400"/>
             </a:lvl1pPr>
             <a:lvl2pPr marL="457200" indent="0">
               <a:buNone/>
-              <a:defRPr sz="1400"/>
+              <a:defRPr sz="1200"/>
             </a:lvl2pPr>
             <a:lvl3pPr marL="914400" indent="0">
               <a:buNone/>
-              <a:defRPr sz="1200"/>
+              <a:defRPr sz="1000"/>
             </a:lvl3pPr>
             <a:lvl4pPr marL="1371600" indent="0">
               <a:buNone/>
-              <a:defRPr sz="1000"/>
+              <a:defRPr sz="900"/>
             </a:lvl4pPr>
             <a:lvl5pPr marL="1828800" indent="0">
               <a:buNone/>
-              <a:defRPr sz="1000"/>
+              <a:defRPr sz="900"/>
             </a:lvl5pPr>
             <a:lvl6pPr marL="2286000" indent="0">
               <a:buNone/>
-              <a:defRPr sz="1000"/>
+              <a:defRPr sz="900"/>
             </a:lvl6pPr>
             <a:lvl7pPr marL="2743200" indent="0">
               <a:buNone/>
-              <a:defRPr sz="1000"/>
+              <a:defRPr sz="900"/>
             </a:lvl7pPr>
             <a:lvl8pPr marL="3200400" indent="0">
               <a:buNone/>
-              <a:defRPr sz="1000"/>
+              <a:defRPr sz="900"/>
             </a:lvl8pPr>
             <a:lvl9pPr marL="3657600" indent="0">
               <a:buNone/>
-              <a:defRPr sz="1000"/>
+              <a:defRPr sz="900"/>
             </a:lvl9pPr>
           </a:lstStyle>
           <a:p>
-            <a:pPr lvl="0"/>
             <a:r>
               <a:rPr lang="en-US" smtClean="0"/>
-              <a:t>Edit Master text styles</a:t>
+              <a:t>Click to edit Master text styles</a:t>
             </a:r>
           </a:p>
         </p:txBody>
@@ -6007,7 +6280,7 @@
             <a:spLocks noGrp="1"/>
           </p:cNvSpPr>
           <p:nvPr>
-            <p:ph type="dt" sz="half" idx="10"/>
+            <p:ph type="dt" sz="half" idx="3"/>
           </p:nvPr>
         </p:nvSpPr>
         <p:spPr/>
@@ -6015,11 +6288,11 @@
           <a:bodyPr/>
           <a:lstStyle/>
           <a:p>
-            <a:fld id="{93E65311-B9FC-4DB5-9359-925C22807714}" type="datetimeFigureOut">
-              <a:rPr lang="en-GB" smtClean="0"/>
-              <a:t>04/05/2018</a:t>
+            <a:fld id="{B1065B16-CD03-4E87-A051-237B4F21015C}" type="datetimeFigureOut">
+              <a:rPr lang="en-US" smtClean="0"/>
+              <a:t>11/7/2009</a:t>
             </a:fld>
-            <a:endParaRPr lang="en-GB"/>
+            <a:endParaRPr lang="en-US"/>
           </a:p>
         </p:txBody>
       </p:sp>
@@ -6030,7 +6303,7 @@
             <a:spLocks noGrp="1"/>
           </p:cNvSpPr>
           <p:nvPr>
-            <p:ph type="ftr" sz="quarter" idx="11"/>
+            <p:ph type="ftr" sz="quarter" idx="4"/>
           </p:nvPr>
         </p:nvSpPr>
         <p:spPr/>
@@ -6038,7 +6311,7 @@
           <a:bodyPr/>
           <a:lstStyle/>
           <a:p>
-            <a:endParaRPr lang="en-GB"/>
+            <a:endParaRPr lang="en-US"/>
           </a:p>
         </p:txBody>
       </p:sp>
@@ -6049,7 +6322,7 @@
             <a:spLocks noGrp="1"/>
           </p:cNvSpPr>
           <p:nvPr>
-            <p:ph type="sldNum" sz="quarter" idx="12"/>
+            <p:ph type="sldNum" sz="quarter" idx="5"/>
           </p:nvPr>
         </p:nvSpPr>
         <p:spPr/>
@@ -6057,20 +6330,15 @@
           <a:bodyPr/>
           <a:lstStyle/>
           <a:p>
-            <a:fld id="{1B9711E9-D4E5-4710-8438-BA061E3B3551}" type="slidenum">
-              <a:rPr lang="en-GB" smtClean="0"/>
+            <a:fld id="{93AE1883-0942-4AA3-9DB2-9C7C3A0314B1}" type="slidenum">
+              <a:rPr lang="en-US" smtClean="0"/>
               <a:t>‹#›</a:t>
             </a:fld>
-            <a:endParaRPr lang="en-GB"/>
+            <a:endParaRPr lang="en-US"/>
           </a:p>
         </p:txBody>
       </p:sp>
     </p:spTree>
-    <p:extLst>
-      <p:ext uri="{BB962C8B-B14F-4D97-AF65-F5344CB8AC3E}">
-        <p14:creationId xmlns:p14="http://schemas.microsoft.com/office/powerpoint/2010/main" val="2174982004"/>
-      </p:ext>
-    </p:extLst>
   </p:cSld>
   <p:clrMapOvr>
     <a:masterClrMapping/>
@@ -6112,8 +6380,8 @@
         </p:nvSpPr>
         <p:spPr>
           <a:xfrm>
-            <a:off x="838200" y="365125"/>
-            <a:ext cx="10515600" cy="1325563"/>
+            <a:off x="457200" y="274638"/>
+            <a:ext cx="8229600" cy="1143000"/>
           </a:xfrm>
           <a:prstGeom prst="rect">
             <a:avLst/>
@@ -6129,7 +6397,7 @@
               <a:rPr lang="en-US" smtClean="0"/>
               <a:t>Click to edit Master title style</a:t>
             </a:r>
-            <a:endParaRPr lang="en-GB"/>
+            <a:endParaRPr lang="en-US"/>
           </a:p>
         </p:txBody>
       </p:sp>
@@ -6145,8 +6413,8 @@
         </p:nvSpPr>
         <p:spPr>
           <a:xfrm>
-            <a:off x="838200" y="1825625"/>
-            <a:ext cx="10515600" cy="4351338"/>
+            <a:off x="457200" y="1600200"/>
+            <a:ext cx="8229600" cy="4525963"/>
           </a:xfrm>
           <a:prstGeom prst="rect">
             <a:avLst/>
@@ -6158,10 +6426,9 @@
           </a:bodyPr>
           <a:lstStyle/>
           <a:p>
-            <a:pPr lvl="0"/>
             <a:r>
               <a:rPr lang="en-US" smtClean="0"/>
-              <a:t>Edit Master text styles</a:t>
+              <a:t>Click to edit Master text styles</a:t>
             </a:r>
           </a:p>
           <a:p>
@@ -6191,7 +6458,7 @@
               <a:rPr lang="en-US" smtClean="0"/>
               <a:t>Fifth level</a:t>
             </a:r>
-            <a:endParaRPr lang="en-GB"/>
+            <a:endParaRPr lang="en-US"/>
           </a:p>
         </p:txBody>
       </p:sp>
@@ -6207,8 +6474,8 @@
         </p:nvSpPr>
         <p:spPr>
           <a:xfrm>
-            <a:off x="838200" y="6356350"/>
-            <a:ext cx="2743200" cy="365125"/>
+            <a:off x="457200" y="6356350"/>
+            <a:ext cx="2133600" cy="365125"/>
           </a:xfrm>
           <a:prstGeom prst="rect">
             <a:avLst/>
@@ -6228,11 +6495,11 @@
             </a:lvl1pPr>
           </a:lstStyle>
           <a:p>
-            <a:fld id="{93E65311-B9FC-4DB5-9359-925C22807714}" type="datetimeFigureOut">
-              <a:rPr lang="en-GB" smtClean="0"/>
-              <a:t>04/05/2018</a:t>
+            <a:fld id="{E8FD0B7A-F5DD-4F40-B4CB-3B2C354B893A}" type="datetimeFigureOut">
+              <a:rPr lang="en-US" smtClean="0"/>
+              <a:t>11/7/2009</a:t>
             </a:fld>
-            <a:endParaRPr lang="en-GB"/>
+            <a:endParaRPr lang="en-US"/>
           </a:p>
         </p:txBody>
       </p:sp>
@@ -6248,8 +6515,8 @@
         </p:nvSpPr>
         <p:spPr>
           <a:xfrm>
-            <a:off x="4038600" y="6356350"/>
-            <a:ext cx="4114800" cy="365125"/>
+            <a:off x="3124200" y="6356350"/>
+            <a:ext cx="2895600" cy="365125"/>
           </a:xfrm>
           <a:prstGeom prst="rect">
             <a:avLst/>
@@ -6269,7 +6536,7 @@
             </a:lvl1pPr>
           </a:lstStyle>
           <a:p>
-            <a:endParaRPr lang="en-GB"/>
+            <a:endParaRPr lang="en-US"/>
           </a:p>
         </p:txBody>
       </p:sp>
@@ -6285,8 +6552,8 @@
         </p:nvSpPr>
         <p:spPr>
           <a:xfrm>
-            <a:off x="8610600" y="6356350"/>
-            <a:ext cx="2743200" cy="365125"/>
+            <a:off x="6553200" y="6356350"/>
+            <a:ext cx="2133600" cy="365125"/>
           </a:xfrm>
           <a:prstGeom prst="rect">
             <a:avLst/>
@@ -6306,20 +6573,15 @@
             </a:lvl1pPr>
           </a:lstStyle>
           <a:p>
-            <a:fld id="{1B9711E9-D4E5-4710-8438-BA061E3B3551}" type="slidenum">
-              <a:rPr lang="en-GB" smtClean="0"/>
+            <a:fld id="{93AE1883-0942-4AA3-9DB2-9C7C3A0314B1}" type="slidenum">
+              <a:rPr lang="en-US" smtClean="0"/>
               <a:t>‹#›</a:t>
             </a:fld>
-            <a:endParaRPr lang="en-GB"/>
+            <a:endParaRPr lang="en-US"/>
           </a:p>
         </p:txBody>
       </p:sp>
     </p:spTree>
-    <p:extLst>
-      <p:ext uri="{BB962C8B-B14F-4D97-AF65-F5344CB8AC3E}">
-        <p14:creationId xmlns:p14="http://schemas.microsoft.com/office/powerpoint/2010/main" val="3602968343"/>
-      </p:ext>
-    </p:extLst>
   </p:cSld>
   <p:clrMap bg1="lt1" tx1="dk1" bg2="lt2" tx2="dk2" accent1="accent1" accent2="accent2" accent3="accent3" accent4="accent4" accent5="accent5" accent6="accent6" hlink="hlink" folHlink="folHlink"/>
   <p:sldLayoutIdLst>
@@ -6339,10 +6601,7 @@
   <p:timing/>
   <p:txStyles>
     <p:titleStyle>
-      <a:lvl1pPr algn="l" defTabSz="914400" rtl="0" eaLnBrk="1" latinLnBrk="0" hangingPunct="1">
-        <a:lnSpc>
-          <a:spcPct val="90000"/>
-        </a:lnSpc>
+      <a:lvl1pPr algn="ctr" defTabSz="914400" rtl="0" eaLnBrk="1" latinLnBrk="0" hangingPunct="1">
         <a:spcBef>
           <a:spcPct val="0"/>
         </a:spcBef>
@@ -6358,15 +6617,27 @@
       </a:lvl1pPr>
     </p:titleStyle>
     <p:bodyStyle>
-      <a:lvl1pPr marL="228600" indent="-228600" algn="l" defTabSz="914400" rtl="0" eaLnBrk="1" latinLnBrk="0" hangingPunct="1">
-        <a:lnSpc>
-          <a:spcPct val="90000"/>
-        </a:lnSpc>
+      <a:lvl1pPr marL="342900" indent="-342900" algn="l" defTabSz="914400" rtl="0" eaLnBrk="1" latinLnBrk="0" hangingPunct="1">
         <a:spcBef>
-          <a:spcPts val="1000"/>
+          <a:spcPct val="20000"/>
         </a:spcBef>
         <a:buFont typeface="Arial" pitchFamily="34" charset="0"/>
         <a:buChar char="•"/>
+        <a:defRPr sz="3200" kern="1200">
+          <a:solidFill>
+            <a:schemeClr val="tx1"/>
+          </a:solidFill>
+          <a:latin typeface="+mn-lt"/>
+          <a:ea typeface="+mn-ea"/>
+          <a:cs typeface="+mn-cs"/>
+        </a:defRPr>
+      </a:lvl1pPr>
+      <a:lvl2pPr marL="742950" indent="-285750" algn="l" defTabSz="914400" rtl="0" eaLnBrk="1" latinLnBrk="0" hangingPunct="1">
+        <a:spcBef>
+          <a:spcPct val="20000"/>
+        </a:spcBef>
+        <a:buFont typeface="Arial" pitchFamily="34" charset="0"/>
+        <a:buChar char="–"/>
         <a:defRPr sz="2800" kern="1200">
           <a:solidFill>
             <a:schemeClr val="tx1"/>
@@ -6375,13 +6646,10 @@
           <a:ea typeface="+mn-ea"/>
           <a:cs typeface="+mn-cs"/>
         </a:defRPr>
-      </a:lvl1pPr>
-      <a:lvl2pPr marL="685800" indent="-228600" algn="l" defTabSz="914400" rtl="0" eaLnBrk="1" latinLnBrk="0" hangingPunct="1">
-        <a:lnSpc>
-          <a:spcPct val="90000"/>
-        </a:lnSpc>
+      </a:lvl2pPr>
+      <a:lvl3pPr marL="1143000" indent="-228600" algn="l" defTabSz="914400" rtl="0" eaLnBrk="1" latinLnBrk="0" hangingPunct="1">
         <a:spcBef>
-          <a:spcPts val="500"/>
+          <a:spcPct val="20000"/>
         </a:spcBef>
         <a:buFont typeface="Arial" pitchFamily="34" charset="0"/>
         <a:buChar char="•"/>
@@ -6393,13 +6661,40 @@
           <a:ea typeface="+mn-ea"/>
           <a:cs typeface="+mn-cs"/>
         </a:defRPr>
-      </a:lvl2pPr>
-      <a:lvl3pPr marL="1143000" indent="-228600" algn="l" defTabSz="914400" rtl="0" eaLnBrk="1" latinLnBrk="0" hangingPunct="1">
-        <a:lnSpc>
-          <a:spcPct val="90000"/>
-        </a:lnSpc>
+      </a:lvl3pPr>
+      <a:lvl4pPr marL="1600200" indent="-228600" algn="l" defTabSz="914400" rtl="0" eaLnBrk="1" latinLnBrk="0" hangingPunct="1">
         <a:spcBef>
-          <a:spcPts val="500"/>
+          <a:spcPct val="20000"/>
+        </a:spcBef>
+        <a:buFont typeface="Arial" pitchFamily="34" charset="0"/>
+        <a:buChar char="–"/>
+        <a:defRPr sz="2000" kern="1200">
+          <a:solidFill>
+            <a:schemeClr val="tx1"/>
+          </a:solidFill>
+          <a:latin typeface="+mn-lt"/>
+          <a:ea typeface="+mn-ea"/>
+          <a:cs typeface="+mn-cs"/>
+        </a:defRPr>
+      </a:lvl4pPr>
+      <a:lvl5pPr marL="2057400" indent="-228600" algn="l" defTabSz="914400" rtl="0" eaLnBrk="1" latinLnBrk="0" hangingPunct="1">
+        <a:spcBef>
+          <a:spcPct val="20000"/>
+        </a:spcBef>
+        <a:buFont typeface="Arial" pitchFamily="34" charset="0"/>
+        <a:buChar char="»"/>
+        <a:defRPr sz="2000" kern="1200">
+          <a:solidFill>
+            <a:schemeClr val="tx1"/>
+          </a:solidFill>
+          <a:latin typeface="+mn-lt"/>
+          <a:ea typeface="+mn-ea"/>
+          <a:cs typeface="+mn-cs"/>
+        </a:defRPr>
+      </a:lvl5pPr>
+      <a:lvl6pPr marL="2514600" indent="-228600" algn="l" defTabSz="914400" rtl="0" eaLnBrk="1" latinLnBrk="0" hangingPunct="1">
+        <a:spcBef>
+          <a:spcPct val="20000"/>
         </a:spcBef>
         <a:buFont typeface="Arial" pitchFamily="34" charset="0"/>
         <a:buChar char="•"/>
@@ -6411,71 +6706,14 @@
           <a:ea typeface="+mn-ea"/>
           <a:cs typeface="+mn-cs"/>
         </a:defRPr>
-      </a:lvl3pPr>
-      <a:lvl4pPr marL="1600200" indent="-228600" algn="l" defTabSz="914400" rtl="0" eaLnBrk="1" latinLnBrk="0" hangingPunct="1">
-        <a:lnSpc>
-          <a:spcPct val="90000"/>
-        </a:lnSpc>
+      </a:lvl6pPr>
+      <a:lvl7pPr marL="2971800" indent="-228600" algn="l" defTabSz="914400" rtl="0" eaLnBrk="1" latinLnBrk="0" hangingPunct="1">
         <a:spcBef>
-          <a:spcPts val="500"/>
+          <a:spcPct val="20000"/>
         </a:spcBef>
         <a:buFont typeface="Arial" pitchFamily="34" charset="0"/>
         <a:buChar char="•"/>
-        <a:defRPr sz="1800" kern="1200">
-          <a:solidFill>
-            <a:schemeClr val="tx1"/>
-          </a:solidFill>
-          <a:latin typeface="+mn-lt"/>
-          <a:ea typeface="+mn-ea"/>
-          <a:cs typeface="+mn-cs"/>
-        </a:defRPr>
-      </a:lvl4pPr>
-      <a:lvl5pPr marL="2057400" indent="-228600" algn="l" defTabSz="914400" rtl="0" eaLnBrk="1" latinLnBrk="0" hangingPunct="1">
-        <a:lnSpc>
-          <a:spcPct val="90000"/>
-        </a:lnSpc>
-        <a:spcBef>
-          <a:spcPts val="500"/>
-        </a:spcBef>
-        <a:buFont typeface="Arial" pitchFamily="34" charset="0"/>
-        <a:buChar char="•"/>
-        <a:defRPr sz="1800" kern="1200">
-          <a:solidFill>
-            <a:schemeClr val="tx1"/>
-          </a:solidFill>
-          <a:latin typeface="+mn-lt"/>
-          <a:ea typeface="+mn-ea"/>
-          <a:cs typeface="+mn-cs"/>
-        </a:defRPr>
-      </a:lvl5pPr>
-      <a:lvl6pPr marL="2514600" indent="-228600" algn="l" defTabSz="914400" rtl="0" eaLnBrk="1" latinLnBrk="0" hangingPunct="1">
-        <a:lnSpc>
-          <a:spcPct val="90000"/>
-        </a:lnSpc>
-        <a:spcBef>
-          <a:spcPts val="500"/>
-        </a:spcBef>
-        <a:buFont typeface="Arial" pitchFamily="34" charset="0"/>
-        <a:buChar char="•"/>
-        <a:defRPr sz="1800" kern="1200">
-          <a:solidFill>
-            <a:schemeClr val="tx1"/>
-          </a:solidFill>
-          <a:latin typeface="+mn-lt"/>
-          <a:ea typeface="+mn-ea"/>
-          <a:cs typeface="+mn-cs"/>
-        </a:defRPr>
-      </a:lvl6pPr>
-      <a:lvl7pPr marL="2971800" indent="-228600" algn="l" defTabSz="914400" rtl="0" eaLnBrk="1" latinLnBrk="0" hangingPunct="1">
-        <a:lnSpc>
-          <a:spcPct val="90000"/>
-        </a:lnSpc>
-        <a:spcBef>
-          <a:spcPts val="500"/>
-        </a:spcBef>
-        <a:buFont typeface="Arial" pitchFamily="34" charset="0"/>
-        <a:buChar char="•"/>
-        <a:defRPr sz="1800" kern="1200">
+        <a:defRPr sz="2000" kern="1200">
           <a:solidFill>
             <a:schemeClr val="tx1"/>
           </a:solidFill>
@@ -6485,15 +6723,12 @@
         </a:defRPr>
       </a:lvl7pPr>
       <a:lvl8pPr marL="3429000" indent="-228600" algn="l" defTabSz="914400" rtl="0" eaLnBrk="1" latinLnBrk="0" hangingPunct="1">
-        <a:lnSpc>
-          <a:spcPct val="90000"/>
-        </a:lnSpc>
         <a:spcBef>
-          <a:spcPts val="500"/>
+          <a:spcPct val="20000"/>
         </a:spcBef>
         <a:buFont typeface="Arial" pitchFamily="34" charset="0"/>
         <a:buChar char="•"/>
-        <a:defRPr sz="1800" kern="1200">
+        <a:defRPr sz="2000" kern="1200">
           <a:solidFill>
             <a:schemeClr val="tx1"/>
           </a:solidFill>
@@ -6503,15 +6738,12 @@
         </a:defRPr>
       </a:lvl8pPr>
       <a:lvl9pPr marL="3886200" indent="-228600" algn="l" defTabSz="914400" rtl="0" eaLnBrk="1" latinLnBrk="0" hangingPunct="1">
-        <a:lnSpc>
-          <a:spcPct val="90000"/>
-        </a:lnSpc>
         <a:spcBef>
-          <a:spcPts val="500"/>
+          <a:spcPct val="20000"/>
         </a:spcBef>
         <a:buFont typeface="Arial" pitchFamily="34" charset="0"/>
         <a:buChar char="•"/>
-        <a:defRPr sz="1800" kern="1200">
+        <a:defRPr sz="2000" kern="1200">
           <a:solidFill>
             <a:schemeClr val="tx1"/>
           </a:solidFill>
@@ -6635,47 +6867,25 @@
           <a:ext cx="0" cy="0"/>
         </a:xfrm>
       </p:grpSpPr>
-      <p:sp>
-        <p:nvSpPr>
-          <p:cNvPr id="2" name="Title 1"/>
-          <p:cNvSpPr>
-            <a:spLocks noGrp="1"/>
-          </p:cNvSpPr>
-          <p:nvPr>
-            <p:ph type="title"/>
-          </p:nvPr>
-        </p:nvSpPr>
-        <p:spPr/>
-        <p:txBody>
-          <a:bodyPr/>
-          <a:lstStyle/>
-          <a:p>
-            <a:endParaRPr lang="en-GB"/>
-          </a:p>
-        </p:txBody>
-      </p:sp>
-      <p:sp>
-        <p:nvSpPr>
-          <p:cNvPr id="3" name="Content Placeholder 2"/>
-          <p:cNvSpPr>
-            <a:spLocks noGrp="1"/>
-          </p:cNvSpPr>
-          <p:nvPr>
-            <p:ph idx="1"/>
-          </p:nvPr>
-        </p:nvSpPr>
-        <p:spPr/>
-        <p:txBody>
-          <a:bodyPr/>
-          <a:lstStyle/>
-          <a:p>
-            <a:endParaRPr lang="en-GB"/>
-          </a:p>
-        </p:txBody>
-      </p:sp>
       <p:graphicFrame>
         <p:nvGraphicFramePr>
-          <p:cNvPr id="4" name="New Diagram"/>
+          <p:cNvPr id="2" name="ChartObject"/>
+          <p:cNvGraphicFramePr/>
+          <p:nvPr/>
+        </p:nvGraphicFramePr>
+        <p:xfrm>
+          <a:off x="635000" y="635000"/>
+          <a:ext cx="5715000" cy="3810000"/>
+        </p:xfrm>
+        <a:graphic>
+          <a:graphicData uri="http://schemas.openxmlformats.org/drawingml/2006/chart">
+            <c:chart xmlns:c="http://schemas.openxmlformats.org/drawingml/2006/chart" r:id="rId2"/>
+          </a:graphicData>
+        </a:graphic>
+      </p:graphicFrame>
+      <p:graphicFrame>
+        <p:nvGraphicFramePr>
+          <p:cNvPr id="3" name="New Diagram"/>
           <p:cNvGraphicFramePr/>
           <p:nvPr/>
         </p:nvGraphicFramePr>
@@ -6685,87 +6895,11 @@
         </p:xfrm>
         <a:graphic>
           <a:graphicData uri="http://schemas.openxmlformats.org/drawingml/2006/diagram">
-            <dgm:relIds xmlns:dgm="http://schemas.openxmlformats.org/drawingml/2006/diagram" r:dm="rId2" r:lo="rId3" r:qs="rId4" r:cs="rId5"/>
+            <dgm:relIds xmlns:dgm="http://schemas.openxmlformats.org/drawingml/2006/diagram" r:dm="rId3" r:lo="rId4" r:qs="rId5" r:cs="rId6"/>
           </a:graphicData>
         </a:graphic>
       </p:graphicFrame>
-      <p:sp>
-        <p:nvSpPr>
-          <p:cNvPr id="5" name="TextBox"/>
-          <p:cNvSpPr txBox="1">
-            <a:spLocks noGrp="1" noSelect="1" noRot="1" noMove="1"/>
-          </p:cNvSpPr>
-          <p:nvPr/>
-        </p:nvSpPr>
-        <p:spPr>
-          <a:xfrm>
-            <a:off x="2890520" y="2644140"/>
-            <a:ext cx="6411372" cy="1569660"/>
-          </a:xfrm>
-          <a:prstGeom prst="rect">
-            <a:avLst/>
-          </a:prstGeom>
-          <a:noFill/>
-        </p:spPr>
-        <p:txBody>
-          <a:bodyPr wrap="none" rtlCol="0" anchor="ctr" anchorCtr="1">
-            <a:spAutoFit/>
-          </a:bodyPr>
-          <a:lstStyle>
-            <a:lvl1pPr algn="l">
-              <a:lnSpc>
-                <a:spcPct val="150000"/>
-              </a:lnSpc>
-              <a:spcBef>
-                <a:spcPct val="0"/>
-              </a:spcBef>
-              <a:spcAft>
-                <a:spcPct val="0"/>
-              </a:spcAft>
-              <a:defRPr lang="en-US" sz="3200" b="1" noProof="1" dirty="0">
-                <a:solidFill>
-                  <a:prstClr val="red">
-                    <a:lumOff val="30000"/>
-                    <a:alpha val="40000"/>
-                  </a:prstClr>
-                </a:solidFill>
-                <a:effectLst>
-                  <a:outerShdw blurRad="50800" dist="38100" algn="tr" rotWithShape="0">
-                    <a:prstClr val="black">
-                      <a:alpha val="80000"/>
-                    </a:prstClr>
-                  </a:outerShdw>
-                </a:effectLst>
-                <a:latin typeface="Calibri" pitchFamily="34" charset="0"/>
-              </a:defRPr>
-            </a:lvl1pPr>
-          </a:lstStyle>
-          <a:p>
-            <a:pPr algn="ctr"/>
-            <a:r>
-              <a:t>Evaluation only.</a:t>
-            </a:r>
-          </a:p>
-          <a:p>
-            <a:pPr algn="ctr"/>
-            <a:r>
-              <a:t>Created with Aspose.Slides for .NET 4.0 Client Profile 19.5.</a:t>
-            </a:r>
-          </a:p>
-          <a:p>
-            <a:pPr algn="ctr"/>
-            <a:r>
-              <a:t>Copyright 2004-2019Aspose Pty Ltd.</a:t>
-            </a:r>
-          </a:p>
-        </p:txBody>
-      </p:sp>
     </p:spTree>
-    <p:extLst>
-      <p:ext uri="{BB962C8B-B14F-4D97-AF65-F5344CB8AC3E}">
-        <p14:creationId xmlns:p14="http://schemas.microsoft.com/office/powerpoint/2010/main" val="2902878536"/>
-      </p:ext>
-    </p:extLst>
   </p:cSld>
   <p:clrMapOvr>
     <a:masterClrMapping/>
@@ -6779,9 +6913,9 @@
 <p:tagLst xmlns:p="http://schemas.openxmlformats.org/presentationml/2006/main">
   <p:tag name="AS_NET" val="4.0.30319.42000"/>
   <p:tag name="AS_OS" val="Microsoft Windows NT 6.2.9200.0"/>
-  <p:tag name="AS_RELEASE_DATE" val="2019.05.17"/>
+  <p:tag name="AS_RELEASE_DATE" val="2019.06.14"/>
   <p:tag name="AS_TITLE" val="Aspose.Slides for .NET 4.0 Client Profile"/>
-  <p:tag name="AS_VERSION" val="19.5"/>
+  <p:tag name="AS_VERSION" val="19.6"/>
 </p:tagLst>
 </file>
 
@@ -6796,44 +6930,44 @@
         <a:sysClr val="window" lastClr="FFFFFF"/>
       </a:lt1>
       <a:dk2>
-        <a:srgbClr val="44546A"/>
+        <a:srgbClr val="1F497D"/>
       </a:dk2>
       <a:lt2>
-        <a:srgbClr val="E7E6E6"/>
+        <a:srgbClr val="EEECE1"/>
       </a:lt2>
       <a:accent1>
-        <a:srgbClr val="5B9BD5"/>
+        <a:srgbClr val="4F81BD"/>
       </a:accent1>
       <a:accent2>
-        <a:srgbClr val="ED7D31"/>
+        <a:srgbClr val="C0504D"/>
       </a:accent2>
       <a:accent3>
-        <a:srgbClr val="A5A5A5"/>
+        <a:srgbClr val="9BBB59"/>
       </a:accent3>
       <a:accent4>
-        <a:srgbClr val="FFC000"/>
+        <a:srgbClr val="8064A2"/>
       </a:accent4>
       <a:accent5>
-        <a:srgbClr val="4472C4"/>
+        <a:srgbClr val="4BACC6"/>
       </a:accent5>
       <a:accent6>
-        <a:srgbClr val="70AD47"/>
+        <a:srgbClr val="F79646"/>
       </a:accent6>
       <a:hlink>
-        <a:srgbClr val="0563C1"/>
+        <a:srgbClr val="0000FF"/>
       </a:hlink>
       <a:folHlink>
-        <a:srgbClr val="954F72"/>
+        <a:srgbClr val="800080"/>
       </a:folHlink>
     </a:clrScheme>
     <a:fontScheme name="Office">
       <a:majorFont>
-        <a:latin typeface="Calibri Light" panose="020f0302020204030204"/>
-        <a:ea typeface="Arial"/>
-        <a:cs typeface="Arial"/>
-        <a:font script="Jpan" typeface="游ゴシック Light"/>
-        <a:font script="Hang" typeface="맑은 고딕"/>
-        <a:font script="Hans" typeface="等线 Light"/>
+        <a:latin typeface="Calibri"/>
+        <a:ea typeface="Arial" pitchFamily="34" charset="0"/>
+        <a:cs typeface="Arial" pitchFamily="34" charset="0"/>
+        <a:font script="Jpan" typeface="ＭＳ%20Ｐゴシック"/>
+        <a:font script="Hang" typeface="맑은%20고딕"/>
+        <a:font script="Hans" typeface="宋体"/>
         <a:font script="Hant" typeface="新細明體"/>
         <a:font script="Arab" typeface="Times New Roman"/>
         <a:font script="Hebr" typeface="Times New Roman"/>
@@ -6863,12 +6997,12 @@
         <a:font script="Geor" typeface="Sylfaen"/>
       </a:majorFont>
       <a:minorFont>
-        <a:latin typeface="Calibri" panose="020f0502020204030204"/>
-        <a:ea typeface="Arial"/>
-        <a:cs typeface="Arial"/>
-        <a:font script="Jpan" typeface="游ゴシック"/>
-        <a:font script="Hang" typeface="맑은 고딕"/>
-        <a:font script="Hans" typeface="等线"/>
+        <a:latin typeface="Calibri"/>
+        <a:ea typeface="Arial" pitchFamily="34" charset="0"/>
+        <a:cs typeface="Arial" pitchFamily="34" charset="0"/>
+        <a:font script="Jpan" typeface="ＭＳ%20Ｐゴシック"/>
+        <a:font script="Hang" typeface="맑은%20고딕"/>
+        <a:font script="Hans" typeface="宋体"/>
         <a:font script="Hant" typeface="新細明體"/>
         <a:font script="Arab" typeface="Arial"/>
         <a:font script="Hebr" typeface="Arial"/>
@@ -6907,140 +7041,163 @@
           <a:gsLst>
             <a:gs pos="0">
               <a:schemeClr val="phClr">
-                <a:lumMod val="110000"/>
-                <a:satMod val="105000"/>
-                <a:tint val="67000"/>
+                <a:tint val="50000"/>
+                <a:satMod val="300000"/>
               </a:schemeClr>
             </a:gs>
-            <a:gs pos="50000">
+            <a:gs pos="35000">
               <a:schemeClr val="phClr">
-                <a:lumMod val="105000"/>
-                <a:satMod val="103000"/>
-                <a:tint val="73000"/>
+                <a:tint val="37000"/>
+                <a:satMod val="300000"/>
               </a:schemeClr>
             </a:gs>
             <a:gs pos="100000">
               <a:schemeClr val="phClr">
-                <a:lumMod val="105000"/>
-                <a:satMod val="109000"/>
-                <a:tint val="81000"/>
+                <a:tint val="15000"/>
+                <a:satMod val="350000"/>
               </a:schemeClr>
             </a:gs>
           </a:gsLst>
-          <a:lin ang="5400000" scaled="0"/>
+          <a:lin ang="16200000" scaled="1"/>
         </a:gradFill>
         <a:gradFill rotWithShape="1">
           <a:gsLst>
             <a:gs pos="0">
               <a:schemeClr val="phClr">
-                <a:satMod val="103000"/>
-                <a:lumMod val="102000"/>
-                <a:tint val="94000"/>
+                <a:shade val="51000"/>
+                <a:satMod val="130000"/>
               </a:schemeClr>
             </a:gs>
-            <a:gs pos="50000">
+            <a:gs pos="80000">
               <a:schemeClr val="phClr">
-                <a:satMod val="110000"/>
-                <a:lumMod val="100000"/>
-                <a:shade val="100000"/>
+                <a:shade val="93000"/>
+                <a:satMod val="130000"/>
               </a:schemeClr>
             </a:gs>
             <a:gs pos="100000">
               <a:schemeClr val="phClr">
-                <a:lumMod val="99000"/>
-                <a:satMod val="120000"/>
-                <a:shade val="78000"/>
+                <a:shade val="94000"/>
+                <a:satMod val="135000"/>
               </a:schemeClr>
             </a:gs>
           </a:gsLst>
-          <a:lin ang="5400000" scaled="0"/>
+          <a:lin ang="16200000" scaled="0"/>
         </a:gradFill>
       </a:fillStyleLst>
       <a:lnStyleLst>
-        <a:ln w="6350" cap="flat" cmpd="sng" algn="ctr">
+        <a:ln w="9525" cap="flat" cmpd="sng" algn="ctr">
+          <a:solidFill>
+            <a:schemeClr val="phClr">
+              <a:shade val="95000"/>
+              <a:satMod val="105000"/>
+            </a:schemeClr>
+          </a:solidFill>
+          <a:prstDash val="solid"/>
+        </a:ln>
+        <a:ln w="25400" cap="flat" cmpd="sng" algn="ctr">
           <a:solidFill>
             <a:schemeClr val="phClr"/>
           </a:solidFill>
           <a:prstDash val="solid"/>
-          <a:miter lim="800000"/>
         </a:ln>
-        <a:ln w="12700" cap="flat" cmpd="sng" algn="ctr">
+        <a:ln w="38100" cap="flat" cmpd="sng" algn="ctr">
           <a:solidFill>
             <a:schemeClr val="phClr"/>
           </a:solidFill>
           <a:prstDash val="solid"/>
-          <a:miter lim="800000"/>
-        </a:ln>
-        <a:ln w="19050" cap="flat" cmpd="sng" algn="ctr">
-          <a:solidFill>
-            <a:schemeClr val="phClr"/>
-          </a:solidFill>
-          <a:prstDash val="solid"/>
-          <a:miter lim="800000"/>
         </a:ln>
       </a:lnStyleLst>
       <a:effectStyleLst>
         <a:effectStyle>
-          <a:effectLst/>
-        </a:effectStyle>
-        <a:effectStyle>
-          <a:effectLst/>
+          <a:effectLst>
+            <a:outerShdw blurRad="40000" dist="20000" dir="5400000" rotWithShape="0">
+              <a:srgbClr val="000000">
+                <a:alpha val="38000"/>
+              </a:srgbClr>
+            </a:outerShdw>
+          </a:effectLst>
         </a:effectStyle>
         <a:effectStyle>
           <a:effectLst>
-            <a:outerShdw blurRad="57150" dist="19050" dir="5400000" algn="ctr" rotWithShape="0">
+            <a:outerShdw blurRad="40000" dist="23000" dir="5400000" rotWithShape="0">
               <a:srgbClr val="000000">
-                <a:alpha val="63000"/>
+                <a:alpha val="35000"/>
               </a:srgbClr>
             </a:outerShdw>
           </a:effectLst>
+        </a:effectStyle>
+        <a:effectStyle>
+          <a:effectLst>
+            <a:outerShdw blurRad="40000" dist="23000" dir="5400000" rotWithShape="0">
+              <a:srgbClr val="000000">
+                <a:alpha val="35000"/>
+              </a:srgbClr>
+            </a:outerShdw>
+          </a:effectLst>
+          <a:scene3d>
+            <a:camera prst="orthographicFront">
+              <a:rot lat="0" lon="0" rev="0"/>
+            </a:camera>
+            <a:lightRig rig="threePt" dir="t">
+              <a:rot lat="0" lon="0" rev="1200000"/>
+            </a:lightRig>
+          </a:scene3d>
+          <a:sp3d>
+            <a:bevelT w="63500" h="25400"/>
+          </a:sp3d>
         </a:effectStyle>
       </a:effectStyleLst>
       <a:bgFillStyleLst>
         <a:solidFill>
           <a:schemeClr val="phClr"/>
         </a:solidFill>
-        <a:solidFill>
-          <a:schemeClr val="phClr">
-            <a:tint val="95000"/>
-            <a:satMod val="170000"/>
-          </a:schemeClr>
-        </a:solidFill>
         <a:gradFill rotWithShape="1">
           <a:gsLst>
             <a:gs pos="0">
               <a:schemeClr val="phClr">
-                <a:tint val="93000"/>
-                <a:satMod val="150000"/>
-                <a:shade val="98000"/>
-                <a:lumMod val="102000"/>
+                <a:tint val="40000"/>
+                <a:satMod val="350000"/>
               </a:schemeClr>
             </a:gs>
-            <a:gs pos="50000">
+            <a:gs pos="40000">
               <a:schemeClr val="phClr">
-                <a:tint val="98000"/>
-                <a:satMod val="130000"/>
-                <a:shade val="90000"/>
-                <a:lumMod val="103000"/>
+                <a:tint val="45000"/>
+                <a:shade val="99000"/>
+                <a:satMod val="350000"/>
               </a:schemeClr>
             </a:gs>
             <a:gs pos="100000">
               <a:schemeClr val="phClr">
-                <a:shade val="63000"/>
-                <a:satMod val="120000"/>
+                <a:shade val="20000"/>
+                <a:satMod val="255000"/>
               </a:schemeClr>
             </a:gs>
           </a:gsLst>
-          <a:lin ang="5400000" scaled="0"/>
+          <a:path path="circle">
+            <a:fillToRect l="50000" t="-80000" r="50000" b="180000"/>
+          </a:path>
+        </a:gradFill>
+        <a:gradFill rotWithShape="1">
+          <a:gsLst>
+            <a:gs pos="0">
+              <a:schemeClr val="phClr">
+                <a:tint val="80000"/>
+                <a:satMod val="300000"/>
+              </a:schemeClr>
+            </a:gs>
+            <a:gs pos="100000">
+              <a:schemeClr val="phClr">
+                <a:shade val="30000"/>
+                <a:satMod val="200000"/>
+              </a:schemeClr>
+            </a:gs>
+          </a:gsLst>
+          <a:path path="circle">
+            <a:fillToRect l="50000" t="50000" r="50000" b="50000"/>
+          </a:path>
         </a:gradFill>
       </a:bgFillStyleLst>
     </a:fmtScheme>
   </a:themeElements>
-  <a:objectDefaults/>
-  <a:extLst>
-    <a:ext uri="{05A4C25C-085E-4340-85A3-A5531E510DB2}">
-      <thm15:themeFamily xmlns:thm15="http://schemas.microsoft.com/office/thememl/2012/main" name="Office Theme" id="{62F939B6-93AF-4DB8-9C6B-D6C7DFDC589F}" vid="{4A3C46E8-61CC-4603-A589-7422A47A8E4A}"/>
-    </a:ext>
-  </a:extLst>
 </a:theme>
 </file>
--- a/Examples/Data/Charts/OrganizationChart.pptx
+++ b/Examples/Data/Charts/OrganizationChart.pptx
@@ -1,6 +1,6 @@
 
 <file path=ppt/presentation.xml><?xml version="1.0" encoding="utf-8"?>
-<!--Generated by Aspose.Slides for .NET 19.6-->
+<!--Generated by Aspose.Slides for .NET 21.12-->
 <p:presentation xmlns:r="http://schemas.openxmlformats.org/officeDocument/2006/relationships" xmlns:a="http://schemas.openxmlformats.org/drawingml/2006/main" xmlns:p="http://schemas.openxmlformats.org/presentationml/2006/main" saveSubsetFonts="1">
   <p:sldMasterIdLst>
     <p:sldMasterId id="2147483648" r:id="rId1"/>
@@ -112,7 +112,7 @@
 </file>
 
 <file path=ppt/charts/chart1.xml><?xml version="1.0" encoding="utf-8"?>
-<c:chartSpace xmlns:a="http://schemas.openxmlformats.org/drawingml/2006/main" xmlns:r="http://schemas.openxmlformats.org/officeDocument/2006/relationships" xmlns:c="http://schemas.openxmlformats.org/drawingml/2006/chart">
+<c:chartSpace xmlns:a="http://schemas.openxmlformats.org/drawingml/2006/main" xmlns:r="http://schemas.openxmlformats.org/officeDocument/2006/relationships" xmlns:m="http://schemas.openxmlformats.org/officeDocument/2006/math" xmlns:w="http://schemas.openxmlformats.org/wordprocessingml/2006/main" xmlns:wp="http://schemas.openxmlformats.org/drawingml/2006/wordprocessingDrawing" xmlns:a14="http://schemas.microsoft.com/office/drawing/2010/main" xmlns:c="http://schemas.openxmlformats.org/drawingml/2006/chart">
   <c:date1904 val="0"/>
   <c:lang val="ru-RU"/>
   <c:roundedCorners val="0"/>
@@ -1128,7 +1128,7 @@
 </file>
 
 <file path=ppt/diagrams/data1.xml><?xml version="1.0" encoding="utf-8"?>
-<dgm:dataModel xmlns:a="http://schemas.openxmlformats.org/drawingml/2006/main" xmlns:r="http://schemas.openxmlformats.org/officeDocument/2006/relationships" xmlns:dgm="http://schemas.openxmlformats.org/drawingml/2006/diagram">
+<dgm:dataModel xmlns:a="http://schemas.openxmlformats.org/drawingml/2006/main" xmlns:r="http://schemas.openxmlformats.org/officeDocument/2006/relationships" xmlns:m="http://schemas.openxmlformats.org/officeDocument/2006/math" xmlns:w="http://schemas.openxmlformats.org/wordprocessingml/2006/main" xmlns:wp="http://schemas.openxmlformats.org/drawingml/2006/wordprocessingDrawing" xmlns:a14="http://schemas.microsoft.com/office/drawing/2010/main" xmlns:dgm="http://schemas.openxmlformats.org/drawingml/2006/diagram">
   <dgm:ptLst>
     <dgm:pt modelId="{62AF698F-A100-4B42-94D1-45A84F94C56E}" type="doc">
       <dgm:prSet loTypeId="urn:microsoft.com/office/officeart/2005/8/layout/pictureOrgChart+Icon" loCatId="hierarchy" qsTypeId="urn:microsoft.com/office/officeart/2005/8/quickstyle/simple1" qsCatId="simple" csTypeId="urn:microsoft.com/office/officeart/2005/8/colors/accent1_2" csCatId="accent1" phldr="0"/>
@@ -1141,7 +1141,7 @@
         </a:p>
       </dgm:t>
     </dgm:pt>
-    <dgm:pt modelId="{A8A7F73C-17DD-4966-86C4-C54F16E27115}" type="parTrans" cxnId="{A2EF5BA0-782E-48EE-ABFB-2B2AEC6A8700}">
+    <dgm:pt modelId="{A8A7F73C-17DD-4966-86C4-C54F16E27115}" type="parTrans" cxnId="{5304DCAB-7355-4A28-9C5A-8A1886D6EB51}">
       <dgm:prSet/>
       <dgm:spPr/>
       <dgm:t>
@@ -1159,11 +1159,11 @@
         <a:bodyPr/>
         <a:lstStyle/>
         <a:p>
-          <a:endParaRPr lang="en-US"/>
+          <a:endParaRPr lang="en-US" sz="6500"/>
         </a:p>
       </dgm:t>
     </dgm:pt>
-    <dgm:pt modelId="{58A0E634-FE90-42F0-B3ED-93573445F73D}" type="parTrans" cxnId="{649EE98E-2670-415B-9877-E76FC8474F15}">
+    <dgm:pt modelId="{58A0E634-FE90-42F0-B3ED-93573445F73D}" type="parTrans" cxnId="{6AEAFDBD-FAE9-4D8C-945D-B6CC99642E30}">
       <dgm:prSet/>
       <dgm:spPr/>
       <dgm:t>
@@ -1181,11 +1181,11 @@
         <a:bodyPr/>
         <a:lstStyle/>
         <a:p>
-          <a:endParaRPr lang="en-US"/>
+          <a:endParaRPr lang="en-US" sz="6500"/>
         </a:p>
       </dgm:t>
     </dgm:pt>
-    <dgm:pt modelId="{0430B213-44BD-438F-AACA-6C4C3DF12993}" type="sibTrans" cxnId="{649EE98E-2670-415B-9877-E76FC8474F15}">
+    <dgm:pt modelId="{0430B213-44BD-438F-AACA-6C4C3DF12993}" type="sibTrans" cxnId="{6AEAFDBD-FAE9-4D8C-945D-B6CC99642E30}">
       <dgm:prSet/>
       <dgm:spPr/>
       <dgm:t>
@@ -1196,7 +1196,7 @@
         </a:p>
       </dgm:t>
     </dgm:pt>
-    <dgm:pt modelId="{0BAFDC78-6CEA-4297-91C6-309828C927EB}" type="parTrans" cxnId="{3DF3EE9E-1A5F-4D31-B5E4-960C4DFD8302}">
+    <dgm:pt modelId="{0BAFDC78-6CEA-4297-91C6-309828C927EB}" type="parTrans" cxnId="{477A34A7-36F2-4AC5-9CAA-BB8BA0CDF9E6}">
       <dgm:prSet/>
       <dgm:spPr/>
       <dgm:t>
@@ -1214,11 +1214,11 @@
         <a:bodyPr/>
         <a:lstStyle/>
         <a:p>
-          <a:endParaRPr lang="en-US"/>
+          <a:endParaRPr lang="en-US" sz="6500"/>
         </a:p>
       </dgm:t>
     </dgm:pt>
-    <dgm:pt modelId="{6C98B5B3-5290-40FE-A477-CBCF8B7F384F}" type="sibTrans" cxnId="{3DF3EE9E-1A5F-4D31-B5E4-960C4DFD8302}">
+    <dgm:pt modelId="{6C98B5B3-5290-40FE-A477-CBCF8B7F384F}" type="sibTrans" cxnId="{477A34A7-36F2-4AC5-9CAA-BB8BA0CDF9E6}">
       <dgm:prSet/>
       <dgm:spPr/>
       <dgm:t>
@@ -1229,7 +1229,7 @@
         </a:p>
       </dgm:t>
     </dgm:pt>
-    <dgm:pt modelId="{117BEBE6-E476-41E1-854B-F6695B3E317B}" type="parTrans" cxnId="{84E1FD9E-9E85-4719-A3F6-4C9F62664982}">
+    <dgm:pt modelId="{117BEBE6-E476-41E1-854B-F6695B3E317B}" type="parTrans" cxnId="{5BE15DAD-A34D-4716-8BEB-DA60883734A9}">
       <dgm:prSet/>
       <dgm:spPr/>
       <dgm:t>
@@ -1247,11 +1247,11 @@
         <a:bodyPr/>
         <a:lstStyle/>
         <a:p>
-          <a:endParaRPr lang="en-US"/>
+          <a:endParaRPr lang="en-US" sz="6500"/>
         </a:p>
       </dgm:t>
     </dgm:pt>
-    <dgm:pt modelId="{CBEBC221-39F1-48EB-827D-1E0428B3DF5A}" type="sibTrans" cxnId="{84E1FD9E-9E85-4719-A3F6-4C9F62664982}">
+    <dgm:pt modelId="{CBEBC221-39F1-48EB-827D-1E0428B3DF5A}" type="sibTrans" cxnId="{5BE15DAD-A34D-4716-8BEB-DA60883734A9}">
       <dgm:prSet/>
       <dgm:spPr/>
       <dgm:t>
@@ -1262,7 +1262,7 @@
         </a:p>
       </dgm:t>
     </dgm:pt>
-    <dgm:pt modelId="{A6953261-AA71-48FB-8A72-B76B9F90916F}" type="parTrans" cxnId="{A3DFE9BF-D743-4D64-B538-3146E36F5277}">
+    <dgm:pt modelId="{A6953261-AA71-48FB-8A72-B76B9F90916F}" type="parTrans" cxnId="{A1F509B5-14E2-481B-82A7-38EF157426D7}">
       <dgm:prSet/>
       <dgm:spPr/>
       <dgm:t>
@@ -1280,11 +1280,11 @@
         <a:bodyPr/>
         <a:lstStyle/>
         <a:p>
-          <a:endParaRPr lang="en-US"/>
+          <a:endParaRPr lang="en-US" sz="6500"/>
         </a:p>
       </dgm:t>
     </dgm:pt>
-    <dgm:pt modelId="{CDB15B79-3B82-4628-B95F-D6247DAD828C}" type="sibTrans" cxnId="{A3DFE9BF-D743-4D64-B538-3146E36F5277}">
+    <dgm:pt modelId="{CDB15B79-3B82-4628-B95F-D6247DAD828C}" type="sibTrans" cxnId="{A1F509B5-14E2-481B-82A7-38EF157426D7}">
       <dgm:prSet/>
       <dgm:spPr/>
       <dgm:t>
@@ -1295,7 +1295,7 @@
         </a:p>
       </dgm:t>
     </dgm:pt>
-    <dgm:pt modelId="{50E92C25-DEAB-42FB-9D68-AB3AE7FE4A93}" type="sibTrans" cxnId="{A2EF5BA0-782E-48EE-ABFB-2B2AEC6A8700}">
+    <dgm:pt modelId="{50E92C25-DEAB-42FB-9D68-AB3AE7FE4A93}" type="sibTrans" cxnId="{5304DCAB-7355-4A28-9C5A-8A1886D6EB51}">
       <dgm:prSet/>
       <dgm:spPr/>
       <dgm:t>
@@ -1717,65 +1717,65 @@
     </dgm:pt>
   </dgm:ptLst>
   <dgm:cxnLst>
-    <dgm:cxn modelId="{A2EF5BA0-782E-48EE-ABFB-2B2AEC6A8700}" srcId="{62AF698F-A100-4B42-94D1-45A84F94C56E}" destId="{0851F3FF-2965-4080-96A3-B00608196BD3}" srcOrd="0" destOrd="0" parTransId="{A8A7F73C-17DD-4966-86C4-C54F16E27115}" sibTransId="{50E92C25-DEAB-42FB-9D68-AB3AE7FE4A93}"/>
-    <dgm:cxn modelId="{649EE98E-2670-415B-9877-E76FC8474F15}" srcId="{0851F3FF-2965-4080-96A3-B00608196BD3}" destId="{90330D8C-9D93-4F0E-8FA8-CF60E19254C8}" srcOrd="0" destOrd="0" parTransId="{58A0E634-FE90-42F0-B3ED-93573445F73D}" sibTransId="{0430B213-44BD-438F-AACA-6C4C3DF12993}"/>
-    <dgm:cxn modelId="{3DF3EE9E-1A5F-4D31-B5E4-960C4DFD8302}" srcId="{0851F3FF-2965-4080-96A3-B00608196BD3}" destId="{B8EED4C9-6E32-4CDA-B54E-7ED0A017A157}" srcOrd="1" destOrd="0" parTransId="{0BAFDC78-6CEA-4297-91C6-309828C927EB}" sibTransId="{6C98B5B3-5290-40FE-A477-CBCF8B7F384F}"/>
-    <dgm:cxn modelId="{84E1FD9E-9E85-4719-A3F6-4C9F62664982}" srcId="{0851F3FF-2965-4080-96A3-B00608196BD3}" destId="{D0BC525B-577A-4856-86E7-E01E0AEE8118}" srcOrd="2" destOrd="0" parTransId="{117BEBE6-E476-41E1-854B-F6695B3E317B}" sibTransId="{CBEBC221-39F1-48EB-827D-1E0428B3DF5A}"/>
-    <dgm:cxn modelId="{A3DFE9BF-D743-4D64-B538-3146E36F5277}" srcId="{0851F3FF-2965-4080-96A3-B00608196BD3}" destId="{9EABDB7C-1A0B-4793-8926-275E491B8558}" srcOrd="3" destOrd="0" parTransId="{A6953261-AA71-48FB-8A72-B76B9F90916F}" sibTransId="{CDB15B79-3B82-4628-B95F-D6247DAD828C}"/>
-    <dgm:cxn modelId="{4BC446A4-9E03-46F9-A90E-A2DFCB10157C}" type="presOf" srcId="{62AF698F-A100-4B42-94D1-45A84F94C56E}" destId="{BE4A5024-7FD6-4067-AC21-1E6CE5208D9B}" srcOrd="0" destOrd="0" presId="urn:microsoft.com/office/officeart/2005/8/layout/pictureOrgChart+Icon"/>
-    <dgm:cxn modelId="{1AE8B9E4-1EF0-4869-92E0-DC9E910BD5A1}" type="presParOf" srcId="{BE4A5024-7FD6-4067-AC21-1E6CE5208D9B}" destId="{579EAF8E-3979-4777-B373-FA98A0B40BD7}" srcOrd="0" destOrd="0" presId="urn:microsoft.com/office/officeart/2005/8/layout/pictureOrgChart+Icon"/>
-    <dgm:cxn modelId="{E296AE17-29B9-4C13-AEDB-F9C97EC425CD}" type="presParOf" srcId="{579EAF8E-3979-4777-B373-FA98A0B40BD7}" destId="{19F07841-5FA3-401E-8E68-D42065739060}" srcOrd="0" destOrd="0" presId="urn:microsoft.com/office/officeart/2005/8/layout/pictureOrgChart+Icon"/>
-    <dgm:cxn modelId="{1E43993A-3C1B-46E2-9E5E-FD493EEF0173}" type="presParOf" srcId="{19F07841-5FA3-401E-8E68-D42065739060}" destId="{FCEF2C0B-ECE7-4C4D-B4AF-EFB0FCA2E906}" srcOrd="0" destOrd="0" presId="urn:microsoft.com/office/officeart/2005/8/layout/pictureOrgChart+Icon"/>
-    <dgm:cxn modelId="{18A621DB-A3FB-4DA0-837F-F53F0237F1C5}" type="presOf" srcId="{0851F3FF-2965-4080-96A3-B00608196BD3}" destId="{FCEF2C0B-ECE7-4C4D-B4AF-EFB0FCA2E906}" srcOrd="0" destOrd="0" presId="urn:microsoft.com/office/officeart/2005/8/layout/pictureOrgChart+Icon"/>
-    <dgm:cxn modelId="{BEB0156A-31F6-4E45-8B27-7E2420672740}" type="presParOf" srcId="{19F07841-5FA3-401E-8E68-D42065739060}" destId="{9658329C-493B-4921-8B1F-3B2AB5A09E9F}" srcOrd="1" destOrd="0" presId="urn:microsoft.com/office/officeart/2005/8/layout/pictureOrgChart+Icon"/>
-    <dgm:cxn modelId="{91855D76-B25E-41DE-801B-A1A38D941E39}" type="presParOf" srcId="{19F07841-5FA3-401E-8E68-D42065739060}" destId="{DFE81086-DB5F-4F5A-AEEF-6DED7ACB27BE}" srcOrd="2" destOrd="0" presId="urn:microsoft.com/office/officeart/2005/8/layout/pictureOrgChart+Icon"/>
-    <dgm:cxn modelId="{E69505AD-BBD3-4241-8389-6F0F04DC3161}" type="presOf" srcId="{0851F3FF-2965-4080-96A3-B00608196BD3}" destId="{DFE81086-DB5F-4F5A-AEEF-6DED7ACB27BE}" srcOrd="1" destOrd="0" presId="urn:microsoft.com/office/officeart/2005/8/layout/pictureOrgChart+Icon"/>
-    <dgm:cxn modelId="{A23201EF-A5C2-4AF3-8257-D5C7FB85B744}" type="presParOf" srcId="{579EAF8E-3979-4777-B373-FA98A0B40BD7}" destId="{C5A9BC26-65B6-4D2F-9DD8-A9865A933A4F}" srcOrd="1" destOrd="0" presId="urn:microsoft.com/office/officeart/2005/8/layout/pictureOrgChart+Icon"/>
-    <dgm:cxn modelId="{26E5CF25-A377-46A9-8699-57E86F1F594A}" type="presParOf" srcId="{C5A9BC26-65B6-4D2F-9DD8-A9865A933A4F}" destId="{6F991B90-2B31-4A62-B3A8-18A39E947F51}" srcOrd="0" destOrd="0" presId="urn:microsoft.com/office/officeart/2005/8/layout/pictureOrgChart+Icon"/>
-    <dgm:cxn modelId="{712686A1-31F9-45A5-8DE9-3C4A7E637186}" type="presOf" srcId="{0BAFDC78-6CEA-4297-91C6-309828C927EB}" destId="{6F991B90-2B31-4A62-B3A8-18A39E947F51}" srcOrd="0" destOrd="0" presId="urn:microsoft.com/office/officeart/2005/8/layout/pictureOrgChart+Icon"/>
-    <dgm:cxn modelId="{EDF6BCF6-0584-4CFD-BB58-7C0B5CABA431}" type="presParOf" srcId="{C5A9BC26-65B6-4D2F-9DD8-A9865A933A4F}" destId="{7D7E79F3-A2E1-42DC-8DE0-F513AC991316}" srcOrd="1" destOrd="0" presId="urn:microsoft.com/office/officeart/2005/8/layout/pictureOrgChart+Icon"/>
-    <dgm:cxn modelId="{49013F8B-0CE3-4C1E-AFC4-1EAA15E935A2}" type="presParOf" srcId="{7D7E79F3-A2E1-42DC-8DE0-F513AC991316}" destId="{8136F7A3-45E2-4AB3-961D-728294A9FBCF}" srcOrd="0" destOrd="0" presId="urn:microsoft.com/office/officeart/2005/8/layout/pictureOrgChart+Icon"/>
-    <dgm:cxn modelId="{718AED7F-7BEE-4CF1-83B2-FD9F61FE0383}" type="presParOf" srcId="{8136F7A3-45E2-4AB3-961D-728294A9FBCF}" destId="{ACF3C9C3-0519-41F0-80DB-6F20FC1EF0B2}" srcOrd="0" destOrd="0" presId="urn:microsoft.com/office/officeart/2005/8/layout/pictureOrgChart+Icon"/>
-    <dgm:cxn modelId="{91827C1C-762C-4987-AC5A-AC405D9A0A89}" type="presOf" srcId="{B8EED4C9-6E32-4CDA-B54E-7ED0A017A157}" destId="{ACF3C9C3-0519-41F0-80DB-6F20FC1EF0B2}" srcOrd="0" destOrd="0" presId="urn:microsoft.com/office/officeart/2005/8/layout/pictureOrgChart+Icon"/>
-    <dgm:cxn modelId="{8AB3D07D-11F6-44A3-8667-DDBB7159C828}" type="presParOf" srcId="{8136F7A3-45E2-4AB3-961D-728294A9FBCF}" destId="{4F89929B-92D0-48AE-8FA1-CEF81C9A5492}" srcOrd="1" destOrd="0" presId="urn:microsoft.com/office/officeart/2005/8/layout/pictureOrgChart+Icon"/>
-    <dgm:cxn modelId="{F5CD0C5F-B871-4920-8AF9-0251013DD7FD}" type="presParOf" srcId="{8136F7A3-45E2-4AB3-961D-728294A9FBCF}" destId="{A37542B5-D706-4F37-9B50-CAC0D11256A3}" srcOrd="2" destOrd="0" presId="urn:microsoft.com/office/officeart/2005/8/layout/pictureOrgChart+Icon"/>
-    <dgm:cxn modelId="{350F0600-9A08-4558-9C42-137E4F36C5B8}" type="presOf" srcId="{B8EED4C9-6E32-4CDA-B54E-7ED0A017A157}" destId="{A37542B5-D706-4F37-9B50-CAC0D11256A3}" srcOrd="1" destOrd="0" presId="urn:microsoft.com/office/officeart/2005/8/layout/pictureOrgChart+Icon"/>
-    <dgm:cxn modelId="{93B2EFC4-D4F6-4311-A66B-332DF7F85EEE}" type="presParOf" srcId="{7D7E79F3-A2E1-42DC-8DE0-F513AC991316}" destId="{AB2D794A-45AB-4108-A410-FF0D34540E91}" srcOrd="1" destOrd="0" presId="urn:microsoft.com/office/officeart/2005/8/layout/pictureOrgChart+Icon"/>
-    <dgm:cxn modelId="{B0163393-633B-4686-85FC-40E884730D7C}" type="presParOf" srcId="{7D7E79F3-A2E1-42DC-8DE0-F513AC991316}" destId="{D0F36128-8AFF-4E35-8BBF-A62A615C154B}" srcOrd="2" destOrd="0" presId="urn:microsoft.com/office/officeart/2005/8/layout/pictureOrgChart+Icon"/>
-    <dgm:cxn modelId="{F1E8D24A-6DE2-4F18-BF11-AEBBC0A98DEE}" type="presParOf" srcId="{C5A9BC26-65B6-4D2F-9DD8-A9865A933A4F}" destId="{8F68265E-A212-4D58-849A-BA966DF0B54B}" srcOrd="2" destOrd="0" presId="urn:microsoft.com/office/officeart/2005/8/layout/pictureOrgChart+Icon"/>
-    <dgm:cxn modelId="{9BFB1665-1655-47DC-97C9-843AF84D0701}" type="presOf" srcId="{117BEBE6-E476-41E1-854B-F6695B3E317B}" destId="{8F68265E-A212-4D58-849A-BA966DF0B54B}" srcOrd="0" destOrd="0" presId="urn:microsoft.com/office/officeart/2005/8/layout/pictureOrgChart+Icon"/>
-    <dgm:cxn modelId="{E02F05F0-5469-4A60-9DCC-43332415A610}" type="presParOf" srcId="{C5A9BC26-65B6-4D2F-9DD8-A9865A933A4F}" destId="{505309BF-72EB-48FA-8DE0-702AB4B1E822}" srcOrd="3" destOrd="0" presId="urn:microsoft.com/office/officeart/2005/8/layout/pictureOrgChart+Icon"/>
-    <dgm:cxn modelId="{1CB5F1AC-C24B-43D1-BD36-C30423A2DAC0}" type="presParOf" srcId="{505309BF-72EB-48FA-8DE0-702AB4B1E822}" destId="{66B0A561-9607-459E-B14F-7FCF0DCA6669}" srcOrd="0" destOrd="0" presId="urn:microsoft.com/office/officeart/2005/8/layout/pictureOrgChart+Icon"/>
-    <dgm:cxn modelId="{90F54EE0-BA3E-4C59-9AFE-A9C18D3A6C81}" type="presParOf" srcId="{66B0A561-9607-459E-B14F-7FCF0DCA6669}" destId="{1D1FB36F-5E4F-476C-B9C4-6DE6736B28EC}" srcOrd="0" destOrd="0" presId="urn:microsoft.com/office/officeart/2005/8/layout/pictureOrgChart+Icon"/>
-    <dgm:cxn modelId="{B806925F-A902-4D4D-8759-2D9EDD0359E6}" type="presOf" srcId="{D0BC525B-577A-4856-86E7-E01E0AEE8118}" destId="{1D1FB36F-5E4F-476C-B9C4-6DE6736B28EC}" srcOrd="0" destOrd="0" presId="urn:microsoft.com/office/officeart/2005/8/layout/pictureOrgChart+Icon"/>
-    <dgm:cxn modelId="{5F4B48F7-CAA6-4800-96C8-795EE0E18085}" type="presParOf" srcId="{66B0A561-9607-459E-B14F-7FCF0DCA6669}" destId="{DC1B4339-BF8D-4DDC-A4C3-4D374EA673CB}" srcOrd="1" destOrd="0" presId="urn:microsoft.com/office/officeart/2005/8/layout/pictureOrgChart+Icon"/>
-    <dgm:cxn modelId="{50CF58B6-4988-40B5-B7E2-1D6787BF5A38}" type="presParOf" srcId="{66B0A561-9607-459E-B14F-7FCF0DCA6669}" destId="{FE4109C7-0E43-4F79-9DFC-42039AE8CC65}" srcOrd="2" destOrd="0" presId="urn:microsoft.com/office/officeart/2005/8/layout/pictureOrgChart+Icon"/>
-    <dgm:cxn modelId="{8F808E39-AC87-4A7A-B825-6831CC13DEE3}" type="presOf" srcId="{D0BC525B-577A-4856-86E7-E01E0AEE8118}" destId="{FE4109C7-0E43-4F79-9DFC-42039AE8CC65}" srcOrd="1" destOrd="0" presId="urn:microsoft.com/office/officeart/2005/8/layout/pictureOrgChart+Icon"/>
-    <dgm:cxn modelId="{062942A7-1ED6-46BF-80CE-D969CC3675C6}" type="presParOf" srcId="{505309BF-72EB-48FA-8DE0-702AB4B1E822}" destId="{BB54FF5C-A9A6-4AC7-A3F7-E668629FB6E7}" srcOrd="1" destOrd="0" presId="urn:microsoft.com/office/officeart/2005/8/layout/pictureOrgChart+Icon"/>
-    <dgm:cxn modelId="{70D400B9-3F66-4082-A019-5CD6846D4BAD}" type="presParOf" srcId="{505309BF-72EB-48FA-8DE0-702AB4B1E822}" destId="{CEDD3BCD-C64B-49A4-B07A-8FB48715964D}" srcOrd="2" destOrd="0" presId="urn:microsoft.com/office/officeart/2005/8/layout/pictureOrgChart+Icon"/>
-    <dgm:cxn modelId="{0B3F1370-239F-4D99-B5E9-CBD6F7EA2843}" type="presParOf" srcId="{C5A9BC26-65B6-4D2F-9DD8-A9865A933A4F}" destId="{9F5A71F4-7BC1-4E0E-A724-72041860D69E}" srcOrd="4" destOrd="0" presId="urn:microsoft.com/office/officeart/2005/8/layout/pictureOrgChart+Icon"/>
-    <dgm:cxn modelId="{84242BEE-D417-4B95-9140-61B8CB3C9609}" type="presOf" srcId="{A6953261-AA71-48FB-8A72-B76B9F90916F}" destId="{9F5A71F4-7BC1-4E0E-A724-72041860D69E}" srcOrd="0" destOrd="0" presId="urn:microsoft.com/office/officeart/2005/8/layout/pictureOrgChart+Icon"/>
-    <dgm:cxn modelId="{8A392FC0-49DB-4D66-8A1A-928814FDBC70}" type="presParOf" srcId="{C5A9BC26-65B6-4D2F-9DD8-A9865A933A4F}" destId="{7FD7D915-E278-494D-BDD9-21BF02AD17F6}" srcOrd="5" destOrd="0" presId="urn:microsoft.com/office/officeart/2005/8/layout/pictureOrgChart+Icon"/>
-    <dgm:cxn modelId="{0117936A-4268-4500-9396-BEF88AA8076C}" type="presParOf" srcId="{7FD7D915-E278-494D-BDD9-21BF02AD17F6}" destId="{BB47C5E7-69D8-4CA1-8D70-1791D292977F}" srcOrd="0" destOrd="0" presId="urn:microsoft.com/office/officeart/2005/8/layout/pictureOrgChart+Icon"/>
-    <dgm:cxn modelId="{3A0D3306-3357-4EB1-8ADA-064BF80387C7}" type="presParOf" srcId="{BB47C5E7-69D8-4CA1-8D70-1791D292977F}" destId="{85F66737-B009-4639-AD95-1BB870B6F8D3}" srcOrd="0" destOrd="0" presId="urn:microsoft.com/office/officeart/2005/8/layout/pictureOrgChart+Icon"/>
-    <dgm:cxn modelId="{1CD8BC46-3E83-467B-A67F-6D6A3B4D36B3}" type="presOf" srcId="{9EABDB7C-1A0B-4793-8926-275E491B8558}" destId="{85F66737-B009-4639-AD95-1BB870B6F8D3}" srcOrd="0" destOrd="0" presId="urn:microsoft.com/office/officeart/2005/8/layout/pictureOrgChart+Icon"/>
-    <dgm:cxn modelId="{61656672-FD03-488A-81CA-BEC5C8259660}" type="presParOf" srcId="{BB47C5E7-69D8-4CA1-8D70-1791D292977F}" destId="{4AC54B23-10BF-4C0B-862C-14B19BD700BE}" srcOrd="1" destOrd="0" presId="urn:microsoft.com/office/officeart/2005/8/layout/pictureOrgChart+Icon"/>
-    <dgm:cxn modelId="{BFB395AC-7226-42C5-8F6A-72D3A9AAFDB1}" type="presParOf" srcId="{BB47C5E7-69D8-4CA1-8D70-1791D292977F}" destId="{46D2E0C9-EADC-48B3-9DC5-9BC93BAAFC2C}" srcOrd="2" destOrd="0" presId="urn:microsoft.com/office/officeart/2005/8/layout/pictureOrgChart+Icon"/>
-    <dgm:cxn modelId="{0101D24B-3C4F-4826-BD9B-B35FA84663E8}" type="presOf" srcId="{9EABDB7C-1A0B-4793-8926-275E491B8558}" destId="{46D2E0C9-EADC-48B3-9DC5-9BC93BAAFC2C}" srcOrd="1" destOrd="0" presId="urn:microsoft.com/office/officeart/2005/8/layout/pictureOrgChart+Icon"/>
-    <dgm:cxn modelId="{AB0B32C7-0DF0-43FC-9CBB-7F225BC8021B}" type="presParOf" srcId="{7FD7D915-E278-494D-BDD9-21BF02AD17F6}" destId="{F39D8768-0E46-4DE7-878E-017704AC8E77}" srcOrd="1" destOrd="0" presId="urn:microsoft.com/office/officeart/2005/8/layout/pictureOrgChart+Icon"/>
-    <dgm:cxn modelId="{BD05C954-E183-435D-B344-FA9BD4EFC6A4}" type="presParOf" srcId="{7FD7D915-E278-494D-BDD9-21BF02AD17F6}" destId="{1C296C2D-1228-4C1B-9D75-22859B1EAD59}" srcOrd="2" destOrd="0" presId="urn:microsoft.com/office/officeart/2005/8/layout/pictureOrgChart+Icon"/>
-    <dgm:cxn modelId="{1D84EEAD-230C-4F84-A27C-D4EB4FE6CB18}" type="presParOf" srcId="{579EAF8E-3979-4777-B373-FA98A0B40BD7}" destId="{5D2F09F0-C8D9-4714-9617-4075D67FB2F1}" srcOrd="2" destOrd="0" presId="urn:microsoft.com/office/officeart/2005/8/layout/pictureOrgChart+Icon"/>
-    <dgm:cxn modelId="{AD955422-384C-4D9C-ADA8-087975D6A8E7}" type="presParOf" srcId="{5D2F09F0-C8D9-4714-9617-4075D67FB2F1}" destId="{A6008EA5-4CBF-44D3-AE90-9A797F22D452}" srcOrd="0" destOrd="0" presId="urn:microsoft.com/office/officeart/2005/8/layout/pictureOrgChart+Icon"/>
-    <dgm:cxn modelId="{F45ADE3E-313A-4610-9AD7-66BB28B4C3F0}" type="presOf" srcId="{58A0E634-FE90-42F0-B3ED-93573445F73D}" destId="{A6008EA5-4CBF-44D3-AE90-9A797F22D452}" srcOrd="0" destOrd="0" presId="urn:microsoft.com/office/officeart/2005/8/layout/pictureOrgChart+Icon"/>
-    <dgm:cxn modelId="{E9DD485A-230A-4E67-8B3E-1E025D31CC0C}" type="presParOf" srcId="{5D2F09F0-C8D9-4714-9617-4075D67FB2F1}" destId="{B6A8C812-3D1E-4D64-88E5-9D5B0278E560}" srcOrd="1" destOrd="0" presId="urn:microsoft.com/office/officeart/2005/8/layout/pictureOrgChart+Icon"/>
-    <dgm:cxn modelId="{FE88444A-94C4-4526-88C8-73D6607808C3}" type="presParOf" srcId="{B6A8C812-3D1E-4D64-88E5-9D5B0278E560}" destId="{5E590227-6CC0-4F07-997B-4B1743BF36BA}" srcOrd="0" destOrd="0" presId="urn:microsoft.com/office/officeart/2005/8/layout/pictureOrgChart+Icon"/>
-    <dgm:cxn modelId="{CCDD6DBB-0111-4C51-B6EB-756C9856EC8D}" type="presParOf" srcId="{5E590227-6CC0-4F07-997B-4B1743BF36BA}" destId="{E5A45E6F-3BB6-4782-889D-182F04D7E03F}" srcOrd="0" destOrd="0" presId="urn:microsoft.com/office/officeart/2005/8/layout/pictureOrgChart+Icon"/>
-    <dgm:cxn modelId="{BB0E87E7-1BDB-47E8-8F54-F710D890735A}" type="presOf" srcId="{90330D8C-9D93-4F0E-8FA8-CF60E19254C8}" destId="{E5A45E6F-3BB6-4782-889D-182F04D7E03F}" srcOrd="0" destOrd="0" presId="urn:microsoft.com/office/officeart/2005/8/layout/pictureOrgChart+Icon"/>
-    <dgm:cxn modelId="{0F721269-ED4D-43B0-A1D6-416A8080ADF4}" type="presParOf" srcId="{5E590227-6CC0-4F07-997B-4B1743BF36BA}" destId="{7148F7C7-C56E-4DF3-AA1D-F382D0E07519}" srcOrd="1" destOrd="0" presId="urn:microsoft.com/office/officeart/2005/8/layout/pictureOrgChart+Icon"/>
-    <dgm:cxn modelId="{A3C5A712-0A1A-47C1-BF13-349CCF75C3D8}" type="presParOf" srcId="{5E590227-6CC0-4F07-997B-4B1743BF36BA}" destId="{5CB0E5FC-FE5E-410D-A79A-942B9C03C3BC}" srcOrd="2" destOrd="0" presId="urn:microsoft.com/office/officeart/2005/8/layout/pictureOrgChart+Icon"/>
-    <dgm:cxn modelId="{F0D446C9-A34F-4C26-AB50-1736E6A0E8ED}" type="presOf" srcId="{90330D8C-9D93-4F0E-8FA8-CF60E19254C8}" destId="{5CB0E5FC-FE5E-410D-A79A-942B9C03C3BC}" srcOrd="1" destOrd="0" presId="urn:microsoft.com/office/officeart/2005/8/layout/pictureOrgChart+Icon"/>
-    <dgm:cxn modelId="{74B6F5E2-49B5-4BC3-98A4-91760EBF617C}" type="presParOf" srcId="{B6A8C812-3D1E-4D64-88E5-9D5B0278E560}" destId="{79387A4E-BE3A-45B9-B57D-7F614942FAF6}" srcOrd="1" destOrd="0" presId="urn:microsoft.com/office/officeart/2005/8/layout/pictureOrgChart+Icon"/>
-    <dgm:cxn modelId="{5DB5D1B8-6C61-4830-AAE8-4467573A5820}" type="presParOf" srcId="{B6A8C812-3D1E-4D64-88E5-9D5B0278E560}" destId="{38C12649-4709-40C2-9B95-959E2CAE495C}" srcOrd="2" destOrd="0" presId="urn:microsoft.com/office/officeart/2005/8/layout/pictureOrgChart+Icon"/>
+    <dgm:cxn modelId="{5304DCAB-7355-4A28-9C5A-8A1886D6EB51}" srcId="{62AF698F-A100-4B42-94D1-45A84F94C56E}" destId="{0851F3FF-2965-4080-96A3-B00608196BD3}" srcOrd="0" destOrd="0" parTransId="{A8A7F73C-17DD-4966-86C4-C54F16E27115}" sibTransId="{50E92C25-DEAB-42FB-9D68-AB3AE7FE4A93}"/>
+    <dgm:cxn modelId="{6AEAFDBD-FAE9-4D8C-945D-B6CC99642E30}" srcId="{0851F3FF-2965-4080-96A3-B00608196BD3}" destId="{90330D8C-9D93-4F0E-8FA8-CF60E19254C8}" srcOrd="0" destOrd="0" parTransId="{58A0E634-FE90-42F0-B3ED-93573445F73D}" sibTransId="{0430B213-44BD-438F-AACA-6C4C3DF12993}"/>
+    <dgm:cxn modelId="{477A34A7-36F2-4AC5-9CAA-BB8BA0CDF9E6}" srcId="{0851F3FF-2965-4080-96A3-B00608196BD3}" destId="{B8EED4C9-6E32-4CDA-B54E-7ED0A017A157}" srcOrd="1" destOrd="0" parTransId="{0BAFDC78-6CEA-4297-91C6-309828C927EB}" sibTransId="{6C98B5B3-5290-40FE-A477-CBCF8B7F384F}"/>
+    <dgm:cxn modelId="{5BE15DAD-A34D-4716-8BEB-DA60883734A9}" srcId="{0851F3FF-2965-4080-96A3-B00608196BD3}" destId="{D0BC525B-577A-4856-86E7-E01E0AEE8118}" srcOrd="2" destOrd="0" parTransId="{117BEBE6-E476-41E1-854B-F6695B3E317B}" sibTransId="{CBEBC221-39F1-48EB-827D-1E0428B3DF5A}"/>
+    <dgm:cxn modelId="{A1F509B5-14E2-481B-82A7-38EF157426D7}" srcId="{0851F3FF-2965-4080-96A3-B00608196BD3}" destId="{9EABDB7C-1A0B-4793-8926-275E491B8558}" srcOrd="3" destOrd="0" parTransId="{A6953261-AA71-48FB-8A72-B76B9F90916F}" sibTransId="{CDB15B79-3B82-4628-B95F-D6247DAD828C}"/>
+    <dgm:cxn modelId="{68B3E6D5-3C64-4767-B46D-6C82B097FCDC}" type="presOf" srcId="{62AF698F-A100-4B42-94D1-45A84F94C56E}" destId="{BE4A5024-7FD6-4067-AC21-1E6CE5208D9B}" srcOrd="0" destOrd="0" presId="urn:microsoft.com/office/officeart/2005/8/layout/pictureOrgChart+Icon"/>
+    <dgm:cxn modelId="{25C6C208-9F55-4AD8-A972-95F275082CBB}" type="presParOf" srcId="{BE4A5024-7FD6-4067-AC21-1E6CE5208D9B}" destId="{579EAF8E-3979-4777-B373-FA98A0B40BD7}" srcOrd="0" destOrd="0" presId="urn:microsoft.com/office/officeart/2005/8/layout/pictureOrgChart+Icon"/>
+    <dgm:cxn modelId="{1B06A59C-2CF4-49F6-8436-810D69198E18}" type="presParOf" srcId="{579EAF8E-3979-4777-B373-FA98A0B40BD7}" destId="{19F07841-5FA3-401E-8E68-D42065739060}" srcOrd="0" destOrd="0" presId="urn:microsoft.com/office/officeart/2005/8/layout/pictureOrgChart+Icon"/>
+    <dgm:cxn modelId="{5670F204-DE3E-4601-BAC2-AE70476AFC02}" type="presParOf" srcId="{19F07841-5FA3-401E-8E68-D42065739060}" destId="{FCEF2C0B-ECE7-4C4D-B4AF-EFB0FCA2E906}" srcOrd="0" destOrd="0" presId="urn:microsoft.com/office/officeart/2005/8/layout/pictureOrgChart+Icon"/>
+    <dgm:cxn modelId="{95AAA48A-1037-4FF5-A8BA-784F647D26E9}" type="presOf" srcId="{0851F3FF-2965-4080-96A3-B00608196BD3}" destId="{FCEF2C0B-ECE7-4C4D-B4AF-EFB0FCA2E906}" srcOrd="0" destOrd="0" presId="urn:microsoft.com/office/officeart/2005/8/layout/pictureOrgChart+Icon"/>
+    <dgm:cxn modelId="{473A0894-E250-446C-AE7E-EEE821D77711}" type="presParOf" srcId="{19F07841-5FA3-401E-8E68-D42065739060}" destId="{9658329C-493B-4921-8B1F-3B2AB5A09E9F}" srcOrd="1" destOrd="0" presId="urn:microsoft.com/office/officeart/2005/8/layout/pictureOrgChart+Icon"/>
+    <dgm:cxn modelId="{F5908617-4886-473E-BA68-698C0A19D52D}" type="presParOf" srcId="{19F07841-5FA3-401E-8E68-D42065739060}" destId="{DFE81086-DB5F-4F5A-AEEF-6DED7ACB27BE}" srcOrd="2" destOrd="0" presId="urn:microsoft.com/office/officeart/2005/8/layout/pictureOrgChart+Icon"/>
+    <dgm:cxn modelId="{A6EB8DCC-3A8E-4105-987B-847571CB59F7}" type="presOf" srcId="{0851F3FF-2965-4080-96A3-B00608196BD3}" destId="{DFE81086-DB5F-4F5A-AEEF-6DED7ACB27BE}" srcOrd="1" destOrd="0" presId="urn:microsoft.com/office/officeart/2005/8/layout/pictureOrgChart+Icon"/>
+    <dgm:cxn modelId="{BB140206-FFCB-43BC-80D7-B76268C8A046}" type="presParOf" srcId="{579EAF8E-3979-4777-B373-FA98A0B40BD7}" destId="{C5A9BC26-65B6-4D2F-9DD8-A9865A933A4F}" srcOrd="1" destOrd="0" presId="urn:microsoft.com/office/officeart/2005/8/layout/pictureOrgChart+Icon"/>
+    <dgm:cxn modelId="{88263712-26E4-4C81-90FF-036C1AA7DD2D}" type="presParOf" srcId="{C5A9BC26-65B6-4D2F-9DD8-A9865A933A4F}" destId="{6F991B90-2B31-4A62-B3A8-18A39E947F51}" srcOrd="0" destOrd="0" presId="urn:microsoft.com/office/officeart/2005/8/layout/pictureOrgChart+Icon"/>
+    <dgm:cxn modelId="{F170E42D-808A-4540-B27F-0534634831D1}" type="presOf" srcId="{0BAFDC78-6CEA-4297-91C6-309828C927EB}" destId="{6F991B90-2B31-4A62-B3A8-18A39E947F51}" srcOrd="0" destOrd="0" presId="urn:microsoft.com/office/officeart/2005/8/layout/pictureOrgChart+Icon"/>
+    <dgm:cxn modelId="{25A752C6-EC73-448E-8D4D-966E950C319E}" type="presParOf" srcId="{C5A9BC26-65B6-4D2F-9DD8-A9865A933A4F}" destId="{7D7E79F3-A2E1-42DC-8DE0-F513AC991316}" srcOrd="1" destOrd="0" presId="urn:microsoft.com/office/officeart/2005/8/layout/pictureOrgChart+Icon"/>
+    <dgm:cxn modelId="{BA2E495D-BA08-4F84-9170-C2CC985001E2}" type="presParOf" srcId="{7D7E79F3-A2E1-42DC-8DE0-F513AC991316}" destId="{8136F7A3-45E2-4AB3-961D-728294A9FBCF}" srcOrd="0" destOrd="0" presId="urn:microsoft.com/office/officeart/2005/8/layout/pictureOrgChart+Icon"/>
+    <dgm:cxn modelId="{7CFFDA19-F8B8-47AE-9423-2953E8FE97D3}" type="presParOf" srcId="{8136F7A3-45E2-4AB3-961D-728294A9FBCF}" destId="{ACF3C9C3-0519-41F0-80DB-6F20FC1EF0B2}" srcOrd="0" destOrd="0" presId="urn:microsoft.com/office/officeart/2005/8/layout/pictureOrgChart+Icon"/>
+    <dgm:cxn modelId="{54C102A9-4B90-48E5-8891-EAC64ECF723E}" type="presOf" srcId="{B8EED4C9-6E32-4CDA-B54E-7ED0A017A157}" destId="{ACF3C9C3-0519-41F0-80DB-6F20FC1EF0B2}" srcOrd="0" destOrd="0" presId="urn:microsoft.com/office/officeart/2005/8/layout/pictureOrgChart+Icon"/>
+    <dgm:cxn modelId="{045C0241-4078-4C98-BDC5-8AB84A95804D}" type="presParOf" srcId="{8136F7A3-45E2-4AB3-961D-728294A9FBCF}" destId="{4F89929B-92D0-48AE-8FA1-CEF81C9A5492}" srcOrd="1" destOrd="0" presId="urn:microsoft.com/office/officeart/2005/8/layout/pictureOrgChart+Icon"/>
+    <dgm:cxn modelId="{9405B161-DDC7-4EC2-A1F8-99D916D5B0BD}" type="presParOf" srcId="{8136F7A3-45E2-4AB3-961D-728294A9FBCF}" destId="{A37542B5-D706-4F37-9B50-CAC0D11256A3}" srcOrd="2" destOrd="0" presId="urn:microsoft.com/office/officeart/2005/8/layout/pictureOrgChart+Icon"/>
+    <dgm:cxn modelId="{3D1613D3-AFDC-4927-B420-AE5776F73465}" type="presOf" srcId="{B8EED4C9-6E32-4CDA-B54E-7ED0A017A157}" destId="{A37542B5-D706-4F37-9B50-CAC0D11256A3}" srcOrd="1" destOrd="0" presId="urn:microsoft.com/office/officeart/2005/8/layout/pictureOrgChart+Icon"/>
+    <dgm:cxn modelId="{6B754483-2E5B-4C1A-A691-D3E6EB70B6BF}" type="presParOf" srcId="{7D7E79F3-A2E1-42DC-8DE0-F513AC991316}" destId="{AB2D794A-45AB-4108-A410-FF0D34540E91}" srcOrd="1" destOrd="0" presId="urn:microsoft.com/office/officeart/2005/8/layout/pictureOrgChart+Icon"/>
+    <dgm:cxn modelId="{B1D0FAD0-BADC-4B13-8005-2CC5467BAA00}" type="presParOf" srcId="{7D7E79F3-A2E1-42DC-8DE0-F513AC991316}" destId="{D0F36128-8AFF-4E35-8BBF-A62A615C154B}" srcOrd="2" destOrd="0" presId="urn:microsoft.com/office/officeart/2005/8/layout/pictureOrgChart+Icon"/>
+    <dgm:cxn modelId="{3D3FC185-BBB9-49A5-92ED-5DEE75A6EA7B}" type="presParOf" srcId="{C5A9BC26-65B6-4D2F-9DD8-A9865A933A4F}" destId="{8F68265E-A212-4D58-849A-BA966DF0B54B}" srcOrd="2" destOrd="0" presId="urn:microsoft.com/office/officeart/2005/8/layout/pictureOrgChart+Icon"/>
+    <dgm:cxn modelId="{F9C82B1E-9966-4067-8992-F48A50B87FAF}" type="presOf" srcId="{117BEBE6-E476-41E1-854B-F6695B3E317B}" destId="{8F68265E-A212-4D58-849A-BA966DF0B54B}" srcOrd="0" destOrd="0" presId="urn:microsoft.com/office/officeart/2005/8/layout/pictureOrgChart+Icon"/>
+    <dgm:cxn modelId="{865E2218-3C4D-480F-BA5E-9473B7221E9A}" type="presParOf" srcId="{C5A9BC26-65B6-4D2F-9DD8-A9865A933A4F}" destId="{505309BF-72EB-48FA-8DE0-702AB4B1E822}" srcOrd="3" destOrd="0" presId="urn:microsoft.com/office/officeart/2005/8/layout/pictureOrgChart+Icon"/>
+    <dgm:cxn modelId="{B4427888-B706-49F8-99D4-EEABB4A3CC83}" type="presParOf" srcId="{505309BF-72EB-48FA-8DE0-702AB4B1E822}" destId="{66B0A561-9607-459E-B14F-7FCF0DCA6669}" srcOrd="0" destOrd="0" presId="urn:microsoft.com/office/officeart/2005/8/layout/pictureOrgChart+Icon"/>
+    <dgm:cxn modelId="{60D590B3-5FA4-4CEF-9555-64853BD349C6}" type="presParOf" srcId="{66B0A561-9607-459E-B14F-7FCF0DCA6669}" destId="{1D1FB36F-5E4F-476C-B9C4-6DE6736B28EC}" srcOrd="0" destOrd="0" presId="urn:microsoft.com/office/officeart/2005/8/layout/pictureOrgChart+Icon"/>
+    <dgm:cxn modelId="{36DA813E-680D-4606-AE00-CF178CC3EC6B}" type="presOf" srcId="{D0BC525B-577A-4856-86E7-E01E0AEE8118}" destId="{1D1FB36F-5E4F-476C-B9C4-6DE6736B28EC}" srcOrd="0" destOrd="0" presId="urn:microsoft.com/office/officeart/2005/8/layout/pictureOrgChart+Icon"/>
+    <dgm:cxn modelId="{3CA5BD0F-2FDB-4802-AD63-EDC4B83C8A4A}" type="presParOf" srcId="{66B0A561-9607-459E-B14F-7FCF0DCA6669}" destId="{DC1B4339-BF8D-4DDC-A4C3-4D374EA673CB}" srcOrd="1" destOrd="0" presId="urn:microsoft.com/office/officeart/2005/8/layout/pictureOrgChart+Icon"/>
+    <dgm:cxn modelId="{7D8AF499-0495-4A9E-A58D-E29CCF74881B}" type="presParOf" srcId="{66B0A561-9607-459E-B14F-7FCF0DCA6669}" destId="{FE4109C7-0E43-4F79-9DFC-42039AE8CC65}" srcOrd="2" destOrd="0" presId="urn:microsoft.com/office/officeart/2005/8/layout/pictureOrgChart+Icon"/>
+    <dgm:cxn modelId="{E1788A04-7AA9-49BF-89A6-296CFDF3D614}" type="presOf" srcId="{D0BC525B-577A-4856-86E7-E01E0AEE8118}" destId="{FE4109C7-0E43-4F79-9DFC-42039AE8CC65}" srcOrd="1" destOrd="0" presId="urn:microsoft.com/office/officeart/2005/8/layout/pictureOrgChart+Icon"/>
+    <dgm:cxn modelId="{22E51E46-F6E8-4B70-8199-166BFF861032}" type="presParOf" srcId="{505309BF-72EB-48FA-8DE0-702AB4B1E822}" destId="{BB54FF5C-A9A6-4AC7-A3F7-E668629FB6E7}" srcOrd="1" destOrd="0" presId="urn:microsoft.com/office/officeart/2005/8/layout/pictureOrgChart+Icon"/>
+    <dgm:cxn modelId="{42DF3F1F-18C2-46FA-925A-EE26FBC8D308}" type="presParOf" srcId="{505309BF-72EB-48FA-8DE0-702AB4B1E822}" destId="{CEDD3BCD-C64B-49A4-B07A-8FB48715964D}" srcOrd="2" destOrd="0" presId="urn:microsoft.com/office/officeart/2005/8/layout/pictureOrgChart+Icon"/>
+    <dgm:cxn modelId="{2802301E-0467-401D-ABA3-756D5A5C6610}" type="presParOf" srcId="{C5A9BC26-65B6-4D2F-9DD8-A9865A933A4F}" destId="{9F5A71F4-7BC1-4E0E-A724-72041860D69E}" srcOrd="4" destOrd="0" presId="urn:microsoft.com/office/officeart/2005/8/layout/pictureOrgChart+Icon"/>
+    <dgm:cxn modelId="{664B3FCE-571A-4C6F-892A-3041093D4959}" type="presOf" srcId="{A6953261-AA71-48FB-8A72-B76B9F90916F}" destId="{9F5A71F4-7BC1-4E0E-A724-72041860D69E}" srcOrd="0" destOrd="0" presId="urn:microsoft.com/office/officeart/2005/8/layout/pictureOrgChart+Icon"/>
+    <dgm:cxn modelId="{9EC2C70B-3024-4F7C-A7DD-B7303E22A104}" type="presParOf" srcId="{C5A9BC26-65B6-4D2F-9DD8-A9865A933A4F}" destId="{7FD7D915-E278-494D-BDD9-21BF02AD17F6}" srcOrd="5" destOrd="0" presId="urn:microsoft.com/office/officeart/2005/8/layout/pictureOrgChart+Icon"/>
+    <dgm:cxn modelId="{CD6B6AF0-B479-4C5B-A098-2076C147B1D5}" type="presParOf" srcId="{7FD7D915-E278-494D-BDD9-21BF02AD17F6}" destId="{BB47C5E7-69D8-4CA1-8D70-1791D292977F}" srcOrd="0" destOrd="0" presId="urn:microsoft.com/office/officeart/2005/8/layout/pictureOrgChart+Icon"/>
+    <dgm:cxn modelId="{DA9C5021-DEF8-48B9-BED3-69CCB82E57C6}" type="presParOf" srcId="{BB47C5E7-69D8-4CA1-8D70-1791D292977F}" destId="{85F66737-B009-4639-AD95-1BB870B6F8D3}" srcOrd="0" destOrd="0" presId="urn:microsoft.com/office/officeart/2005/8/layout/pictureOrgChart+Icon"/>
+    <dgm:cxn modelId="{A989CCFA-42A1-4B51-8B1D-B7A2EB3CD15D}" type="presOf" srcId="{9EABDB7C-1A0B-4793-8926-275E491B8558}" destId="{85F66737-B009-4639-AD95-1BB870B6F8D3}" srcOrd="0" destOrd="0" presId="urn:microsoft.com/office/officeart/2005/8/layout/pictureOrgChart+Icon"/>
+    <dgm:cxn modelId="{32891654-352B-4DA1-B6F7-54BF923BE855}" type="presParOf" srcId="{BB47C5E7-69D8-4CA1-8D70-1791D292977F}" destId="{4AC54B23-10BF-4C0B-862C-14B19BD700BE}" srcOrd="1" destOrd="0" presId="urn:microsoft.com/office/officeart/2005/8/layout/pictureOrgChart+Icon"/>
+    <dgm:cxn modelId="{0D32C146-590D-4EA8-8246-1579214C5362}" type="presParOf" srcId="{BB47C5E7-69D8-4CA1-8D70-1791D292977F}" destId="{46D2E0C9-EADC-48B3-9DC5-9BC93BAAFC2C}" srcOrd="2" destOrd="0" presId="urn:microsoft.com/office/officeart/2005/8/layout/pictureOrgChart+Icon"/>
+    <dgm:cxn modelId="{2EE6D64E-247A-4C17-BB4D-61D49428EE14}" type="presOf" srcId="{9EABDB7C-1A0B-4793-8926-275E491B8558}" destId="{46D2E0C9-EADC-48B3-9DC5-9BC93BAAFC2C}" srcOrd="1" destOrd="0" presId="urn:microsoft.com/office/officeart/2005/8/layout/pictureOrgChart+Icon"/>
+    <dgm:cxn modelId="{794EBBBE-A6B1-4AD9-A50E-3A164C532320}" type="presParOf" srcId="{7FD7D915-E278-494D-BDD9-21BF02AD17F6}" destId="{F39D8768-0E46-4DE7-878E-017704AC8E77}" srcOrd="1" destOrd="0" presId="urn:microsoft.com/office/officeart/2005/8/layout/pictureOrgChart+Icon"/>
+    <dgm:cxn modelId="{A62F8BAD-09E9-4034-AC1F-5D665C48F479}" type="presParOf" srcId="{7FD7D915-E278-494D-BDD9-21BF02AD17F6}" destId="{1C296C2D-1228-4C1B-9D75-22859B1EAD59}" srcOrd="2" destOrd="0" presId="urn:microsoft.com/office/officeart/2005/8/layout/pictureOrgChart+Icon"/>
+    <dgm:cxn modelId="{70BA68EB-8F81-4EF0-8783-B42BF7EFCF72}" type="presParOf" srcId="{579EAF8E-3979-4777-B373-FA98A0B40BD7}" destId="{5D2F09F0-C8D9-4714-9617-4075D67FB2F1}" srcOrd="2" destOrd="0" presId="urn:microsoft.com/office/officeart/2005/8/layout/pictureOrgChart+Icon"/>
+    <dgm:cxn modelId="{E36A94A8-73A4-41F1-AC1E-4DFAF12014D9}" type="presParOf" srcId="{5D2F09F0-C8D9-4714-9617-4075D67FB2F1}" destId="{A6008EA5-4CBF-44D3-AE90-9A797F22D452}" srcOrd="0" destOrd="0" presId="urn:microsoft.com/office/officeart/2005/8/layout/pictureOrgChart+Icon"/>
+    <dgm:cxn modelId="{C4A9AE86-238E-43B5-BCBB-18AA57DF6B80}" type="presOf" srcId="{58A0E634-FE90-42F0-B3ED-93573445F73D}" destId="{A6008EA5-4CBF-44D3-AE90-9A797F22D452}" srcOrd="0" destOrd="0" presId="urn:microsoft.com/office/officeart/2005/8/layout/pictureOrgChart+Icon"/>
+    <dgm:cxn modelId="{D1CDF63B-C994-4EC7-8062-571E31144D52}" type="presParOf" srcId="{5D2F09F0-C8D9-4714-9617-4075D67FB2F1}" destId="{B6A8C812-3D1E-4D64-88E5-9D5B0278E560}" srcOrd="1" destOrd="0" presId="urn:microsoft.com/office/officeart/2005/8/layout/pictureOrgChart+Icon"/>
+    <dgm:cxn modelId="{54F87F81-ECB0-46FF-91E3-3410CD002921}" type="presParOf" srcId="{B6A8C812-3D1E-4D64-88E5-9D5B0278E560}" destId="{5E590227-6CC0-4F07-997B-4B1743BF36BA}" srcOrd="0" destOrd="0" presId="urn:microsoft.com/office/officeart/2005/8/layout/pictureOrgChart+Icon"/>
+    <dgm:cxn modelId="{9762A820-5351-421C-B944-13888E4D7329}" type="presParOf" srcId="{5E590227-6CC0-4F07-997B-4B1743BF36BA}" destId="{E5A45E6F-3BB6-4782-889D-182F04D7E03F}" srcOrd="0" destOrd="0" presId="urn:microsoft.com/office/officeart/2005/8/layout/pictureOrgChart+Icon"/>
+    <dgm:cxn modelId="{D28FA142-3591-45B9-A581-EB83BBCFBAD5}" type="presOf" srcId="{90330D8C-9D93-4F0E-8FA8-CF60E19254C8}" destId="{E5A45E6F-3BB6-4782-889D-182F04D7E03F}" srcOrd="0" destOrd="0" presId="urn:microsoft.com/office/officeart/2005/8/layout/pictureOrgChart+Icon"/>
+    <dgm:cxn modelId="{15591049-FDC0-4B1B-B0B1-C75B8DCFA743}" type="presParOf" srcId="{5E590227-6CC0-4F07-997B-4B1743BF36BA}" destId="{7148F7C7-C56E-4DF3-AA1D-F382D0E07519}" srcOrd="1" destOrd="0" presId="urn:microsoft.com/office/officeart/2005/8/layout/pictureOrgChart+Icon"/>
+    <dgm:cxn modelId="{0F183272-CC35-4FE4-B900-DF349A1AE49A}" type="presParOf" srcId="{5E590227-6CC0-4F07-997B-4B1743BF36BA}" destId="{5CB0E5FC-FE5E-410D-A79A-942B9C03C3BC}" srcOrd="2" destOrd="0" presId="urn:microsoft.com/office/officeart/2005/8/layout/pictureOrgChart+Icon"/>
+    <dgm:cxn modelId="{B34CEE2A-619B-4F3B-BDAB-765900004E6E}" type="presOf" srcId="{90330D8C-9D93-4F0E-8FA8-CF60E19254C8}" destId="{5CB0E5FC-FE5E-410D-A79A-942B9C03C3BC}" srcOrd="1" destOrd="0" presId="urn:microsoft.com/office/officeart/2005/8/layout/pictureOrgChart+Icon"/>
+    <dgm:cxn modelId="{7B55F697-658A-4024-B2DF-DF1299DB1DC4}" type="presParOf" srcId="{B6A8C812-3D1E-4D64-88E5-9D5B0278E560}" destId="{79387A4E-BE3A-45B9-B57D-7F614942FAF6}" srcOrd="1" destOrd="0" presId="urn:microsoft.com/office/officeart/2005/8/layout/pictureOrgChart+Icon"/>
+    <dgm:cxn modelId="{570782E8-262C-4D18-9566-C446B83C50F6}" type="presParOf" srcId="{B6A8C812-3D1E-4D64-88E5-9D5B0278E560}" destId="{38C12649-4709-40C2-9B95-959E2CAE495C}" srcOrd="2" destOrd="0" presId="urn:microsoft.com/office/officeart/2005/8/layout/pictureOrgChart+Icon"/>
   </dgm:cxnLst>
   <dgm:bg/>
   <dgm:whole/>
@@ -1783,7 +1783,7 @@
 </file>
 
 <file path=ppt/diagrams/layout1.xml><?xml version="1.0" encoding="utf-8"?>
-<dgm:layoutDef xmlns:a="http://schemas.openxmlformats.org/drawingml/2006/main" xmlns:r="http://schemas.openxmlformats.org/officeDocument/2006/relationships" xmlns:dgm="http://schemas.openxmlformats.org/drawingml/2006/diagram" uniqueId="urn:microsoft.com/office/officeart/2005/8/layout/pictureOrgChart+Icon">
+<dgm:layoutDef xmlns:a="http://schemas.openxmlformats.org/drawingml/2006/main" xmlns:r="http://schemas.openxmlformats.org/officeDocument/2006/relationships" xmlns:m="http://schemas.openxmlformats.org/officeDocument/2006/math" xmlns:w="http://schemas.openxmlformats.org/wordprocessingml/2006/main" xmlns:wp="http://schemas.openxmlformats.org/drawingml/2006/wordprocessingDrawing" xmlns:a14="http://schemas.microsoft.com/office/drawing/2010/main" xmlns:dgm="http://schemas.openxmlformats.org/drawingml/2006/diagram" uniqueId="urn:microsoft.com/office/officeart/2005/8/layout/pictureOrgChart+Icon">
   <dgm:title val="Picture Organization Chart"/>
   <dgm:desc val="Use to show hierarchical information or reporting relationships in an organization, with corresponding pictures. The assistant shape and the Org Chart hanging layouts are available with this layout."/>
   <dgm:catLst>
@@ -4050,11 +4050,11 @@
 </file>
 
 <file path=ppt/slideLayouts/slideLayout1.xml><?xml version="1.0" encoding="utf-8"?>
-<p:sldLayout xmlns:a="http://schemas.openxmlformats.org/drawingml/2006/main" xmlns:r="http://schemas.openxmlformats.org/officeDocument/2006/relationships" xmlns:p14="http://schemas.microsoft.com/office/powerpoint/2010/main" xmlns:a14="http://schemas.microsoft.com/office/drawing/2010/main" xmlns:p15="http://schemas.microsoft.com/office/powerpoint/2012/main" xmlns:p159="http://schemas.microsoft.com/office/powerpoint/2015/09/main" xmlns:p="http://schemas.openxmlformats.org/presentationml/2006/main" type="title" preserve="1">
+<p:sldLayout xmlns:a="http://schemas.openxmlformats.org/drawingml/2006/main" xmlns:r="http://schemas.openxmlformats.org/officeDocument/2006/relationships" xmlns:m="http://schemas.openxmlformats.org/officeDocument/2006/math" xmlns:w="http://schemas.openxmlformats.org/wordprocessingml/2006/main" xmlns:wp="http://schemas.openxmlformats.org/drawingml/2006/wordprocessingDrawing" xmlns:a14="http://schemas.microsoft.com/office/drawing/2010/main" xmlns:mc="http://schemas.openxmlformats.org/markup-compatibility/2006" xmlns:p14="http://schemas.microsoft.com/office/powerpoint/2010/main" xmlns:p15="http://schemas.microsoft.com/office/powerpoint/2012/main" xmlns:p159="http://schemas.microsoft.com/office/powerpoint/2015/09/main" xmlns:p="http://schemas.openxmlformats.org/presentationml/2006/main" type="title" preserve="1">
   <p:cSld name="Title Slide">
     <p:spTree>
       <p:nvGrpSpPr>
-        <p:cNvPr id="1" name=""/>
+        <p:cNvPr id="1" name="" title=""/>
         <p:cNvGrpSpPr/>
         <p:nvPr/>
       </p:nvGrpSpPr>
@@ -4066,7 +4066,7 @@
       </p:grpSpPr>
       <p:sp>
         <p:nvSpPr>
-          <p:cNvPr id="2" name="Title 1"/>
+          <p:cNvPr id="2" name="Title 1" title=""/>
           <p:cNvSpPr>
             <a:spLocks noGrp="1"/>
           </p:cNvSpPr>
@@ -4089,7 +4089,7 @@
       </p:sp>
       <p:sp>
         <p:nvSpPr>
-          <p:cNvPr id="3" name="Subtitle 2"/>
+          <p:cNvPr id="3" name="Subtitle 2" title=""/>
           <p:cNvSpPr>
             <a:spLocks noGrp="1"/>
           </p:cNvSpPr>
@@ -4203,7 +4203,7 @@
       </p:sp>
       <p:sp>
         <p:nvSpPr>
-          <p:cNvPr id="4" name="Date Placeholder 3"/>
+          <p:cNvPr id="4" name="Date Placeholder 3" title=""/>
           <p:cNvSpPr>
             <a:spLocks noGrp="1"/>
           </p:cNvSpPr>
@@ -4216,7 +4216,7 @@
           <a:bodyPr/>
           <a:lstStyle/>
           <a:p>
-            <a:fld id="{22FBDA7B-9F90-4670-B0C7-A674A6CEA414}" type="datetimeFigureOut">
+            <a:fld id="{2FC4D743-C72F-4BAF-941C-43F66601A9EE}" type="datetimeFigureOut">
               <a:rPr lang="en-US" smtClean="0"/>
               <a:t>11/7/2009</a:t>
             </a:fld>
@@ -4226,7 +4226,7 @@
       </p:sp>
       <p:sp>
         <p:nvSpPr>
-          <p:cNvPr id="5" name="Footer Placeholder 4"/>
+          <p:cNvPr id="5" name="Footer Placeholder 4" title=""/>
           <p:cNvSpPr>
             <a:spLocks noGrp="1"/>
           </p:cNvSpPr>
@@ -4245,7 +4245,7 @@
       </p:sp>
       <p:sp>
         <p:nvSpPr>
-          <p:cNvPr id="6" name="Slide Number Placeholder 5"/>
+          <p:cNvPr id="6" name="Slide Number Placeholder 5" title=""/>
           <p:cNvSpPr>
             <a:spLocks noGrp="1"/>
           </p:cNvSpPr>
@@ -4277,11 +4277,11 @@
 </file>
 
 <file path=ppt/slideLayouts/slideLayout10.xml><?xml version="1.0" encoding="utf-8"?>
-<p:sldLayout xmlns:a="http://schemas.openxmlformats.org/drawingml/2006/main" xmlns:r="http://schemas.openxmlformats.org/officeDocument/2006/relationships" xmlns:p14="http://schemas.microsoft.com/office/powerpoint/2010/main" xmlns:a14="http://schemas.microsoft.com/office/drawing/2010/main" xmlns:p15="http://schemas.microsoft.com/office/powerpoint/2012/main" xmlns:p159="http://schemas.microsoft.com/office/powerpoint/2015/09/main" xmlns:p="http://schemas.openxmlformats.org/presentationml/2006/main" type="vertTx" preserve="1">
+<p:sldLayout xmlns:a="http://schemas.openxmlformats.org/drawingml/2006/main" xmlns:r="http://schemas.openxmlformats.org/officeDocument/2006/relationships" xmlns:m="http://schemas.openxmlformats.org/officeDocument/2006/math" xmlns:w="http://schemas.openxmlformats.org/wordprocessingml/2006/main" xmlns:wp="http://schemas.openxmlformats.org/drawingml/2006/wordprocessingDrawing" xmlns:a14="http://schemas.microsoft.com/office/drawing/2010/main" xmlns:mc="http://schemas.openxmlformats.org/markup-compatibility/2006" xmlns:p14="http://schemas.microsoft.com/office/powerpoint/2010/main" xmlns:p15="http://schemas.microsoft.com/office/powerpoint/2012/main" xmlns:p159="http://schemas.microsoft.com/office/powerpoint/2015/09/main" xmlns:p="http://schemas.openxmlformats.org/presentationml/2006/main" type="vertTx" preserve="1">
   <p:cSld name="Title and Vertical Text">
     <p:spTree>
       <p:nvGrpSpPr>
-        <p:cNvPr id="1" name=""/>
+        <p:cNvPr id="1" name="" title=""/>
         <p:cNvGrpSpPr/>
         <p:nvPr/>
       </p:nvGrpSpPr>
@@ -4293,7 +4293,7 @@
       </p:grpSpPr>
       <p:sp>
         <p:nvSpPr>
-          <p:cNvPr id="2" name="Title 1"/>
+          <p:cNvPr id="2" name="Title 1" title=""/>
           <p:cNvSpPr>
             <a:spLocks noGrp="1"/>
           </p:cNvSpPr>
@@ -4316,7 +4316,7 @@
       </p:sp>
       <p:sp>
         <p:nvSpPr>
-          <p:cNvPr id="3" name="Vertical Text Placeholder 2"/>
+          <p:cNvPr id="3" name="Vertical Text Placeholder 2" title=""/>
           <p:cNvSpPr>
             <a:spLocks noGrp="1"/>
           </p:cNvSpPr>
@@ -4367,7 +4367,7 @@
       </p:sp>
       <p:sp>
         <p:nvSpPr>
-          <p:cNvPr id="4" name="Date Placeholder 3"/>
+          <p:cNvPr id="4" name="Date Placeholder 3" title=""/>
           <p:cNvSpPr>
             <a:spLocks noGrp="1"/>
           </p:cNvSpPr>
@@ -4380,7 +4380,7 @@
           <a:bodyPr/>
           <a:lstStyle/>
           <a:p>
-            <a:fld id="{E70F7ACE-F1C3-4297-9413-11C7475E52B4}" type="datetimeFigureOut">
+            <a:fld id="{89B1E47C-70A2-49C5-9050-515F1C69ACDE}" type="datetimeFigureOut">
               <a:rPr lang="en-US" smtClean="0"/>
               <a:t>11/7/2009</a:t>
             </a:fld>
@@ -4390,7 +4390,7 @@
       </p:sp>
       <p:sp>
         <p:nvSpPr>
-          <p:cNvPr id="5" name="Footer Placeholder 4"/>
+          <p:cNvPr id="5" name="Footer Placeholder 4" title=""/>
           <p:cNvSpPr>
             <a:spLocks noGrp="1"/>
           </p:cNvSpPr>
@@ -4409,7 +4409,7 @@
       </p:sp>
       <p:sp>
         <p:nvSpPr>
-          <p:cNvPr id="6" name="Slide Number Placeholder 5"/>
+          <p:cNvPr id="6" name="Slide Number Placeholder 5" title=""/>
           <p:cNvSpPr>
             <a:spLocks noGrp="1"/>
           </p:cNvSpPr>
@@ -4441,11 +4441,11 @@
 </file>
 
 <file path=ppt/slideLayouts/slideLayout11.xml><?xml version="1.0" encoding="utf-8"?>
-<p:sldLayout xmlns:a="http://schemas.openxmlformats.org/drawingml/2006/main" xmlns:r="http://schemas.openxmlformats.org/officeDocument/2006/relationships" xmlns:p14="http://schemas.microsoft.com/office/powerpoint/2010/main" xmlns:a14="http://schemas.microsoft.com/office/drawing/2010/main" xmlns:p15="http://schemas.microsoft.com/office/powerpoint/2012/main" xmlns:p159="http://schemas.microsoft.com/office/powerpoint/2015/09/main" xmlns:p="http://schemas.openxmlformats.org/presentationml/2006/main" type="vertTitleAndTx" preserve="1">
+<p:sldLayout xmlns:a="http://schemas.openxmlformats.org/drawingml/2006/main" xmlns:r="http://schemas.openxmlformats.org/officeDocument/2006/relationships" xmlns:m="http://schemas.openxmlformats.org/officeDocument/2006/math" xmlns:w="http://schemas.openxmlformats.org/wordprocessingml/2006/main" xmlns:wp="http://schemas.openxmlformats.org/drawingml/2006/wordprocessingDrawing" xmlns:a14="http://schemas.microsoft.com/office/drawing/2010/main" xmlns:mc="http://schemas.openxmlformats.org/markup-compatibility/2006" xmlns:p14="http://schemas.microsoft.com/office/powerpoint/2010/main" xmlns:p15="http://schemas.microsoft.com/office/powerpoint/2012/main" xmlns:p159="http://schemas.microsoft.com/office/powerpoint/2015/09/main" xmlns:p="http://schemas.openxmlformats.org/presentationml/2006/main" type="vertTitleAndTx" preserve="1">
   <p:cSld name="Vertical Title and Text">
     <p:spTree>
       <p:nvGrpSpPr>
-        <p:cNvPr id="1" name=""/>
+        <p:cNvPr id="1" name="" title=""/>
         <p:cNvGrpSpPr/>
         <p:nvPr/>
       </p:nvGrpSpPr>
@@ -4457,7 +4457,7 @@
       </p:grpSpPr>
       <p:sp>
         <p:nvSpPr>
-          <p:cNvPr id="2" name="Vertical Title 1"/>
+          <p:cNvPr id="2" name="Vertical Title 1" title=""/>
           <p:cNvSpPr>
             <a:spLocks noGrp="1"/>
           </p:cNvSpPr>
@@ -4480,7 +4480,7 @@
       </p:sp>
       <p:sp>
         <p:nvSpPr>
-          <p:cNvPr id="3" name="Vertical Text Placeholder 2"/>
+          <p:cNvPr id="3" name="Vertical Text Placeholder 2" title=""/>
           <p:cNvSpPr>
             <a:spLocks noGrp="1"/>
           </p:cNvSpPr>
@@ -4531,7 +4531,7 @@
       </p:sp>
       <p:sp>
         <p:nvSpPr>
-          <p:cNvPr id="4" name="Date Placeholder 3"/>
+          <p:cNvPr id="4" name="Date Placeholder 3" title=""/>
           <p:cNvSpPr>
             <a:spLocks noGrp="1"/>
           </p:cNvSpPr>
@@ -4544,7 +4544,7 @@
           <a:bodyPr/>
           <a:lstStyle/>
           <a:p>
-            <a:fld id="{6E39384F-6045-4179-BB75-0E2CFC1F3E6A}" type="datetimeFigureOut">
+            <a:fld id="{BEA439A9-B4C1-4DDE-BC64-5F302AFFD9B2}" type="datetimeFigureOut">
               <a:rPr lang="en-US" smtClean="0"/>
               <a:t>11/7/2009</a:t>
             </a:fld>
@@ -4554,7 +4554,7 @@
       </p:sp>
       <p:sp>
         <p:nvSpPr>
-          <p:cNvPr id="5" name="Footer Placeholder 4"/>
+          <p:cNvPr id="5" name="Footer Placeholder 4" title=""/>
           <p:cNvSpPr>
             <a:spLocks noGrp="1"/>
           </p:cNvSpPr>
@@ -4573,7 +4573,7 @@
       </p:sp>
       <p:sp>
         <p:nvSpPr>
-          <p:cNvPr id="6" name="Slide Number Placeholder 5"/>
+          <p:cNvPr id="6" name="Slide Number Placeholder 5" title=""/>
           <p:cNvSpPr>
             <a:spLocks noGrp="1"/>
           </p:cNvSpPr>
@@ -4605,11 +4605,11 @@
 </file>
 
 <file path=ppt/slideLayouts/slideLayout2.xml><?xml version="1.0" encoding="utf-8"?>
-<p:sldLayout xmlns:a="http://schemas.openxmlformats.org/drawingml/2006/main" xmlns:r="http://schemas.openxmlformats.org/officeDocument/2006/relationships" xmlns:p14="http://schemas.microsoft.com/office/powerpoint/2010/main" xmlns:a14="http://schemas.microsoft.com/office/drawing/2010/main" xmlns:p15="http://schemas.microsoft.com/office/powerpoint/2012/main" xmlns:p159="http://schemas.microsoft.com/office/powerpoint/2015/09/main" xmlns:p="http://schemas.openxmlformats.org/presentationml/2006/main" type="obj" preserve="1">
+<p:sldLayout xmlns:a="http://schemas.openxmlformats.org/drawingml/2006/main" xmlns:r="http://schemas.openxmlformats.org/officeDocument/2006/relationships" xmlns:m="http://schemas.openxmlformats.org/officeDocument/2006/math" xmlns:w="http://schemas.openxmlformats.org/wordprocessingml/2006/main" xmlns:wp="http://schemas.openxmlformats.org/drawingml/2006/wordprocessingDrawing" xmlns:a14="http://schemas.microsoft.com/office/drawing/2010/main" xmlns:mc="http://schemas.openxmlformats.org/markup-compatibility/2006" xmlns:p14="http://schemas.microsoft.com/office/powerpoint/2010/main" xmlns:p15="http://schemas.microsoft.com/office/powerpoint/2012/main" xmlns:p159="http://schemas.microsoft.com/office/powerpoint/2015/09/main" xmlns:p="http://schemas.openxmlformats.org/presentationml/2006/main" type="obj" preserve="1">
   <p:cSld name="Title and Content">
     <p:spTree>
       <p:nvGrpSpPr>
-        <p:cNvPr id="1" name=""/>
+        <p:cNvPr id="1" name="" title=""/>
         <p:cNvGrpSpPr/>
         <p:nvPr/>
       </p:nvGrpSpPr>
@@ -4621,7 +4621,7 @@
       </p:grpSpPr>
       <p:sp>
         <p:nvSpPr>
-          <p:cNvPr id="2" name="Title 1"/>
+          <p:cNvPr id="2" name="Title 1" title=""/>
           <p:cNvSpPr>
             <a:spLocks noGrp="1"/>
           </p:cNvSpPr>
@@ -4644,7 +4644,7 @@
       </p:sp>
       <p:sp>
         <p:nvSpPr>
-          <p:cNvPr id="3" name="Content Placeholder 2"/>
+          <p:cNvPr id="3" name="Content Placeholder 2" title=""/>
           <p:cNvSpPr>
             <a:spLocks noGrp="1"/>
           </p:cNvSpPr>
@@ -4695,7 +4695,7 @@
       </p:sp>
       <p:sp>
         <p:nvSpPr>
-          <p:cNvPr id="4" name="Date Placeholder 3"/>
+          <p:cNvPr id="4" name="Date Placeholder 3" title=""/>
           <p:cNvSpPr>
             <a:spLocks noGrp="1"/>
           </p:cNvSpPr>
@@ -4708,7 +4708,7 @@
           <a:bodyPr/>
           <a:lstStyle/>
           <a:p>
-            <a:fld id="{DFEF080F-D431-45A6-A115-D79A02DC51BE}" type="datetimeFigureOut">
+            <a:fld id="{DBB1946A-B641-4371-ACD5-879D5DBBC850}" type="datetimeFigureOut">
               <a:rPr lang="en-US" smtClean="0"/>
               <a:t>11/7/2009</a:t>
             </a:fld>
@@ -4718,7 +4718,7 @@
       </p:sp>
       <p:sp>
         <p:nvSpPr>
-          <p:cNvPr id="5" name="Footer Placeholder 4"/>
+          <p:cNvPr id="5" name="Footer Placeholder 4" title=""/>
           <p:cNvSpPr>
             <a:spLocks noGrp="1"/>
           </p:cNvSpPr>
@@ -4737,7 +4737,7 @@
       </p:sp>
       <p:sp>
         <p:nvSpPr>
-          <p:cNvPr id="6" name="Slide Number Placeholder 5"/>
+          <p:cNvPr id="6" name="Slide Number Placeholder 5" title=""/>
           <p:cNvSpPr>
             <a:spLocks noGrp="1"/>
           </p:cNvSpPr>
@@ -4769,11 +4769,11 @@
 </file>
 
 <file path=ppt/slideLayouts/slideLayout3.xml><?xml version="1.0" encoding="utf-8"?>
-<p:sldLayout xmlns:a="http://schemas.openxmlformats.org/drawingml/2006/main" xmlns:r="http://schemas.openxmlformats.org/officeDocument/2006/relationships" xmlns:p14="http://schemas.microsoft.com/office/powerpoint/2010/main" xmlns:a14="http://schemas.microsoft.com/office/drawing/2010/main" xmlns:p15="http://schemas.microsoft.com/office/powerpoint/2012/main" xmlns:p159="http://schemas.microsoft.com/office/powerpoint/2015/09/main" xmlns:p="http://schemas.openxmlformats.org/presentationml/2006/main" type="secHead" preserve="1">
+<p:sldLayout xmlns:a="http://schemas.openxmlformats.org/drawingml/2006/main" xmlns:r="http://schemas.openxmlformats.org/officeDocument/2006/relationships" xmlns:m="http://schemas.openxmlformats.org/officeDocument/2006/math" xmlns:w="http://schemas.openxmlformats.org/wordprocessingml/2006/main" xmlns:wp="http://schemas.openxmlformats.org/drawingml/2006/wordprocessingDrawing" xmlns:a14="http://schemas.microsoft.com/office/drawing/2010/main" xmlns:mc="http://schemas.openxmlformats.org/markup-compatibility/2006" xmlns:p14="http://schemas.microsoft.com/office/powerpoint/2010/main" xmlns:p15="http://schemas.microsoft.com/office/powerpoint/2012/main" xmlns:p159="http://schemas.microsoft.com/office/powerpoint/2015/09/main" xmlns:p="http://schemas.openxmlformats.org/presentationml/2006/main" type="secHead" preserve="1">
   <p:cSld name="Section Header">
     <p:spTree>
       <p:nvGrpSpPr>
-        <p:cNvPr id="1" name=""/>
+        <p:cNvPr id="1" name="" title=""/>
         <p:cNvGrpSpPr/>
         <p:nvPr/>
       </p:nvGrpSpPr>
@@ -4785,7 +4785,7 @@
       </p:grpSpPr>
       <p:sp>
         <p:nvSpPr>
-          <p:cNvPr id="2" name="Title 1"/>
+          <p:cNvPr id="2" name="Title 1" title=""/>
           <p:cNvSpPr>
             <a:spLocks noGrp="1"/>
           </p:cNvSpPr>
@@ -4812,7 +4812,7 @@
       </p:sp>
       <p:sp>
         <p:nvSpPr>
-          <p:cNvPr id="3" name="Text Placeholder 2"/>
+          <p:cNvPr id="3" name="Text Placeholder 2" title=""/>
           <p:cNvSpPr>
             <a:spLocks noGrp="1"/>
           </p:cNvSpPr>
@@ -4925,7 +4925,7 @@
       </p:sp>
       <p:sp>
         <p:nvSpPr>
-          <p:cNvPr id="4" name="Date Placeholder 3"/>
+          <p:cNvPr id="4" name="Date Placeholder 3" title=""/>
           <p:cNvSpPr>
             <a:spLocks noGrp="1"/>
           </p:cNvSpPr>
@@ -4938,7 +4938,7 @@
           <a:bodyPr/>
           <a:lstStyle/>
           <a:p>
-            <a:fld id="{291B4308-D9F2-46DA-86A6-263820591D78}" type="datetimeFigureOut">
+            <a:fld id="{FEC7D9FE-0171-4246-9A8B-193094A74508}" type="datetimeFigureOut">
               <a:rPr lang="en-US" smtClean="0"/>
               <a:t>11/7/2009</a:t>
             </a:fld>
@@ -4948,7 +4948,7 @@
       </p:sp>
       <p:sp>
         <p:nvSpPr>
-          <p:cNvPr id="5" name="Footer Placeholder 4"/>
+          <p:cNvPr id="5" name="Footer Placeholder 4" title=""/>
           <p:cNvSpPr>
             <a:spLocks noGrp="1"/>
           </p:cNvSpPr>
@@ -4967,7 +4967,7 @@
       </p:sp>
       <p:sp>
         <p:nvSpPr>
-          <p:cNvPr id="6" name="Slide Number Placeholder 5"/>
+          <p:cNvPr id="6" name="Slide Number Placeholder 5" title=""/>
           <p:cNvSpPr>
             <a:spLocks noGrp="1"/>
           </p:cNvSpPr>
@@ -4999,11 +4999,11 @@
 </file>
 
 <file path=ppt/slideLayouts/slideLayout4.xml><?xml version="1.0" encoding="utf-8"?>
-<p:sldLayout xmlns:a="http://schemas.openxmlformats.org/drawingml/2006/main" xmlns:r="http://schemas.openxmlformats.org/officeDocument/2006/relationships" xmlns:p14="http://schemas.microsoft.com/office/powerpoint/2010/main" xmlns:a14="http://schemas.microsoft.com/office/drawing/2010/main" xmlns:p15="http://schemas.microsoft.com/office/powerpoint/2012/main" xmlns:p159="http://schemas.microsoft.com/office/powerpoint/2015/09/main" xmlns:p="http://schemas.openxmlformats.org/presentationml/2006/main" type="twoObj" preserve="1">
+<p:sldLayout xmlns:a="http://schemas.openxmlformats.org/drawingml/2006/main" xmlns:r="http://schemas.openxmlformats.org/officeDocument/2006/relationships" xmlns:m="http://schemas.openxmlformats.org/officeDocument/2006/math" xmlns:w="http://schemas.openxmlformats.org/wordprocessingml/2006/main" xmlns:wp="http://schemas.openxmlformats.org/drawingml/2006/wordprocessingDrawing" xmlns:a14="http://schemas.microsoft.com/office/drawing/2010/main" xmlns:mc="http://schemas.openxmlformats.org/markup-compatibility/2006" xmlns:p14="http://schemas.microsoft.com/office/powerpoint/2010/main" xmlns:p15="http://schemas.microsoft.com/office/powerpoint/2012/main" xmlns:p159="http://schemas.microsoft.com/office/powerpoint/2015/09/main" xmlns:p="http://schemas.openxmlformats.org/presentationml/2006/main" type="twoObj" preserve="1">
   <p:cSld name="Two Content">
     <p:spTree>
       <p:nvGrpSpPr>
-        <p:cNvPr id="1" name=""/>
+        <p:cNvPr id="1" name="" title=""/>
         <p:cNvGrpSpPr/>
         <p:nvPr/>
       </p:nvGrpSpPr>
@@ -5015,7 +5015,7 @@
       </p:grpSpPr>
       <p:sp>
         <p:nvSpPr>
-          <p:cNvPr id="2" name="Title 1"/>
+          <p:cNvPr id="2" name="Title 1" title=""/>
           <p:cNvSpPr>
             <a:spLocks noGrp="1"/>
           </p:cNvSpPr>
@@ -5038,7 +5038,7 @@
       </p:sp>
       <p:sp>
         <p:nvSpPr>
-          <p:cNvPr id="3" name="Content Placeholder 2"/>
+          <p:cNvPr id="3" name="Content Placeholder 2" title=""/>
           <p:cNvSpPr>
             <a:spLocks noGrp="1"/>
           </p:cNvSpPr>
@@ -5117,7 +5117,7 @@
       </p:sp>
       <p:sp>
         <p:nvSpPr>
-          <p:cNvPr id="4" name="Content Placeholder 3"/>
+          <p:cNvPr id="4" name="Content Placeholder 3" title=""/>
           <p:cNvSpPr>
             <a:spLocks noGrp="1"/>
           </p:cNvSpPr>
@@ -5196,7 +5196,7 @@
       </p:sp>
       <p:sp>
         <p:nvSpPr>
-          <p:cNvPr id="5" name="Date Placeholder 4"/>
+          <p:cNvPr id="5" name="Date Placeholder 4" title=""/>
           <p:cNvSpPr>
             <a:spLocks noGrp="1"/>
           </p:cNvSpPr>
@@ -5209,7 +5209,7 @@
           <a:bodyPr/>
           <a:lstStyle/>
           <a:p>
-            <a:fld id="{66BDDC9A-1E76-483E-8361-54C8B02C270A}" type="datetimeFigureOut">
+            <a:fld id="{826908DD-7ECB-4B33-9428-1A0672EC3476}" type="datetimeFigureOut">
               <a:rPr lang="en-US" smtClean="0"/>
               <a:t>11/7/2009</a:t>
             </a:fld>
@@ -5219,7 +5219,7 @@
       </p:sp>
       <p:sp>
         <p:nvSpPr>
-          <p:cNvPr id="6" name="Footer Placeholder 5"/>
+          <p:cNvPr id="6" name="Footer Placeholder 5" title=""/>
           <p:cNvSpPr>
             <a:spLocks noGrp="1"/>
           </p:cNvSpPr>
@@ -5238,7 +5238,7 @@
       </p:sp>
       <p:sp>
         <p:nvSpPr>
-          <p:cNvPr id="7" name="Slide Number Placeholder 6"/>
+          <p:cNvPr id="7" name="Slide Number Placeholder 6" title=""/>
           <p:cNvSpPr>
             <a:spLocks noGrp="1"/>
           </p:cNvSpPr>
@@ -5270,11 +5270,11 @@
 </file>
 
 <file path=ppt/slideLayouts/slideLayout5.xml><?xml version="1.0" encoding="utf-8"?>
-<p:sldLayout xmlns:a="http://schemas.openxmlformats.org/drawingml/2006/main" xmlns:r="http://schemas.openxmlformats.org/officeDocument/2006/relationships" xmlns:p14="http://schemas.microsoft.com/office/powerpoint/2010/main" xmlns:a14="http://schemas.microsoft.com/office/drawing/2010/main" xmlns:p15="http://schemas.microsoft.com/office/powerpoint/2012/main" xmlns:p159="http://schemas.microsoft.com/office/powerpoint/2015/09/main" xmlns:p="http://schemas.openxmlformats.org/presentationml/2006/main" type="twoTxTwoObj" preserve="1">
+<p:sldLayout xmlns:a="http://schemas.openxmlformats.org/drawingml/2006/main" xmlns:r="http://schemas.openxmlformats.org/officeDocument/2006/relationships" xmlns:m="http://schemas.openxmlformats.org/officeDocument/2006/math" xmlns:w="http://schemas.openxmlformats.org/wordprocessingml/2006/main" xmlns:wp="http://schemas.openxmlformats.org/drawingml/2006/wordprocessingDrawing" xmlns:a14="http://schemas.microsoft.com/office/drawing/2010/main" xmlns:mc="http://schemas.openxmlformats.org/markup-compatibility/2006" xmlns:p14="http://schemas.microsoft.com/office/powerpoint/2010/main" xmlns:p15="http://schemas.microsoft.com/office/powerpoint/2012/main" xmlns:p159="http://schemas.microsoft.com/office/powerpoint/2015/09/main" xmlns:p="http://schemas.openxmlformats.org/presentationml/2006/main" type="twoTxTwoObj" preserve="1">
   <p:cSld name="Comparison">
     <p:spTree>
       <p:nvGrpSpPr>
-        <p:cNvPr id="1" name=""/>
+        <p:cNvPr id="1" name="" title=""/>
         <p:cNvGrpSpPr/>
         <p:nvPr/>
       </p:nvGrpSpPr>
@@ -5286,7 +5286,7 @@
       </p:grpSpPr>
       <p:sp>
         <p:nvSpPr>
-          <p:cNvPr id="2" name="Title 1"/>
+          <p:cNvPr id="2" name="Title 1" title=""/>
           <p:cNvSpPr>
             <a:spLocks noGrp="1"/>
           </p:cNvSpPr>
@@ -5309,7 +5309,7 @@
       </p:sp>
       <p:sp>
         <p:nvSpPr>
-          <p:cNvPr id="3" name="Text Placeholder 2"/>
+          <p:cNvPr id="3" name="Text Placeholder 2" title=""/>
           <p:cNvSpPr>
             <a:spLocks noGrp="1"/>
           </p:cNvSpPr>
@@ -5368,7 +5368,7 @@
       </p:sp>
       <p:sp>
         <p:nvSpPr>
-          <p:cNvPr id="4" name="Content Placeholder 3"/>
+          <p:cNvPr id="4" name="Content Placeholder 3" title=""/>
           <p:cNvSpPr>
             <a:spLocks noGrp="1"/>
           </p:cNvSpPr>
@@ -5447,7 +5447,7 @@
       </p:sp>
       <p:sp>
         <p:nvSpPr>
-          <p:cNvPr id="5" name="Text Placeholder 4"/>
+          <p:cNvPr id="5" name="Text Placeholder 4" title=""/>
           <p:cNvSpPr>
             <a:spLocks noGrp="1"/>
           </p:cNvSpPr>
@@ -5506,7 +5506,7 @@
       </p:sp>
       <p:sp>
         <p:nvSpPr>
-          <p:cNvPr id="6" name="Content Placeholder 5"/>
+          <p:cNvPr id="6" name="Content Placeholder 5" title=""/>
           <p:cNvSpPr>
             <a:spLocks noGrp="1"/>
           </p:cNvSpPr>
@@ -5585,7 +5585,7 @@
       </p:sp>
       <p:sp>
         <p:nvSpPr>
-          <p:cNvPr id="7" name="Date Placeholder 6"/>
+          <p:cNvPr id="7" name="Date Placeholder 6" title=""/>
           <p:cNvSpPr>
             <a:spLocks noGrp="1"/>
           </p:cNvSpPr>
@@ -5598,7 +5598,7 @@
           <a:bodyPr/>
           <a:lstStyle/>
           <a:p>
-            <a:fld id="{8B389091-5A81-4A6E-89FD-3DDBEBDF07CF}" type="datetimeFigureOut">
+            <a:fld id="{06E9C56E-465F-43D5-B10E-016D1E5F493F}" type="datetimeFigureOut">
               <a:rPr lang="en-US" smtClean="0"/>
               <a:t>11/7/2009</a:t>
             </a:fld>
@@ -5608,7 +5608,7 @@
       </p:sp>
       <p:sp>
         <p:nvSpPr>
-          <p:cNvPr id="8" name="Footer Placeholder 7"/>
+          <p:cNvPr id="8" name="Footer Placeholder 7" title=""/>
           <p:cNvSpPr>
             <a:spLocks noGrp="1"/>
           </p:cNvSpPr>
@@ -5627,7 +5627,7 @@
       </p:sp>
       <p:sp>
         <p:nvSpPr>
-          <p:cNvPr id="9" name="Slide Number Placeholder 8"/>
+          <p:cNvPr id="9" name="Slide Number Placeholder 8" title=""/>
           <p:cNvSpPr>
             <a:spLocks noGrp="1"/>
           </p:cNvSpPr>
@@ -5659,11 +5659,11 @@
 </file>
 
 <file path=ppt/slideLayouts/slideLayout6.xml><?xml version="1.0" encoding="utf-8"?>
-<p:sldLayout xmlns:a="http://schemas.openxmlformats.org/drawingml/2006/main" xmlns:r="http://schemas.openxmlformats.org/officeDocument/2006/relationships" xmlns:p14="http://schemas.microsoft.com/office/powerpoint/2010/main" xmlns:a14="http://schemas.microsoft.com/office/drawing/2010/main" xmlns:p15="http://schemas.microsoft.com/office/powerpoint/2012/main" xmlns:p159="http://schemas.microsoft.com/office/powerpoint/2015/09/main" xmlns:p="http://schemas.openxmlformats.org/presentationml/2006/main" type="titleOnly" preserve="1">
+<p:sldLayout xmlns:a="http://schemas.openxmlformats.org/drawingml/2006/main" xmlns:r="http://schemas.openxmlformats.org/officeDocument/2006/relationships" xmlns:m="http://schemas.openxmlformats.org/officeDocument/2006/math" xmlns:w="http://schemas.openxmlformats.org/wordprocessingml/2006/main" xmlns:wp="http://schemas.openxmlformats.org/drawingml/2006/wordprocessingDrawing" xmlns:a14="http://schemas.microsoft.com/office/drawing/2010/main" xmlns:mc="http://schemas.openxmlformats.org/markup-compatibility/2006" xmlns:p14="http://schemas.microsoft.com/office/powerpoint/2010/main" xmlns:p15="http://schemas.microsoft.com/office/powerpoint/2012/main" xmlns:p159="http://schemas.microsoft.com/office/powerpoint/2015/09/main" xmlns:p="http://schemas.openxmlformats.org/presentationml/2006/main" type="titleOnly" preserve="1">
   <p:cSld name="Title Only">
     <p:spTree>
       <p:nvGrpSpPr>
-        <p:cNvPr id="1" name=""/>
+        <p:cNvPr id="1" name="" title=""/>
         <p:cNvGrpSpPr/>
         <p:nvPr/>
       </p:nvGrpSpPr>
@@ -5675,7 +5675,7 @@
       </p:grpSpPr>
       <p:sp>
         <p:nvSpPr>
-          <p:cNvPr id="2" name="Title 1"/>
+          <p:cNvPr id="2" name="Title 1" title=""/>
           <p:cNvSpPr>
             <a:spLocks noGrp="1"/>
           </p:cNvSpPr>
@@ -5698,7 +5698,7 @@
       </p:sp>
       <p:sp>
         <p:nvSpPr>
-          <p:cNvPr id="3" name="Date Placeholder 2"/>
+          <p:cNvPr id="3" name="Date Placeholder 2" title=""/>
           <p:cNvSpPr>
             <a:spLocks noGrp="1"/>
           </p:cNvSpPr>
@@ -5711,7 +5711,7 @@
           <a:bodyPr/>
           <a:lstStyle/>
           <a:p>
-            <a:fld id="{CD8597EB-5E90-4DCF-87D5-DEC137AD1631}" type="datetimeFigureOut">
+            <a:fld id="{984736E6-A193-4CC9-9203-C69B20921A60}" type="datetimeFigureOut">
               <a:rPr lang="en-US" smtClean="0"/>
               <a:t>11/7/2009</a:t>
             </a:fld>
@@ -5721,7 +5721,7 @@
       </p:sp>
       <p:sp>
         <p:nvSpPr>
-          <p:cNvPr id="4" name="Footer Placeholder 3"/>
+          <p:cNvPr id="4" name="Footer Placeholder 3" title=""/>
           <p:cNvSpPr>
             <a:spLocks noGrp="1"/>
           </p:cNvSpPr>
@@ -5740,7 +5740,7 @@
       </p:sp>
       <p:sp>
         <p:nvSpPr>
-          <p:cNvPr id="5" name="Slide Number Placeholder 4"/>
+          <p:cNvPr id="5" name="Slide Number Placeholder 4" title=""/>
           <p:cNvSpPr>
             <a:spLocks noGrp="1"/>
           </p:cNvSpPr>
@@ -5772,11 +5772,11 @@
 </file>
 
 <file path=ppt/slideLayouts/slideLayout7.xml><?xml version="1.0" encoding="utf-8"?>
-<p:sldLayout xmlns:a="http://schemas.openxmlformats.org/drawingml/2006/main" xmlns:r="http://schemas.openxmlformats.org/officeDocument/2006/relationships" xmlns:p14="http://schemas.microsoft.com/office/powerpoint/2010/main" xmlns:a14="http://schemas.microsoft.com/office/drawing/2010/main" xmlns:p15="http://schemas.microsoft.com/office/powerpoint/2012/main" xmlns:p159="http://schemas.microsoft.com/office/powerpoint/2015/09/main" xmlns:p="http://schemas.openxmlformats.org/presentationml/2006/main" type="blank" preserve="1">
+<p:sldLayout xmlns:a="http://schemas.openxmlformats.org/drawingml/2006/main" xmlns:r="http://schemas.openxmlformats.org/officeDocument/2006/relationships" xmlns:m="http://schemas.openxmlformats.org/officeDocument/2006/math" xmlns:w="http://schemas.openxmlformats.org/wordprocessingml/2006/main" xmlns:wp="http://schemas.openxmlformats.org/drawingml/2006/wordprocessingDrawing" xmlns:a14="http://schemas.microsoft.com/office/drawing/2010/main" xmlns:mc="http://schemas.openxmlformats.org/markup-compatibility/2006" xmlns:p14="http://schemas.microsoft.com/office/powerpoint/2010/main" xmlns:p15="http://schemas.microsoft.com/office/powerpoint/2012/main" xmlns:p159="http://schemas.microsoft.com/office/powerpoint/2015/09/main" xmlns:p="http://schemas.openxmlformats.org/presentationml/2006/main" type="blank" preserve="1">
   <p:cSld name="Blank">
     <p:spTree>
       <p:nvGrpSpPr>
-        <p:cNvPr id="1" name=""/>
+        <p:cNvPr id="1" name="" title=""/>
         <p:cNvGrpSpPr/>
         <p:nvPr/>
       </p:nvGrpSpPr>
@@ -5788,7 +5788,7 @@
       </p:grpSpPr>
       <p:sp>
         <p:nvSpPr>
-          <p:cNvPr id="2" name="Date Placeholder 1"/>
+          <p:cNvPr id="2" name="Date Placeholder 1" title=""/>
           <p:cNvSpPr>
             <a:spLocks noGrp="1"/>
           </p:cNvSpPr>
@@ -5801,7 +5801,7 @@
           <a:bodyPr/>
           <a:lstStyle/>
           <a:p>
-            <a:fld id="{6AC9627B-8538-45D0-AFF7-42E30E60A378}" type="datetimeFigureOut">
+            <a:fld id="{594BBED6-7D69-46E9-A2B9-A65C718A0E89}" type="datetimeFigureOut">
               <a:rPr lang="en-US" smtClean="0"/>
               <a:t>11/7/2009</a:t>
             </a:fld>
@@ -5811,7 +5811,7 @@
       </p:sp>
       <p:sp>
         <p:nvSpPr>
-          <p:cNvPr id="3" name="Footer Placeholder 2"/>
+          <p:cNvPr id="3" name="Footer Placeholder 2" title=""/>
           <p:cNvSpPr>
             <a:spLocks noGrp="1"/>
           </p:cNvSpPr>
@@ -5830,7 +5830,7 @@
       </p:sp>
       <p:sp>
         <p:nvSpPr>
-          <p:cNvPr id="4" name="Slide Number Placeholder 3"/>
+          <p:cNvPr id="4" name="Slide Number Placeholder 3" title=""/>
           <p:cNvSpPr>
             <a:spLocks noGrp="1"/>
           </p:cNvSpPr>
@@ -5862,11 +5862,11 @@
 </file>
 
 <file path=ppt/slideLayouts/slideLayout8.xml><?xml version="1.0" encoding="utf-8"?>
-<p:sldLayout xmlns:a="http://schemas.openxmlformats.org/drawingml/2006/main" xmlns:r="http://schemas.openxmlformats.org/officeDocument/2006/relationships" xmlns:p14="http://schemas.microsoft.com/office/powerpoint/2010/main" xmlns:a14="http://schemas.microsoft.com/office/drawing/2010/main" xmlns:p15="http://schemas.microsoft.com/office/powerpoint/2012/main" xmlns:p159="http://schemas.microsoft.com/office/powerpoint/2015/09/main" xmlns:p="http://schemas.openxmlformats.org/presentationml/2006/main" type="objTx" preserve="1">
+<p:sldLayout xmlns:a="http://schemas.openxmlformats.org/drawingml/2006/main" xmlns:r="http://schemas.openxmlformats.org/officeDocument/2006/relationships" xmlns:m="http://schemas.openxmlformats.org/officeDocument/2006/math" xmlns:w="http://schemas.openxmlformats.org/wordprocessingml/2006/main" xmlns:wp="http://schemas.openxmlformats.org/drawingml/2006/wordprocessingDrawing" xmlns:a14="http://schemas.microsoft.com/office/drawing/2010/main" xmlns:mc="http://schemas.openxmlformats.org/markup-compatibility/2006" xmlns:p14="http://schemas.microsoft.com/office/powerpoint/2010/main" xmlns:p15="http://schemas.microsoft.com/office/powerpoint/2012/main" xmlns:p159="http://schemas.microsoft.com/office/powerpoint/2015/09/main" xmlns:p="http://schemas.openxmlformats.org/presentationml/2006/main" type="objTx" preserve="1">
   <p:cSld name="Content with Caption">
     <p:spTree>
       <p:nvGrpSpPr>
-        <p:cNvPr id="1" name=""/>
+        <p:cNvPr id="1" name="" title=""/>
         <p:cNvGrpSpPr/>
         <p:nvPr/>
       </p:nvGrpSpPr>
@@ -5878,7 +5878,7 @@
       </p:grpSpPr>
       <p:sp>
         <p:nvSpPr>
-          <p:cNvPr id="2" name="Title 1"/>
+          <p:cNvPr id="2" name="Title 1" title=""/>
           <p:cNvSpPr>
             <a:spLocks noGrp="1"/>
           </p:cNvSpPr>
@@ -5905,7 +5905,7 @@
       </p:sp>
       <p:sp>
         <p:nvSpPr>
-          <p:cNvPr id="3" name="Content Placeholder 2"/>
+          <p:cNvPr id="3" name="Content Placeholder 2" title=""/>
           <p:cNvSpPr>
             <a:spLocks noGrp="1"/>
           </p:cNvSpPr>
@@ -5984,7 +5984,7 @@
       </p:sp>
       <p:sp>
         <p:nvSpPr>
-          <p:cNvPr id="4" name="Text Placeholder 3"/>
+          <p:cNvPr id="4" name="Text Placeholder 3" title=""/>
           <p:cNvSpPr>
             <a:spLocks noGrp="1"/>
           </p:cNvSpPr>
@@ -6043,7 +6043,7 @@
       </p:sp>
       <p:sp>
         <p:nvSpPr>
-          <p:cNvPr id="5" name="Date Placeholder 4"/>
+          <p:cNvPr id="5" name="Date Placeholder 4" title=""/>
           <p:cNvSpPr>
             <a:spLocks noGrp="1"/>
           </p:cNvSpPr>
@@ -6056,7 +6056,7 @@
           <a:bodyPr/>
           <a:lstStyle/>
           <a:p>
-            <a:fld id="{09B961F5-A922-4CA5-911B-505A6C68B6A6}" type="datetimeFigureOut">
+            <a:fld id="{37355765-4534-4E44-B33E-ADA51703E3B4}" type="datetimeFigureOut">
               <a:rPr lang="en-US" smtClean="0"/>
               <a:t>11/7/2009</a:t>
             </a:fld>
@@ -6066,7 +6066,7 @@
       </p:sp>
       <p:sp>
         <p:nvSpPr>
-          <p:cNvPr id="6" name="Footer Placeholder 5"/>
+          <p:cNvPr id="6" name="Footer Placeholder 5" title=""/>
           <p:cNvSpPr>
             <a:spLocks noGrp="1"/>
           </p:cNvSpPr>
@@ -6085,7 +6085,7 @@
       </p:sp>
       <p:sp>
         <p:nvSpPr>
-          <p:cNvPr id="7" name="Slide Number Placeholder 6"/>
+          <p:cNvPr id="7" name="Slide Number Placeholder 6" title=""/>
           <p:cNvSpPr>
             <a:spLocks noGrp="1"/>
           </p:cNvSpPr>
@@ -6117,11 +6117,11 @@
 </file>
 
 <file path=ppt/slideLayouts/slideLayout9.xml><?xml version="1.0" encoding="utf-8"?>
-<p:sldLayout xmlns:a="http://schemas.openxmlformats.org/drawingml/2006/main" xmlns:r="http://schemas.openxmlformats.org/officeDocument/2006/relationships" xmlns:p14="http://schemas.microsoft.com/office/powerpoint/2010/main" xmlns:a14="http://schemas.microsoft.com/office/drawing/2010/main" xmlns:p15="http://schemas.microsoft.com/office/powerpoint/2012/main" xmlns:p159="http://schemas.microsoft.com/office/powerpoint/2015/09/main" xmlns:p="http://schemas.openxmlformats.org/presentationml/2006/main" type="picTx" preserve="1">
+<p:sldLayout xmlns:a="http://schemas.openxmlformats.org/drawingml/2006/main" xmlns:r="http://schemas.openxmlformats.org/officeDocument/2006/relationships" xmlns:m="http://schemas.openxmlformats.org/officeDocument/2006/math" xmlns:w="http://schemas.openxmlformats.org/wordprocessingml/2006/main" xmlns:wp="http://schemas.openxmlformats.org/drawingml/2006/wordprocessingDrawing" xmlns:a14="http://schemas.microsoft.com/office/drawing/2010/main" xmlns:mc="http://schemas.openxmlformats.org/markup-compatibility/2006" xmlns:p14="http://schemas.microsoft.com/office/powerpoint/2010/main" xmlns:p15="http://schemas.microsoft.com/office/powerpoint/2012/main" xmlns:p159="http://schemas.microsoft.com/office/powerpoint/2015/09/main" xmlns:p="http://schemas.openxmlformats.org/presentationml/2006/main" type="picTx" preserve="1">
   <p:cSld name="Picture with Caption">
     <p:spTree>
       <p:nvGrpSpPr>
-        <p:cNvPr id="1" name=""/>
+        <p:cNvPr id="1" name="" title=""/>
         <p:cNvGrpSpPr/>
         <p:nvPr/>
       </p:nvGrpSpPr>
@@ -6133,7 +6133,7 @@
       </p:grpSpPr>
       <p:sp>
         <p:nvSpPr>
-          <p:cNvPr id="2" name="Title 1"/>
+          <p:cNvPr id="2" name="Title 1" title=""/>
           <p:cNvSpPr>
             <a:spLocks noGrp="1"/>
           </p:cNvSpPr>
@@ -6160,7 +6160,7 @@
       </p:sp>
       <p:sp>
         <p:nvSpPr>
-          <p:cNvPr id="3" name="Picture Placeholder 2"/>
+          <p:cNvPr id="3" name="Picture Placeholder 2" title=""/>
           <p:cNvSpPr>
             <a:spLocks noGrp="1"/>
           </p:cNvSpPr>
@@ -6216,7 +6216,7 @@
       </p:sp>
       <p:sp>
         <p:nvSpPr>
-          <p:cNvPr id="4" name="Text Placeholder 3"/>
+          <p:cNvPr id="4" name="Text Placeholder 3" title=""/>
           <p:cNvSpPr>
             <a:spLocks noGrp="1"/>
           </p:cNvSpPr>
@@ -6275,7 +6275,7 @@
       </p:sp>
       <p:sp>
         <p:nvSpPr>
-          <p:cNvPr id="5" name="Date Placeholder 4"/>
+          <p:cNvPr id="5" name="Date Placeholder 4" title=""/>
           <p:cNvSpPr>
             <a:spLocks noGrp="1"/>
           </p:cNvSpPr>
@@ -6288,7 +6288,7 @@
           <a:bodyPr/>
           <a:lstStyle/>
           <a:p>
-            <a:fld id="{B1065B16-CD03-4E87-A051-237B4F21015C}" type="datetimeFigureOut">
+            <a:fld id="{C47E2F0C-8754-4013-9BA8-9FCD69DBE702}" type="datetimeFigureOut">
               <a:rPr lang="en-US" smtClean="0"/>
               <a:t>11/7/2009</a:t>
             </a:fld>
@@ -6298,7 +6298,7 @@
       </p:sp>
       <p:sp>
         <p:nvSpPr>
-          <p:cNvPr id="6" name="Footer Placeholder 5"/>
+          <p:cNvPr id="6" name="Footer Placeholder 5" title=""/>
           <p:cNvSpPr>
             <a:spLocks noGrp="1"/>
           </p:cNvSpPr>
@@ -6317,7 +6317,7 @@
       </p:sp>
       <p:sp>
         <p:nvSpPr>
-          <p:cNvPr id="7" name="Slide Number Placeholder 6"/>
+          <p:cNvPr id="7" name="Slide Number Placeholder 6" title=""/>
           <p:cNvSpPr>
             <a:spLocks noGrp="1"/>
           </p:cNvSpPr>
@@ -6349,7 +6349,7 @@
 </file>
 
 <file path=ppt/slideMasters/slideMaster1.xml><?xml version="1.0" encoding="utf-8"?>
-<p:sldMaster xmlns:a="http://schemas.openxmlformats.org/drawingml/2006/main" xmlns:r="http://schemas.openxmlformats.org/officeDocument/2006/relationships" xmlns:p14="http://schemas.microsoft.com/office/powerpoint/2010/main" xmlns:a14="http://schemas.microsoft.com/office/drawing/2010/main" xmlns:p15="http://schemas.microsoft.com/office/powerpoint/2012/main" xmlns:p159="http://schemas.microsoft.com/office/powerpoint/2015/09/main" xmlns:p="http://schemas.openxmlformats.org/presentationml/2006/main">
+<p:sldMaster xmlns:a="http://schemas.openxmlformats.org/drawingml/2006/main" xmlns:r="http://schemas.openxmlformats.org/officeDocument/2006/relationships" xmlns:m="http://schemas.openxmlformats.org/officeDocument/2006/math" xmlns:w="http://schemas.openxmlformats.org/wordprocessingml/2006/main" xmlns:wp="http://schemas.openxmlformats.org/drawingml/2006/wordprocessingDrawing" xmlns:a14="http://schemas.microsoft.com/office/drawing/2010/main" xmlns:mc="http://schemas.openxmlformats.org/markup-compatibility/2006" xmlns:p14="http://schemas.microsoft.com/office/powerpoint/2010/main" xmlns:p15="http://schemas.microsoft.com/office/powerpoint/2012/main" xmlns:p159="http://schemas.microsoft.com/office/powerpoint/2015/09/main" xmlns:p="http://schemas.openxmlformats.org/presentationml/2006/main">
   <p:cSld>
     <p:bg>
       <p:bgRef idx="1001">
@@ -6358,7 +6358,7 @@
     </p:bg>
     <p:spTree>
       <p:nvGrpSpPr>
-        <p:cNvPr id="1" name=""/>
+        <p:cNvPr id="1" name="" title=""/>
         <p:cNvGrpSpPr/>
         <p:nvPr/>
       </p:nvGrpSpPr>
@@ -6370,7 +6370,7 @@
       </p:grpSpPr>
       <p:sp>
         <p:nvSpPr>
-          <p:cNvPr id="2" name="Title Placeholder 1"/>
+          <p:cNvPr id="2" name="Title Placeholder 1" title=""/>
           <p:cNvSpPr>
             <a:spLocks noGrp="1"/>
           </p:cNvSpPr>
@@ -6403,7 +6403,7 @@
       </p:sp>
       <p:sp>
         <p:nvSpPr>
-          <p:cNvPr id="3" name="Text Placeholder 2"/>
+          <p:cNvPr id="3" name="Text Placeholder 2" title=""/>
           <p:cNvSpPr>
             <a:spLocks noGrp="1"/>
           </p:cNvSpPr>
@@ -6464,7 +6464,7 @@
       </p:sp>
       <p:sp>
         <p:nvSpPr>
-          <p:cNvPr id="4" name="Date Placeholder 3"/>
+          <p:cNvPr id="4" name="Date Placeholder 3" title=""/>
           <p:cNvSpPr>
             <a:spLocks noGrp="1"/>
           </p:cNvSpPr>
@@ -6505,7 +6505,7 @@
       </p:sp>
       <p:sp>
         <p:nvSpPr>
-          <p:cNvPr id="5" name="Footer Placeholder 4"/>
+          <p:cNvPr id="5" name="Footer Placeholder 4" title=""/>
           <p:cNvSpPr>
             <a:spLocks noGrp="1"/>
           </p:cNvSpPr>
@@ -6542,7 +6542,7 @@
       </p:sp>
       <p:sp>
         <p:nvSpPr>
-          <p:cNvPr id="6" name="Slide Number Placeholder 5"/>
+          <p:cNvPr id="6" name="Slide Number Placeholder 5" title=""/>
           <p:cNvSpPr>
             <a:spLocks noGrp="1"/>
           </p:cNvSpPr>
@@ -6853,11 +6853,11 @@
 </file>
 
 <file path=ppt/slides/slide1.xml><?xml version="1.0" encoding="utf-8"?>
-<p:sld xmlns:a="http://schemas.openxmlformats.org/drawingml/2006/main" xmlns:r="http://schemas.openxmlformats.org/officeDocument/2006/relationships" xmlns:p14="http://schemas.microsoft.com/office/powerpoint/2010/main" xmlns:a14="http://schemas.microsoft.com/office/drawing/2010/main" xmlns:p15="http://schemas.microsoft.com/office/powerpoint/2012/main" xmlns:p159="http://schemas.microsoft.com/office/powerpoint/2015/09/main" xmlns:p="http://schemas.openxmlformats.org/presentationml/2006/main">
+<p:sld xmlns:a="http://schemas.openxmlformats.org/drawingml/2006/main" xmlns:r="http://schemas.openxmlformats.org/officeDocument/2006/relationships" xmlns:m="http://schemas.openxmlformats.org/officeDocument/2006/math" xmlns:w="http://schemas.openxmlformats.org/wordprocessingml/2006/main" xmlns:wp="http://schemas.openxmlformats.org/drawingml/2006/wordprocessingDrawing" xmlns:a14="http://schemas.microsoft.com/office/drawing/2010/main" xmlns:mc="http://schemas.openxmlformats.org/markup-compatibility/2006" xmlns:p14="http://schemas.microsoft.com/office/powerpoint/2010/main" xmlns:p15="http://schemas.microsoft.com/office/powerpoint/2012/main" xmlns:p159="http://schemas.microsoft.com/office/powerpoint/2015/09/main" xmlns:p="http://schemas.openxmlformats.org/presentationml/2006/main">
   <p:cSld>
     <p:spTree>
       <p:nvGrpSpPr>
-        <p:cNvPr id="1" name=""/>
+        <p:cNvPr id="1" name="" title=""/>
         <p:cNvGrpSpPr/>
         <p:nvPr/>
       </p:nvGrpSpPr>
@@ -6869,7 +6869,7 @@
       </p:grpSpPr>
       <p:graphicFrame>
         <p:nvGraphicFramePr>
-          <p:cNvPr id="2" name="ChartObject"/>
+          <p:cNvPr id="2" name="ChartObject" title=""/>
           <p:cNvGraphicFramePr/>
           <p:nvPr/>
         </p:nvGraphicFramePr>
@@ -6883,9 +6883,80 @@
           </a:graphicData>
         </a:graphic>
       </p:graphicFrame>
+      <p:sp>
+        <p:nvSpPr>
+          <p:cNvPr id="3" name="TextBox"/>
+          <p:cNvSpPr txBox="1">
+            <a:spLocks noGrp="1" noSelect="1" noRot="1" noMove="1"/>
+          </p:cNvSpPr>
+          <p:nvPr/>
+        </p:nvSpPr>
+        <p:spPr>
+          <a:xfrm>
+            <a:off x="1366520" y="2644140"/>
+            <a:ext cx="6411372" cy="1569660"/>
+          </a:xfrm>
+          <a:prstGeom prst="rect">
+            <a:avLst/>
+          </a:prstGeom>
+          <a:noFill/>
+        </p:spPr>
+        <p:txBody>
+          <a:bodyPr wrap="none" rtlCol="0" anchor="ctr" anchorCtr="1">
+            <a:spAutoFit/>
+          </a:bodyPr>
+          <a:lstStyle>
+            <a:lvl1pPr algn="l">
+              <a:lnSpc>
+                <a:spcPct val="150000"/>
+              </a:lnSpc>
+              <a:spcBef>
+                <a:spcPct val="0"/>
+              </a:spcBef>
+              <a:spcAft>
+                <a:spcPct val="0"/>
+              </a:spcAft>
+              <a:defRPr lang="en-US" sz="3200" b="1" noProof="1">
+                <a:solidFill>
+                  <a:prstClr val="red">
+                    <a:lumOff val="30000"/>
+                    <a:alpha val="40000"/>
+                  </a:prstClr>
+                </a:solidFill>
+                <a:effectLst>
+                  <a:outerShdw blurRad="50800" dist="38100" algn="tr" rotWithShape="0">
+                    <a:prstClr val="black">
+                      <a:alpha val="80000"/>
+                    </a:prstClr>
+                  </a:outerShdw>
+                </a:effectLst>
+                <a:latin typeface="Calibri" pitchFamily="34" charset="0"/>
+              </a:defRPr>
+            </a:lvl1pPr>
+          </a:lstStyle>
+          <a:p>
+            <a:pPr algn="ctr"/>
+            <a:r>
+              <a:t>Evaluation only.</a:t>
+            </a:r>
+          </a:p>
+          <a:p>
+            <a:pPr algn="ctr"/>
+            <a:r>
+              <a:t>Created with Aspose.Slides for .NET 4.0 Client Profile 21.12.</a:t>
+            </a:r>
+          </a:p>
+          <a:p>
+            <a:pPr algn="ctr"/>
+            <a:r>
+              <a:t>Copyright 2004-2021Aspose Pty Ltd.</a:t>
+            </a:r>
+          </a:p>
+        </p:txBody>
+      </p:sp>
       <p:graphicFrame>
         <p:nvGraphicFramePr>
-          <p:cNvPr id="3" name="New Diagram"/>
+          <p:cNvPr id="4" name="New Diagram" title=""/>
           <p:cNvGraphicFramePr/>
           <p:nvPr/>
         </p:nvGraphicFramePr>
@@ -6899,6 +6970,77 @@
           </a:graphicData>
         </a:graphic>
       </p:graphicFrame>
+      <p:sp>
+        <p:nvSpPr>
+          <p:cNvPr id="5" name="TextBox"/>
+          <p:cNvSpPr txBox="1">
+            <a:spLocks noGrp="1" noSelect="1" noRot="1" noMove="1"/>
+          </p:cNvSpPr>
+          <p:nvPr/>
+        </p:nvSpPr>
+        <p:spPr>
+          <a:xfrm>
+            <a:off x="1366520" y="2644140"/>
+            <a:ext cx="6411372" cy="1569660"/>
+          </a:xfrm>
+          <a:prstGeom prst="rect">
+            <a:avLst/>
+          </a:prstGeom>
+          <a:noFill/>
+        </p:spPr>
+        <p:txBody>
+          <a:bodyPr wrap="none" rtlCol="0" anchor="ctr" anchorCtr="1">
+            <a:spAutoFit/>
+          </a:bodyPr>
+          <a:lstStyle>
+            <a:lvl1pPr algn="l">
+              <a:lnSpc>
+                <a:spcPct val="150000"/>
+              </a:lnSpc>
+              <a:spcBef>
+                <a:spcPct val="0"/>
+              </a:spcBef>
+              <a:spcAft>
+                <a:spcPct val="0"/>
+              </a:spcAft>
+              <a:defRPr lang="en-US" sz="3200" b="1" noProof="1" dirty="0">
+                <a:solidFill>
+                  <a:prstClr val="red">
+                    <a:lumOff val="30000"/>
+                    <a:alpha val="40000"/>
+                  </a:prstClr>
+                </a:solidFill>
+                <a:effectLst>
+                  <a:outerShdw blurRad="50800" dist="38100" algn="tr" rotWithShape="0">
+                    <a:prstClr val="black">
+                      <a:alpha val="80000"/>
+                    </a:prstClr>
+                  </a:outerShdw>
+                </a:effectLst>
+                <a:latin typeface="Calibri" pitchFamily="34" charset="0"/>
+              </a:defRPr>
+            </a:lvl1pPr>
+          </a:lstStyle>
+          <a:p>
+            <a:pPr algn="ctr"/>
+            <a:r>
+              <a:t>Evaluation only.</a:t>
+            </a:r>
+          </a:p>
+          <a:p>
+            <a:pPr algn="ctr"/>
+            <a:r>
+              <a:t>Created with Aspose.Slides for .NET 4.0 Client Profile 21.12.</a:t>
+            </a:r>
+          </a:p>
+          <a:p>
+            <a:pPr algn="ctr"/>
+            <a:r>
+              <a:t>Copyright 2004-2021Aspose Pty Ltd.</a:t>
+            </a:r>
+          </a:p>
+        </p:txBody>
+      </p:sp>
     </p:spTree>
   </p:cSld>
   <p:clrMapOvr>
@@ -6912,10 +7054,10 @@
 <file path=ppt/tags/tag1.xml><?xml version="1.0" encoding="utf-8"?>
 <p:tagLst xmlns:p="http://schemas.openxmlformats.org/presentationml/2006/main">
   <p:tag name="AS_NET" val="4.0.30319.42000"/>
-  <p:tag name="AS_OS" val="Microsoft Windows NT 6.2.9200.0"/>
-  <p:tag name="AS_RELEASE_DATE" val="2019.06.14"/>
+  <p:tag name="AS_OS" val="Microsoft Windows NT 6.3.9600.0"/>
+  <p:tag name="AS_RELEASE_DATE" val="2021.12.14"/>
   <p:tag name="AS_TITLE" val="Aspose.Slides for .NET 4.0 Client Profile"/>
-  <p:tag name="AS_VERSION" val="19.6"/>
+  <p:tag name="AS_VERSION" val="21.12"/>
 </p:tagLst>
 </file>
 
